--- a/mid_sem_RL.pptx
+++ b/mid_sem_RL.pptx
@@ -4,23 +4,32 @@
   <p:sldMasterIdLst>
     <p:sldMasterId id="2147483648" r:id="rId1"/>
   </p:sldMasterIdLst>
+  <p:notesMasterIdLst>
+    <p:notesMasterId r:id="rId4"/>
+  </p:notesMasterIdLst>
   <p:sldIdLst>
     <p:sldId id="256" r:id="rId3"/>
-    <p:sldId id="258" r:id="rId4"/>
-    <p:sldId id="259" r:id="rId5"/>
-    <p:sldId id="275" r:id="rId6"/>
-    <p:sldId id="260" r:id="rId7"/>
-    <p:sldId id="262" r:id="rId8"/>
-    <p:sldId id="263" r:id="rId9"/>
-    <p:sldId id="264" r:id="rId10"/>
-    <p:sldId id="266" r:id="rId11"/>
-    <p:sldId id="268" r:id="rId12"/>
-    <p:sldId id="269" r:id="rId13"/>
-    <p:sldId id="270" r:id="rId14"/>
-    <p:sldId id="271" r:id="rId15"/>
-    <p:sldId id="273" r:id="rId16"/>
-    <p:sldId id="276" r:id="rId17"/>
-    <p:sldId id="278" r:id="rId18"/>
+    <p:sldId id="258" r:id="rId5"/>
+    <p:sldId id="259" r:id="rId6"/>
+    <p:sldId id="275" r:id="rId7"/>
+    <p:sldId id="260" r:id="rId8"/>
+    <p:sldId id="262" r:id="rId9"/>
+    <p:sldId id="263" r:id="rId10"/>
+    <p:sldId id="264" r:id="rId11"/>
+    <p:sldId id="266" r:id="rId12"/>
+    <p:sldId id="268" r:id="rId13"/>
+    <p:sldId id="276" r:id="rId14"/>
+    <p:sldId id="269" r:id="rId15"/>
+    <p:sldId id="270" r:id="rId16"/>
+    <p:sldId id="271" r:id="rId17"/>
+    <p:sldId id="273" r:id="rId18"/>
+    <p:sldId id="278" r:id="rId19"/>
+    <p:sldId id="280" r:id="rId20"/>
+    <p:sldId id="281" r:id="rId21"/>
+    <p:sldId id="282" r:id="rId22"/>
+    <p:sldId id="283" r:id="rId23"/>
+    <p:sldId id="284" r:id="rId24"/>
+    <p:sldId id="279" r:id="rId25"/>
   </p:sldIdLst>
   <p:sldSz cx="12192000" cy="6858000"/>
   <p:notesSz cx="6858000" cy="9144000"/>
@@ -120,6 +129,401 @@
     </a:lvl9pPr>
   </p:defaultTextStyle>
 </p:presentation>
+</file>
+
+<file path=ppt/notesMasters/notesMaster1.xml><?xml version="1.0" encoding="utf-8"?>
+<p:notesMaster xmlns:a="http://schemas.openxmlformats.org/drawingml/2006/main" xmlns:r="http://schemas.openxmlformats.org/officeDocument/2006/relationships" xmlns:p="http://schemas.openxmlformats.org/presentationml/2006/main">
+  <p:cSld>
+    <p:bg>
+      <p:bgRef idx="1001">
+        <a:schemeClr val="bg1"/>
+      </p:bgRef>
+    </p:bg>
+    <p:spTree>
+      <p:nvGrpSpPr>
+        <p:cNvPr id="1" name=""/>
+        <p:cNvGrpSpPr/>
+        <p:nvPr/>
+      </p:nvGrpSpPr>
+      <p:grpSpPr>
+        <a:xfrm>
+          <a:off x="0" y="0"/>
+          <a:ext cx="0" cy="0"/>
+          <a:chOff x="0" y="0"/>
+          <a:chExt cx="0" cy="0"/>
+        </a:xfrm>
+      </p:grpSpPr>
+      <p:sp>
+        <p:nvSpPr>
+          <p:cNvPr id="2" name="Header Placeholder 1"/>
+          <p:cNvSpPr>
+            <a:spLocks noGrp="1"/>
+          </p:cNvSpPr>
+          <p:nvPr>
+            <p:ph type="hdr" sz="quarter"/>
+          </p:nvPr>
+        </p:nvSpPr>
+        <p:spPr>
+          <a:xfrm>
+            <a:off x="0" y="0"/>
+            <a:ext cx="2971800" cy="458788"/>
+          </a:xfrm>
+          <a:prstGeom prst="rect">
+            <a:avLst/>
+          </a:prstGeom>
+        </p:spPr>
+        <p:txBody>
+          <a:bodyPr vert="horz" lIns="91440" tIns="45720" rIns="91440" bIns="45720" rtlCol="0"/>
+          <a:lstStyle>
+            <a:lvl1pPr algn="l">
+              <a:defRPr sz="1200"/>
+            </a:lvl1pPr>
+          </a:lstStyle>
+          <a:p>
+            <a:endParaRPr lang="en-US"/>
+          </a:p>
+        </p:txBody>
+      </p:sp>
+      <p:sp>
+        <p:nvSpPr>
+          <p:cNvPr id="3" name="Date Placeholder 2"/>
+          <p:cNvSpPr>
+            <a:spLocks noGrp="1"/>
+          </p:cNvSpPr>
+          <p:nvPr>
+            <p:ph type="dt" idx="1"/>
+          </p:nvPr>
+        </p:nvSpPr>
+        <p:spPr>
+          <a:xfrm>
+            <a:off x="3884613" y="0"/>
+            <a:ext cx="2971800" cy="458788"/>
+          </a:xfrm>
+          <a:prstGeom prst="rect">
+            <a:avLst/>
+          </a:prstGeom>
+        </p:spPr>
+        <p:txBody>
+          <a:bodyPr vert="horz" lIns="91440" tIns="45720" rIns="91440" bIns="45720" rtlCol="0"/>
+          <a:lstStyle>
+            <a:lvl1pPr algn="r">
+              <a:defRPr sz="1200"/>
+            </a:lvl1pPr>
+          </a:lstStyle>
+          <a:p>
+            <a:fld id="{3EFD42F7-718C-4B98-AAEC-167E6DDD60A7}" type="datetimeFigureOut">
+              <a:rPr lang="en-US" smtClean="0"/>
+            </a:fld>
+            <a:endParaRPr lang="en-US"/>
+          </a:p>
+        </p:txBody>
+      </p:sp>
+      <p:sp>
+        <p:nvSpPr>
+          <p:cNvPr id="4" name="Slide Image Placeholder 3"/>
+          <p:cNvSpPr>
+            <a:spLocks noGrp="1" noRot="1" noChangeAspect="1"/>
+          </p:cNvSpPr>
+          <p:nvPr>
+            <p:ph type="sldImg" idx="2"/>
+          </p:nvPr>
+        </p:nvSpPr>
+        <p:spPr>
+          <a:xfrm>
+            <a:off x="685800" y="1143000"/>
+            <a:ext cx="5486400" cy="3086100"/>
+          </a:xfrm>
+          <a:prstGeom prst="rect">
+            <a:avLst/>
+          </a:prstGeom>
+          <a:noFill/>
+          <a:ln w="12700">
+            <a:solidFill>
+              <a:prstClr val="black"/>
+            </a:solidFill>
+          </a:ln>
+        </p:spPr>
+        <p:txBody>
+          <a:bodyPr vert="horz" lIns="91440" tIns="45720" rIns="91440" bIns="45720" rtlCol="0" anchor="ctr"/>
+          <a:lstStyle/>
+          <a:p>
+            <a:endParaRPr lang="en-US"/>
+          </a:p>
+        </p:txBody>
+      </p:sp>
+      <p:sp>
+        <p:nvSpPr>
+          <p:cNvPr id="5" name="Notes Placeholder 4"/>
+          <p:cNvSpPr>
+            <a:spLocks noGrp="1"/>
+          </p:cNvSpPr>
+          <p:nvPr>
+            <p:ph type="body" sz="quarter" idx="3"/>
+          </p:nvPr>
+        </p:nvSpPr>
+        <p:spPr>
+          <a:xfrm>
+            <a:off x="685800" y="4400550"/>
+            <a:ext cx="5486400" cy="3600450"/>
+          </a:xfrm>
+          <a:prstGeom prst="rect">
+            <a:avLst/>
+          </a:prstGeom>
+        </p:spPr>
+        <p:txBody>
+          <a:bodyPr vert="horz" lIns="91440" tIns="45720" rIns="91440" bIns="45720" rtlCol="0"/>
+          <a:lstStyle/>
+          <a:p>
+            <a:pPr lvl="0"/>
+            <a:r>
+              <a:rPr lang="en-US" smtClean="0"/>
+              <a:t>Click to edit Master text styles</a:t>
+            </a:r>
+            <a:endParaRPr lang="en-US" smtClean="0"/>
+          </a:p>
+          <a:p>
+            <a:pPr lvl="1"/>
+            <a:r>
+              <a:rPr lang="en-US" smtClean="0"/>
+              <a:t>Second level</a:t>
+            </a:r>
+            <a:endParaRPr lang="en-US" smtClean="0"/>
+          </a:p>
+          <a:p>
+            <a:pPr lvl="2"/>
+            <a:r>
+              <a:rPr lang="en-US" smtClean="0"/>
+              <a:t>Third level</a:t>
+            </a:r>
+            <a:endParaRPr lang="en-US" smtClean="0"/>
+          </a:p>
+          <a:p>
+            <a:pPr lvl="3"/>
+            <a:r>
+              <a:rPr lang="en-US" smtClean="0"/>
+              <a:t>Fourth level</a:t>
+            </a:r>
+            <a:endParaRPr lang="en-US" smtClean="0"/>
+          </a:p>
+          <a:p>
+            <a:pPr lvl="4"/>
+            <a:r>
+              <a:rPr lang="en-US" smtClean="0"/>
+              <a:t>Fifth level</a:t>
+            </a:r>
+            <a:endParaRPr lang="en-US"/>
+          </a:p>
+        </p:txBody>
+      </p:sp>
+      <p:sp>
+        <p:nvSpPr>
+          <p:cNvPr id="6" name="Footer Placeholder 5"/>
+          <p:cNvSpPr>
+            <a:spLocks noGrp="1"/>
+          </p:cNvSpPr>
+          <p:nvPr>
+            <p:ph type="ftr" sz="quarter" idx="4"/>
+          </p:nvPr>
+        </p:nvSpPr>
+        <p:spPr>
+          <a:xfrm>
+            <a:off x="0" y="8685213"/>
+            <a:ext cx="2971800" cy="458787"/>
+          </a:xfrm>
+          <a:prstGeom prst="rect">
+            <a:avLst/>
+          </a:prstGeom>
+        </p:spPr>
+        <p:txBody>
+          <a:bodyPr vert="horz" lIns="91440" tIns="45720" rIns="91440" bIns="45720" rtlCol="0" anchor="b"/>
+          <a:lstStyle>
+            <a:lvl1pPr algn="l">
+              <a:defRPr sz="1200"/>
+            </a:lvl1pPr>
+          </a:lstStyle>
+          <a:p>
+            <a:endParaRPr lang="en-US"/>
+          </a:p>
+        </p:txBody>
+      </p:sp>
+      <p:sp>
+        <p:nvSpPr>
+          <p:cNvPr id="7" name="Slide Number Placeholder 6"/>
+          <p:cNvSpPr>
+            <a:spLocks noGrp="1"/>
+          </p:cNvSpPr>
+          <p:nvPr>
+            <p:ph type="sldNum" sz="quarter" idx="5"/>
+          </p:nvPr>
+        </p:nvSpPr>
+        <p:spPr>
+          <a:xfrm>
+            <a:off x="3884613" y="8685213"/>
+            <a:ext cx="2971800" cy="458787"/>
+          </a:xfrm>
+          <a:prstGeom prst="rect">
+            <a:avLst/>
+          </a:prstGeom>
+        </p:spPr>
+        <p:txBody>
+          <a:bodyPr vert="horz" lIns="91440" tIns="45720" rIns="91440" bIns="45720" rtlCol="0" anchor="b"/>
+          <a:lstStyle>
+            <a:lvl1pPr algn="r">
+              <a:defRPr sz="1200"/>
+            </a:lvl1pPr>
+          </a:lstStyle>
+          <a:p>
+            <a:fld id="{21B2AA4F-B828-4D7C-AFD3-893933DAFCB4}" type="slidenum">
+              <a:rPr lang="en-US" smtClean="0"/>
+            </a:fld>
+            <a:endParaRPr lang="en-US"/>
+          </a:p>
+        </p:txBody>
+      </p:sp>
+    </p:spTree>
+  </p:cSld>
+  <p:clrMap bg1="lt1" tx1="dk1" bg2="lt2" tx2="dk2" accent1="accent1" accent2="accent2" accent3="accent3" accent4="accent4" accent5="accent5" accent6="accent6" hlink="hlink" folHlink="folHlink"/>
+  <p:notesStyle>
+    <a:lvl1pPr marL="0" algn="l" defTabSz="914400" rtl="0" eaLnBrk="1" latinLnBrk="0" hangingPunct="1">
+      <a:defRPr sz="1200" kern="1200">
+        <a:solidFill>
+          <a:schemeClr val="tx1"/>
+        </a:solidFill>
+        <a:latin typeface="+mn-lt"/>
+        <a:ea typeface="+mn-ea"/>
+        <a:cs typeface="+mn-cs"/>
+      </a:defRPr>
+    </a:lvl1pPr>
+    <a:lvl2pPr marL="457200" algn="l" defTabSz="914400" rtl="0" eaLnBrk="1" latinLnBrk="0" hangingPunct="1">
+      <a:defRPr sz="1200" kern="1200">
+        <a:solidFill>
+          <a:schemeClr val="tx1"/>
+        </a:solidFill>
+        <a:latin typeface="+mn-lt"/>
+        <a:ea typeface="+mn-ea"/>
+        <a:cs typeface="+mn-cs"/>
+      </a:defRPr>
+    </a:lvl2pPr>
+    <a:lvl3pPr marL="914400" algn="l" defTabSz="914400" rtl="0" eaLnBrk="1" latinLnBrk="0" hangingPunct="1">
+      <a:defRPr sz="1200" kern="1200">
+        <a:solidFill>
+          <a:schemeClr val="tx1"/>
+        </a:solidFill>
+        <a:latin typeface="+mn-lt"/>
+        <a:ea typeface="+mn-ea"/>
+        <a:cs typeface="+mn-cs"/>
+      </a:defRPr>
+    </a:lvl3pPr>
+    <a:lvl4pPr marL="1371600" algn="l" defTabSz="914400" rtl="0" eaLnBrk="1" latinLnBrk="0" hangingPunct="1">
+      <a:defRPr sz="1200" kern="1200">
+        <a:solidFill>
+          <a:schemeClr val="tx1"/>
+        </a:solidFill>
+        <a:latin typeface="+mn-lt"/>
+        <a:ea typeface="+mn-ea"/>
+        <a:cs typeface="+mn-cs"/>
+      </a:defRPr>
+    </a:lvl4pPr>
+    <a:lvl5pPr marL="1828800" algn="l" defTabSz="914400" rtl="0" eaLnBrk="1" latinLnBrk="0" hangingPunct="1">
+      <a:defRPr sz="1200" kern="1200">
+        <a:solidFill>
+          <a:schemeClr val="tx1"/>
+        </a:solidFill>
+        <a:latin typeface="+mn-lt"/>
+        <a:ea typeface="+mn-ea"/>
+        <a:cs typeface="+mn-cs"/>
+      </a:defRPr>
+    </a:lvl5pPr>
+    <a:lvl6pPr marL="2286000" algn="l" defTabSz="914400" rtl="0" eaLnBrk="1" latinLnBrk="0" hangingPunct="1">
+      <a:defRPr sz="1200" kern="1200">
+        <a:solidFill>
+          <a:schemeClr val="tx1"/>
+        </a:solidFill>
+        <a:latin typeface="+mn-lt"/>
+        <a:ea typeface="+mn-ea"/>
+        <a:cs typeface="+mn-cs"/>
+      </a:defRPr>
+    </a:lvl6pPr>
+    <a:lvl7pPr marL="2743200" algn="l" defTabSz="914400" rtl="0" eaLnBrk="1" latinLnBrk="0" hangingPunct="1">
+      <a:defRPr sz="1200" kern="1200">
+        <a:solidFill>
+          <a:schemeClr val="tx1"/>
+        </a:solidFill>
+        <a:latin typeface="+mn-lt"/>
+        <a:ea typeface="+mn-ea"/>
+        <a:cs typeface="+mn-cs"/>
+      </a:defRPr>
+    </a:lvl7pPr>
+    <a:lvl8pPr marL="3200400" algn="l" defTabSz="914400" rtl="0" eaLnBrk="1" latinLnBrk="0" hangingPunct="1">
+      <a:defRPr sz="1200" kern="1200">
+        <a:solidFill>
+          <a:schemeClr val="tx1"/>
+        </a:solidFill>
+        <a:latin typeface="+mn-lt"/>
+        <a:ea typeface="+mn-ea"/>
+        <a:cs typeface="+mn-cs"/>
+      </a:defRPr>
+    </a:lvl8pPr>
+    <a:lvl9pPr marL="3657600" algn="l" defTabSz="914400" rtl="0" eaLnBrk="1" latinLnBrk="0" hangingPunct="1">
+      <a:defRPr sz="1200" kern="1200">
+        <a:solidFill>
+          <a:schemeClr val="tx1"/>
+        </a:solidFill>
+        <a:latin typeface="+mn-lt"/>
+        <a:ea typeface="+mn-ea"/>
+        <a:cs typeface="+mn-cs"/>
+      </a:defRPr>
+    </a:lvl9pPr>
+  </p:notesStyle>
+</p:notesMaster>
+</file>
+
+<file path=ppt/notesSlides/notesSlide1.xml><?xml version="1.0" encoding="utf-8"?>
+<p:notes xmlns:a="http://schemas.openxmlformats.org/drawingml/2006/main" xmlns:r="http://schemas.openxmlformats.org/officeDocument/2006/relationships" xmlns:p="http://schemas.openxmlformats.org/presentationml/2006/main">
+  <p:cSld>
+    <p:spTree>
+      <p:nvGrpSpPr>
+        <p:cNvPr id="1" name=""/>
+        <p:cNvGrpSpPr/>
+        <p:nvPr/>
+      </p:nvGrpSpPr>
+      <p:grpSpPr/>
+      <p:sp>
+        <p:nvSpPr>
+          <p:cNvPr id="2" name="Slide Image Placeholder 1"/>
+          <p:cNvSpPr>
+            <a:spLocks noGrp="1"/>
+          </p:cNvSpPr>
+          <p:nvPr>
+            <p:ph type="sldImg" idx="2"/>
+          </p:nvPr>
+        </p:nvSpPr>
+        <p:spPr/>
+      </p:sp>
+      <p:sp>
+        <p:nvSpPr>
+          <p:cNvPr id="3" name="Text Placeholder 2"/>
+          <p:cNvSpPr>
+            <a:spLocks noGrp="1"/>
+          </p:cNvSpPr>
+          <p:nvPr>
+            <p:ph type="body" idx="3"/>
+          </p:nvPr>
+        </p:nvSpPr>
+        <p:spPr/>
+        <p:txBody>
+          <a:bodyPr/>
+          <a:p>
+            <a:endParaRPr lang="en-US"/>
+          </a:p>
+        </p:txBody>
+      </p:sp>
+    </p:spTree>
+  </p:cSld>
+  <p:clrMapOvr>
+    <a:masterClrMapping/>
+  </p:clrMapOvr>
+</p:notes>
 </file>
 
 <file path=ppt/slideLayouts/slideLayout1.xml><?xml version="1.0" encoding="utf-8"?>
@@ -4268,8 +4672,8 @@
         </p:nvSpPr>
         <p:spPr>
           <a:xfrm>
-            <a:off x="3368040" y="351155"/>
-            <a:ext cx="5281295" cy="730885"/>
+            <a:off x="3885565" y="335915"/>
+            <a:ext cx="4421505" cy="730885"/>
           </a:xfrm>
           <a:prstGeom prst="rect">
             <a:avLst/>
@@ -4289,9 +4693,8 @@
               <a:rPr lang="en-US" altLang="en-US" sz="3200" b="1">
                 <a:latin typeface="Cambria" panose="02040503050406030204" charset="0"/>
                 <a:cs typeface="Cambria" panose="02040503050406030204" charset="0"/>
-                <a:sym typeface="+mn-ea"/>
-              </a:rPr>
-              <a:t>Q-Learning Demonstration</a:t>
+              </a:rPr>
+              <a:t>Q-Learning Workflow</a:t>
             </a:r>
             <a:endParaRPr lang="en-US" altLang="en-US" sz="3200" b="1">
               <a:latin typeface="Cambria" panose="02040503050406030204" charset="0"/>
@@ -4300,16 +4703,40 @@
           </a:p>
         </p:txBody>
       </p:sp>
-      <p:sp>
-        <p:nvSpPr>
-          <p:cNvPr id="4" name="Text Box 3"/>
+      <p:pic>
+        <p:nvPicPr>
+          <p:cNvPr id="5" name="Picture 4" descr="Mermaid Chart - Create complex, visual diagrams with text. A smarter way of creating diagrams.-2025-09-08-104121"/>
+          <p:cNvPicPr>
+            <a:picLocks noChangeAspect="1"/>
+          </p:cNvPicPr>
+          <p:nvPr/>
+        </p:nvPicPr>
+        <p:blipFill>
+          <a:blip r:embed="rId1"/>
+          <a:stretch>
+            <a:fillRect/>
+          </a:stretch>
+        </p:blipFill>
+        <p:spPr>
+          <a:xfrm>
+            <a:off x="1104900" y="1310005"/>
+            <a:ext cx="10596245" cy="4928870"/>
+          </a:xfrm>
+          <a:prstGeom prst="rect">
+            <a:avLst/>
+          </a:prstGeom>
+        </p:spPr>
+      </p:pic>
+      <p:sp>
+        <p:nvSpPr>
+          <p:cNvPr id="7" name="Text Box 6"/>
           <p:cNvSpPr txBox="1"/>
           <p:nvPr/>
         </p:nvSpPr>
         <p:spPr>
           <a:xfrm>
-            <a:off x="1257300" y="1204595"/>
-            <a:ext cx="9794240" cy="5322570"/>
+            <a:off x="4984750" y="6130290"/>
+            <a:ext cx="2222500" cy="368300"/>
           </a:xfrm>
           <a:prstGeom prst="rect">
             <a:avLst/>
@@ -4318,258 +4745,17 @@
         </p:spPr>
         <p:txBody>
           <a:bodyPr wrap="square" rtlCol="0">
-            <a:noAutofit/>
+            <a:spAutoFit/>
           </a:bodyPr>
           <a:p>
-            <a:pPr marL="342900" indent="-342900">
-              <a:buFont typeface="Wingdings" panose="05000000000000000000" charset="0"/>
-              <a:buChar char="v"/>
-            </a:pPr>
-            <a:r>
-              <a:rPr lang="en-US" altLang="en-US" sz="2000" b="1">
-                <a:latin typeface="Cambria" panose="02040503050406030204" charset="0"/>
-                <a:cs typeface="Cambria" panose="02040503050406030204" charset="0"/>
-              </a:rPr>
-              <a:t>Environment Setup:</a:t>
-            </a:r>
-            <a:endParaRPr lang="en-US" altLang="en-US" sz="2000" b="1">
-              <a:latin typeface="Cambria" panose="02040503050406030204" charset="0"/>
-              <a:cs typeface="Cambria" panose="02040503050406030204" charset="0"/>
-            </a:endParaRPr>
-          </a:p>
-          <a:p>
-            <a:pPr marL="1257300" lvl="2" indent="-342900">
-              <a:buFont typeface="Arial" panose="020B0604020202020204" pitchFamily="34" charset="0"/>
-              <a:buChar char="•"/>
-            </a:pPr>
-            <a:r>
-              <a:rPr lang="en-US" altLang="en-US" sz="2000">
-                <a:latin typeface="Cambria" panose="02040503050406030204" charset="0"/>
-                <a:cs typeface="Cambria" panose="02040503050406030204" charset="0"/>
-                <a:sym typeface="+mn-ea"/>
-              </a:rPr>
-              <a:t>LED Matrix: 2×16 grid representing the environment.</a:t>
-            </a:r>
-            <a:endParaRPr lang="en-US" altLang="en-US" sz="2000">
-              <a:latin typeface="Cambria" panose="02040503050406030204" charset="0"/>
-              <a:cs typeface="Cambria" panose="02040503050406030204" charset="0"/>
-              <a:sym typeface="+mn-ea"/>
-            </a:endParaRPr>
-          </a:p>
-          <a:p>
-            <a:pPr marL="1257300" lvl="2" indent="-342900">
-              <a:buFont typeface="Arial" panose="020B0604020202020204" pitchFamily="34" charset="0"/>
-              <a:buChar char="•"/>
-            </a:pPr>
-            <a:r>
-              <a:rPr lang="en-US" altLang="en-US" sz="2000">
-                <a:latin typeface="Cambria" panose="02040503050406030204" charset="0"/>
-                <a:cs typeface="Cambria" panose="02040503050406030204" charset="0"/>
-                <a:sym typeface="+mn-ea"/>
-              </a:rPr>
-              <a:t>Actions: Up, Down, Left, Right (4 possible moves).</a:t>
-            </a:r>
-            <a:endParaRPr lang="en-US" altLang="en-US" sz="2000">
-              <a:latin typeface="Cambria" panose="02040503050406030204" charset="0"/>
-              <a:cs typeface="Cambria" panose="02040503050406030204" charset="0"/>
-              <a:sym typeface="+mn-ea"/>
-            </a:endParaRPr>
-          </a:p>
-          <a:p>
-            <a:pPr marL="1257300" lvl="2" indent="-342900">
-              <a:buFont typeface="Arial" panose="020B0604020202020204" pitchFamily="34" charset="0"/>
-              <a:buChar char="•"/>
-            </a:pPr>
-            <a:r>
-              <a:rPr lang="en-US" altLang="en-US" sz="2000">
-                <a:latin typeface="Cambria" panose="02040503050406030204" charset="0"/>
-                <a:cs typeface="Cambria" panose="02040503050406030204" charset="0"/>
-                <a:sym typeface="+mn-ea"/>
-              </a:rPr>
-              <a:t>Agent: 2×2 block that moves through the matrix to find optimal policy to reach terminal state.</a:t>
-            </a:r>
-            <a:endParaRPr lang="en-US" altLang="en-US" sz="2000">
-              <a:latin typeface="Cambria" panose="02040503050406030204" charset="0"/>
-              <a:cs typeface="Cambria" panose="02040503050406030204" charset="0"/>
-            </a:endParaRPr>
-          </a:p>
-          <a:p>
-            <a:pPr indent="0">
-              <a:buFont typeface="Wingdings" panose="05000000000000000000" charset="0"/>
-              <a:buNone/>
-            </a:pPr>
-            <a:endParaRPr lang="en-US" altLang="en-US" sz="2000">
-              <a:latin typeface="Cambria" panose="02040503050406030204" charset="0"/>
-              <a:cs typeface="Cambria" panose="02040503050406030204" charset="0"/>
-            </a:endParaRPr>
-          </a:p>
-          <a:p>
-            <a:pPr marL="342900" indent="-342900">
-              <a:buFont typeface="Wingdings" panose="05000000000000000000" charset="0"/>
-              <a:buChar char="v"/>
-            </a:pPr>
-            <a:r>
-              <a:rPr lang="en-US" altLang="en-US" sz="2000" b="1">
-                <a:latin typeface="Cambria" panose="02040503050406030204" charset="0"/>
-                <a:cs typeface="Cambria" panose="02040503050406030204" charset="0"/>
-              </a:rPr>
-              <a:t>Learning Process:</a:t>
-            </a:r>
-            <a:endParaRPr lang="en-US" altLang="en-US" sz="2000" b="1">
-              <a:latin typeface="Cambria" panose="02040503050406030204" charset="0"/>
-              <a:cs typeface="Cambria" panose="02040503050406030204" charset="0"/>
-            </a:endParaRPr>
-          </a:p>
-          <a:p>
-            <a:pPr marL="1257300" lvl="2" indent="-342900">
-              <a:buFont typeface="Arial" panose="020B0604020202020204" pitchFamily="34" charset="0"/>
-              <a:buChar char="•"/>
-            </a:pPr>
-            <a:r>
-              <a:rPr lang="en-US" altLang="en-US" sz="2000">
-                <a:latin typeface="Cambria" panose="02040503050406030204" charset="0"/>
-                <a:cs typeface="Cambria" panose="02040503050406030204" charset="0"/>
-                <a:sym typeface="+mn-ea"/>
-              </a:rPr>
-              <a:t>Agent starts at a random state for each episode.</a:t>
-            </a:r>
-            <a:endParaRPr lang="en-US" altLang="en-US" sz="2000">
-              <a:latin typeface="Cambria" panose="02040503050406030204" charset="0"/>
-              <a:cs typeface="Cambria" panose="02040503050406030204" charset="0"/>
-              <a:sym typeface="+mn-ea"/>
-            </a:endParaRPr>
-          </a:p>
-          <a:p>
-            <a:pPr marL="1257300" lvl="2" indent="-342900">
-              <a:buFont typeface="Arial" panose="020B0604020202020204" pitchFamily="34" charset="0"/>
-              <a:buChar char="•"/>
-            </a:pPr>
-            <a:r>
-              <a:rPr lang="en-US" altLang="en-US" sz="2000">
-                <a:latin typeface="Cambria" panose="02040503050406030204" charset="0"/>
-                <a:cs typeface="Cambria" panose="02040503050406030204" charset="0"/>
-                <a:sym typeface="+mn-ea"/>
-              </a:rPr>
-              <a:t>Moves based on ε-greedy policy using Q-table.</a:t>
-            </a:r>
-            <a:endParaRPr lang="en-US" altLang="en-US" sz="2000">
-              <a:latin typeface="Cambria" panose="02040503050406030204" charset="0"/>
-              <a:cs typeface="Cambria" panose="02040503050406030204" charset="0"/>
-              <a:sym typeface="+mn-ea"/>
-            </a:endParaRPr>
-          </a:p>
-          <a:p>
-            <a:pPr marL="1257300" lvl="2" indent="-342900">
-              <a:buFont typeface="Arial" panose="020B0604020202020204" pitchFamily="34" charset="0"/>
-              <a:buChar char="•"/>
-            </a:pPr>
-            <a:r>
-              <a:rPr lang="en-US" altLang="en-US" sz="2000">
-                <a:latin typeface="Cambria" panose="02040503050406030204" charset="0"/>
-                <a:cs typeface="Cambria" panose="02040503050406030204" charset="0"/>
-                <a:sym typeface="+mn-ea"/>
-              </a:rPr>
-              <a:t>Receives rewards for reaching target cells or avoiding obstacles.</a:t>
-            </a:r>
-            <a:endParaRPr lang="en-US" altLang="en-US" sz="2000">
-              <a:latin typeface="Cambria" panose="02040503050406030204" charset="0"/>
-              <a:cs typeface="Cambria" panose="02040503050406030204" charset="0"/>
-              <a:sym typeface="+mn-ea"/>
-            </a:endParaRPr>
-          </a:p>
-          <a:p>
-            <a:pPr marL="1257300" lvl="2" indent="-342900">
-              <a:buFont typeface="Arial" panose="020B0604020202020204" pitchFamily="34" charset="0"/>
-              <a:buChar char="•"/>
-            </a:pPr>
-            <a:r>
-              <a:rPr lang="en-US" altLang="en-US" sz="2000">
-                <a:latin typeface="Cambria" panose="02040503050406030204" charset="0"/>
-                <a:cs typeface="Cambria" panose="02040503050406030204" charset="0"/>
-                <a:sym typeface="+mn-ea"/>
-              </a:rPr>
-              <a:t>Q-values updated iteratively via Q-Learning formula.</a:t>
-            </a:r>
-            <a:endParaRPr lang="en-US" altLang="en-US" sz="2000">
-              <a:latin typeface="Cambria" panose="02040503050406030204" charset="0"/>
-              <a:cs typeface="Cambria" panose="02040503050406030204" charset="0"/>
-              <a:sym typeface="+mn-ea"/>
-            </a:endParaRPr>
-          </a:p>
-          <a:p>
-            <a:pPr lvl="1" indent="0">
-              <a:buFont typeface="Arial" panose="020B0604020202020204" pitchFamily="34" charset="0"/>
-              <a:buNone/>
-            </a:pPr>
-            <a:endParaRPr lang="en-US" altLang="en-US" sz="2000" b="1">
-              <a:latin typeface="Cambria" panose="02040503050406030204" charset="0"/>
-              <a:cs typeface="Cambria" panose="02040503050406030204" charset="0"/>
-            </a:endParaRPr>
-          </a:p>
-          <a:p>
-            <a:pPr marL="342900" indent="-342900">
-              <a:buFont typeface="Wingdings" panose="05000000000000000000" charset="0"/>
-              <a:buChar char="v"/>
-            </a:pPr>
-            <a:r>
-              <a:rPr lang="en-US" altLang="en-US" sz="2000" b="1">
-                <a:latin typeface="Cambria" panose="02040503050406030204" charset="0"/>
-                <a:cs typeface="Cambria" panose="02040503050406030204" charset="0"/>
-              </a:rPr>
-              <a:t>Outcome:</a:t>
-            </a:r>
-            <a:endParaRPr lang="en-US" altLang="en-US" sz="2000" b="1">
-              <a:latin typeface="Cambria" panose="02040503050406030204" charset="0"/>
-              <a:cs typeface="Cambria" panose="02040503050406030204" charset="0"/>
-            </a:endParaRPr>
-          </a:p>
-          <a:p>
-            <a:pPr marL="1257300" lvl="2" indent="-342900">
-              <a:buFont typeface="Arial" panose="020B0604020202020204" pitchFamily="34" charset="0"/>
-              <a:buChar char="•"/>
-            </a:pPr>
-            <a:r>
-              <a:rPr lang="en-US" altLang="en-US" sz="2000">
-                <a:latin typeface="Cambria" panose="02040503050406030204" charset="0"/>
-                <a:cs typeface="Cambria" panose="02040503050406030204" charset="0"/>
-              </a:rPr>
-              <a:t>Over the time, agent learns optimal paths through the matrix.</a:t>
-            </a:r>
-            <a:endParaRPr lang="en-US" altLang="en-US" sz="2000">
-              <a:latin typeface="Cambria" panose="02040503050406030204" charset="0"/>
-              <a:cs typeface="Cambria" panose="02040503050406030204" charset="0"/>
-            </a:endParaRPr>
-          </a:p>
-          <a:p>
-            <a:pPr marL="1257300" lvl="2" indent="-342900">
-              <a:buFont typeface="Arial" panose="020B0604020202020204" pitchFamily="34" charset="0"/>
-              <a:buChar char="•"/>
-            </a:pPr>
-            <a:r>
-              <a:rPr lang="en-US" altLang="en-US" sz="2000">
-                <a:latin typeface="Cambria" panose="02040503050406030204" charset="0"/>
-                <a:cs typeface="Cambria" panose="02040503050406030204" charset="0"/>
-              </a:rPr>
-              <a:t>Q-Table guides movement toward high-reward states.</a:t>
-            </a:r>
-            <a:endParaRPr lang="en-US" altLang="en-US" sz="2000">
-              <a:latin typeface="Cambria" panose="02040503050406030204" charset="0"/>
-              <a:cs typeface="Cambria" panose="02040503050406030204" charset="0"/>
-            </a:endParaRPr>
-          </a:p>
-          <a:p>
-            <a:pPr marL="1257300" lvl="2" indent="-342900">
-              <a:buFont typeface="Arial" panose="020B0604020202020204" pitchFamily="34" charset="0"/>
-              <a:buChar char="•"/>
-            </a:pPr>
-            <a:r>
-              <a:rPr lang="en-US" altLang="en-US" sz="2000">
-                <a:latin typeface="Cambria" panose="02040503050406030204" charset="0"/>
-                <a:cs typeface="Cambria" panose="02040503050406030204" charset="0"/>
-              </a:rPr>
-              <a:t>Enhances agent’s adaptability and robustness in changing environments.</a:t>
-            </a:r>
-            <a:endParaRPr lang="en-US" altLang="en-US" sz="2000">
+            <a:r>
+              <a:rPr lang="en-US" altLang="en-US" i="1">
+                <a:latin typeface="Cambria" panose="02040503050406030204" charset="0"/>
+                <a:cs typeface="Cambria" panose="02040503050406030204" charset="0"/>
+              </a:rPr>
+              <a:t>Q-Learning behavior</a:t>
+            </a:r>
+            <a:endParaRPr lang="en-US" altLang="en-US" i="1">
               <a:latin typeface="Cambria" panose="02040503050406030204" charset="0"/>
               <a:cs typeface="Cambria" panose="02040503050406030204" charset="0"/>
             </a:endParaRPr>
@@ -4585,6 +4771,528 @@
 </file>
 
 <file path=ppt/slides/slide12.xml><?xml version="1.0" encoding="utf-8"?>
+<p:sld xmlns:a="http://schemas.openxmlformats.org/drawingml/2006/main" xmlns:r="http://schemas.openxmlformats.org/officeDocument/2006/relationships" xmlns:p="http://schemas.openxmlformats.org/presentationml/2006/main">
+  <p:cSld>
+    <p:spTree>
+      <p:nvGrpSpPr>
+        <p:cNvPr id="1" name=""/>
+        <p:cNvGrpSpPr/>
+        <p:nvPr/>
+      </p:nvGrpSpPr>
+      <p:grpSpPr/>
+      <p:sp>
+        <p:nvSpPr>
+          <p:cNvPr id="9" name="Rectangles 8"/>
+          <p:cNvSpPr/>
+          <p:nvPr/>
+        </p:nvSpPr>
+        <p:spPr>
+          <a:xfrm>
+            <a:off x="0" y="6985"/>
+            <a:ext cx="1132840" cy="199390"/>
+          </a:xfrm>
+          <a:prstGeom prst="rect">
+            <a:avLst/>
+          </a:prstGeom>
+          <a:solidFill>
+            <a:srgbClr val="FFC000"/>
+          </a:solidFill>
+          <a:ln>
+            <a:solidFill>
+              <a:srgbClr val="FFC000"/>
+            </a:solidFill>
+          </a:ln>
+        </p:spPr>
+        <p:style>
+          <a:lnRef idx="2">
+            <a:schemeClr val="accent1">
+              <a:lumMod val="75000"/>
+            </a:schemeClr>
+          </a:lnRef>
+          <a:fillRef idx="1">
+            <a:schemeClr val="accent1"/>
+          </a:fillRef>
+          <a:effectRef idx="0">
+            <a:srgbClr val="FFFFFF"/>
+          </a:effectRef>
+          <a:fontRef idx="minor">
+            <a:schemeClr val="lt1"/>
+          </a:fontRef>
+        </p:style>
+        <p:txBody>
+          <a:bodyPr rtlCol="0" anchor="ctr"/>
+          <a:p>
+            <a:pPr algn="ctr"/>
+            <a:endParaRPr lang="en-US"/>
+          </a:p>
+        </p:txBody>
+      </p:sp>
+      <p:sp>
+        <p:nvSpPr>
+          <p:cNvPr id="14" name="Oval 13"/>
+          <p:cNvSpPr/>
+          <p:nvPr/>
+        </p:nvSpPr>
+        <p:spPr>
+          <a:xfrm>
+            <a:off x="1217930" y="37465"/>
+            <a:ext cx="153035" cy="153670"/>
+          </a:xfrm>
+          <a:prstGeom prst="ellipse">
+            <a:avLst/>
+          </a:prstGeom>
+          <a:solidFill>
+            <a:srgbClr val="FFC000"/>
+          </a:solidFill>
+          <a:ln>
+            <a:solidFill>
+              <a:srgbClr val="FFC000"/>
+            </a:solidFill>
+          </a:ln>
+        </p:spPr>
+        <p:style>
+          <a:lnRef idx="2">
+            <a:schemeClr val="accent1">
+              <a:lumMod val="75000"/>
+            </a:schemeClr>
+          </a:lnRef>
+          <a:fillRef idx="1">
+            <a:schemeClr val="accent1"/>
+          </a:fillRef>
+          <a:effectRef idx="0">
+            <a:srgbClr val="FFFFFF"/>
+          </a:effectRef>
+          <a:fontRef idx="minor">
+            <a:schemeClr val="lt1"/>
+          </a:fontRef>
+        </p:style>
+        <p:txBody>
+          <a:bodyPr rtlCol="0" anchor="ctr"/>
+          <a:p>
+            <a:pPr algn="ctr"/>
+            <a:endParaRPr lang="en-US"/>
+          </a:p>
+        </p:txBody>
+      </p:sp>
+      <p:sp>
+        <p:nvSpPr>
+          <p:cNvPr id="15" name="Rectangles 14"/>
+          <p:cNvSpPr/>
+          <p:nvPr/>
+        </p:nvSpPr>
+        <p:spPr>
+          <a:xfrm>
+            <a:off x="11051540" y="6658610"/>
+            <a:ext cx="1132840" cy="199390"/>
+          </a:xfrm>
+          <a:prstGeom prst="rect">
+            <a:avLst/>
+          </a:prstGeom>
+          <a:solidFill>
+            <a:srgbClr val="FFC000"/>
+          </a:solidFill>
+          <a:ln>
+            <a:solidFill>
+              <a:srgbClr val="FFC000"/>
+            </a:solidFill>
+          </a:ln>
+        </p:spPr>
+        <p:style>
+          <a:lnRef idx="2">
+            <a:schemeClr val="accent1">
+              <a:lumMod val="75000"/>
+            </a:schemeClr>
+          </a:lnRef>
+          <a:fillRef idx="1">
+            <a:schemeClr val="accent1"/>
+          </a:fillRef>
+          <a:effectRef idx="0">
+            <a:srgbClr val="FFFFFF"/>
+          </a:effectRef>
+          <a:fontRef idx="minor">
+            <a:schemeClr val="lt1"/>
+          </a:fontRef>
+        </p:style>
+        <p:txBody>
+          <a:bodyPr rtlCol="0" anchor="ctr"/>
+          <a:p>
+            <a:pPr algn="ctr"/>
+            <a:endParaRPr lang="en-US"/>
+          </a:p>
+        </p:txBody>
+      </p:sp>
+      <p:sp>
+        <p:nvSpPr>
+          <p:cNvPr id="16" name="Oval 15"/>
+          <p:cNvSpPr/>
+          <p:nvPr/>
+        </p:nvSpPr>
+        <p:spPr>
+          <a:xfrm>
+            <a:off x="10789285" y="6673850"/>
+            <a:ext cx="153035" cy="153670"/>
+          </a:xfrm>
+          <a:prstGeom prst="ellipse">
+            <a:avLst/>
+          </a:prstGeom>
+          <a:solidFill>
+            <a:srgbClr val="FFC000"/>
+          </a:solidFill>
+          <a:ln>
+            <a:solidFill>
+              <a:srgbClr val="FFC000"/>
+            </a:solidFill>
+          </a:ln>
+        </p:spPr>
+        <p:style>
+          <a:lnRef idx="2">
+            <a:schemeClr val="accent1">
+              <a:lumMod val="75000"/>
+            </a:schemeClr>
+          </a:lnRef>
+          <a:fillRef idx="1">
+            <a:schemeClr val="accent1"/>
+          </a:fillRef>
+          <a:effectRef idx="0">
+            <a:srgbClr val="FFFFFF"/>
+          </a:effectRef>
+          <a:fontRef idx="minor">
+            <a:schemeClr val="lt1"/>
+          </a:fontRef>
+        </p:style>
+        <p:txBody>
+          <a:bodyPr rtlCol="0" anchor="ctr"/>
+          <a:p>
+            <a:pPr algn="ctr"/>
+            <a:endParaRPr lang="en-US"/>
+          </a:p>
+        </p:txBody>
+      </p:sp>
+      <p:sp>
+        <p:nvSpPr>
+          <p:cNvPr id="2" name="Text Box 1"/>
+          <p:cNvSpPr txBox="1"/>
+          <p:nvPr/>
+        </p:nvSpPr>
+        <p:spPr>
+          <a:xfrm>
+            <a:off x="3368040" y="351155"/>
+            <a:ext cx="5281295" cy="730885"/>
+          </a:xfrm>
+          <a:prstGeom prst="rect">
+            <a:avLst/>
+          </a:prstGeom>
+          <a:noFill/>
+        </p:spPr>
+        <p:txBody>
+          <a:bodyPr wrap="square" rtlCol="0">
+            <a:noAutofit/>
+          </a:bodyPr>
+          <a:p>
+            <a:pPr indent="0">
+              <a:buFont typeface="+mj-lt"/>
+              <a:buNone/>
+            </a:pPr>
+            <a:r>
+              <a:rPr lang="en-US" altLang="en-US" sz="3200" b="1">
+                <a:latin typeface="Cambria" panose="02040503050406030204" charset="0"/>
+                <a:cs typeface="Cambria" panose="02040503050406030204" charset="0"/>
+                <a:sym typeface="+mn-ea"/>
+              </a:rPr>
+              <a:t>Q-Learning Demonstration</a:t>
+            </a:r>
+            <a:endParaRPr lang="en-US" altLang="en-US" sz="3200" b="1">
+              <a:latin typeface="Cambria" panose="02040503050406030204" charset="0"/>
+              <a:cs typeface="Cambria" panose="02040503050406030204" charset="0"/>
+            </a:endParaRPr>
+          </a:p>
+        </p:txBody>
+      </p:sp>
+      <p:sp>
+        <p:nvSpPr>
+          <p:cNvPr id="4" name="Text Box 3"/>
+          <p:cNvSpPr txBox="1"/>
+          <p:nvPr/>
+        </p:nvSpPr>
+        <p:spPr>
+          <a:xfrm>
+            <a:off x="1257300" y="1204595"/>
+            <a:ext cx="9794240" cy="5322570"/>
+          </a:xfrm>
+          <a:prstGeom prst="rect">
+            <a:avLst/>
+          </a:prstGeom>
+          <a:noFill/>
+        </p:spPr>
+        <p:txBody>
+          <a:bodyPr wrap="square" rtlCol="0">
+            <a:noAutofit/>
+          </a:bodyPr>
+          <a:p>
+            <a:pPr marL="342900" indent="-342900">
+              <a:buFont typeface="Wingdings" panose="05000000000000000000" charset="0"/>
+              <a:buChar char="v"/>
+            </a:pPr>
+            <a:r>
+              <a:rPr lang="en-US" altLang="en-US" sz="2000" b="1">
+                <a:latin typeface="Cambria" panose="02040503050406030204" charset="0"/>
+                <a:cs typeface="Cambria" panose="02040503050406030204" charset="0"/>
+              </a:rPr>
+              <a:t>Environment Setup:</a:t>
+            </a:r>
+            <a:endParaRPr lang="en-US" altLang="en-US" sz="2000" b="1">
+              <a:latin typeface="Cambria" panose="02040503050406030204" charset="0"/>
+              <a:cs typeface="Cambria" panose="02040503050406030204" charset="0"/>
+            </a:endParaRPr>
+          </a:p>
+          <a:p>
+            <a:pPr marL="1257300" lvl="2" indent="-342900">
+              <a:buFont typeface="Arial" panose="020B0604020202020204" pitchFamily="34" charset="0"/>
+              <a:buChar char="•"/>
+            </a:pPr>
+            <a:r>
+              <a:rPr lang="en-US" altLang="en-US" sz="2000">
+                <a:latin typeface="Cambria" panose="02040503050406030204" charset="0"/>
+                <a:cs typeface="Cambria" panose="02040503050406030204" charset="0"/>
+                <a:sym typeface="+mn-ea"/>
+              </a:rPr>
+              <a:t>LED Matrix: 2×16 grid representing the environment.</a:t>
+            </a:r>
+            <a:endParaRPr lang="en-US" altLang="en-US" sz="2000">
+              <a:latin typeface="Cambria" panose="02040503050406030204" charset="0"/>
+              <a:cs typeface="Cambria" panose="02040503050406030204" charset="0"/>
+              <a:sym typeface="+mn-ea"/>
+            </a:endParaRPr>
+          </a:p>
+          <a:p>
+            <a:pPr marL="1257300" lvl="2" indent="-342900">
+              <a:buFont typeface="Arial" panose="020B0604020202020204" pitchFamily="34" charset="0"/>
+              <a:buChar char="•"/>
+            </a:pPr>
+            <a:r>
+              <a:rPr lang="en-US" altLang="en-US" sz="2000">
+                <a:latin typeface="Cambria" panose="02040503050406030204" charset="0"/>
+                <a:cs typeface="Cambria" panose="02040503050406030204" charset="0"/>
+                <a:sym typeface="+mn-ea"/>
+              </a:rPr>
+              <a:t>Actions: Up, Down, Left, Right (4 possible moves).</a:t>
+            </a:r>
+            <a:endParaRPr lang="en-US" altLang="en-US" sz="2000">
+              <a:latin typeface="Cambria" panose="02040503050406030204" charset="0"/>
+              <a:cs typeface="Cambria" panose="02040503050406030204" charset="0"/>
+              <a:sym typeface="+mn-ea"/>
+            </a:endParaRPr>
+          </a:p>
+          <a:p>
+            <a:pPr marL="1257300" lvl="2" indent="-342900">
+              <a:buFont typeface="Arial" panose="020B0604020202020204" pitchFamily="34" charset="0"/>
+              <a:buChar char="•"/>
+            </a:pPr>
+            <a:r>
+              <a:rPr lang="en-US" altLang="en-US" sz="2000">
+                <a:latin typeface="Cambria" panose="02040503050406030204" charset="0"/>
+                <a:cs typeface="Cambria" panose="02040503050406030204" charset="0"/>
+                <a:sym typeface="+mn-ea"/>
+              </a:rPr>
+              <a:t>Agent: 2×2 block that moves through the matrix to find optimal policy to reach terminal state.</a:t>
+            </a:r>
+            <a:endParaRPr lang="en-US" altLang="en-US" sz="2000">
+              <a:latin typeface="Cambria" panose="02040503050406030204" charset="0"/>
+              <a:cs typeface="Cambria" panose="02040503050406030204" charset="0"/>
+            </a:endParaRPr>
+          </a:p>
+          <a:p>
+            <a:pPr indent="0">
+              <a:buFont typeface="Wingdings" panose="05000000000000000000" charset="0"/>
+              <a:buNone/>
+            </a:pPr>
+            <a:endParaRPr lang="en-US" altLang="en-US" sz="2000">
+              <a:latin typeface="Cambria" panose="02040503050406030204" charset="0"/>
+              <a:cs typeface="Cambria" panose="02040503050406030204" charset="0"/>
+            </a:endParaRPr>
+          </a:p>
+          <a:p>
+            <a:pPr marL="342900" indent="-342900">
+              <a:buFont typeface="Wingdings" panose="05000000000000000000" charset="0"/>
+              <a:buChar char="v"/>
+            </a:pPr>
+            <a:r>
+              <a:rPr lang="en-US" altLang="en-US" sz="2000" b="1">
+                <a:latin typeface="Cambria" panose="02040503050406030204" charset="0"/>
+                <a:cs typeface="Cambria" panose="02040503050406030204" charset="0"/>
+              </a:rPr>
+              <a:t>Learning Process:</a:t>
+            </a:r>
+            <a:endParaRPr lang="en-US" altLang="en-US" sz="2000" b="1">
+              <a:latin typeface="Cambria" panose="02040503050406030204" charset="0"/>
+              <a:cs typeface="Cambria" panose="02040503050406030204" charset="0"/>
+            </a:endParaRPr>
+          </a:p>
+          <a:p>
+            <a:pPr marL="1257300" lvl="2" indent="-342900">
+              <a:buFont typeface="Arial" panose="020B0604020202020204" pitchFamily="34" charset="0"/>
+              <a:buChar char="•"/>
+            </a:pPr>
+            <a:r>
+              <a:rPr lang="en-US" altLang="en-US" sz="2000">
+                <a:latin typeface="Cambria" panose="02040503050406030204" charset="0"/>
+                <a:cs typeface="Cambria" panose="02040503050406030204" charset="0"/>
+                <a:sym typeface="+mn-ea"/>
+              </a:rPr>
+              <a:t>Agent starts at a random state for each episode.</a:t>
+            </a:r>
+            <a:endParaRPr lang="en-US" altLang="en-US" sz="2000">
+              <a:latin typeface="Cambria" panose="02040503050406030204" charset="0"/>
+              <a:cs typeface="Cambria" panose="02040503050406030204" charset="0"/>
+              <a:sym typeface="+mn-ea"/>
+            </a:endParaRPr>
+          </a:p>
+          <a:p>
+            <a:pPr marL="1257300" lvl="2" indent="-342900">
+              <a:buFont typeface="Arial" panose="020B0604020202020204" pitchFamily="34" charset="0"/>
+              <a:buChar char="•"/>
+            </a:pPr>
+            <a:r>
+              <a:rPr lang="en-US" altLang="en-US" sz="2000">
+                <a:latin typeface="Cambria" panose="02040503050406030204" charset="0"/>
+                <a:cs typeface="Cambria" panose="02040503050406030204" charset="0"/>
+                <a:sym typeface="+mn-ea"/>
+              </a:rPr>
+              <a:t>Moves based on ε-greedy policy using Q-table.</a:t>
+            </a:r>
+            <a:endParaRPr lang="en-US" altLang="en-US" sz="2000">
+              <a:latin typeface="Cambria" panose="02040503050406030204" charset="0"/>
+              <a:cs typeface="Cambria" panose="02040503050406030204" charset="0"/>
+              <a:sym typeface="+mn-ea"/>
+            </a:endParaRPr>
+          </a:p>
+          <a:p>
+            <a:pPr marL="1257300" lvl="2" indent="-342900">
+              <a:buFont typeface="Arial" panose="020B0604020202020204" pitchFamily="34" charset="0"/>
+              <a:buChar char="•"/>
+            </a:pPr>
+            <a:r>
+              <a:rPr lang="en-US" altLang="en-US" sz="2000">
+                <a:latin typeface="Cambria" panose="02040503050406030204" charset="0"/>
+                <a:cs typeface="Cambria" panose="02040503050406030204" charset="0"/>
+                <a:sym typeface="+mn-ea"/>
+              </a:rPr>
+              <a:t>Receives rewards for reaching target cells or avoiding obstacles.</a:t>
+            </a:r>
+            <a:endParaRPr lang="en-US" altLang="en-US" sz="2000">
+              <a:latin typeface="Cambria" panose="02040503050406030204" charset="0"/>
+              <a:cs typeface="Cambria" panose="02040503050406030204" charset="0"/>
+              <a:sym typeface="+mn-ea"/>
+            </a:endParaRPr>
+          </a:p>
+          <a:p>
+            <a:pPr marL="1257300" lvl="2" indent="-342900">
+              <a:buFont typeface="Arial" panose="020B0604020202020204" pitchFamily="34" charset="0"/>
+              <a:buChar char="•"/>
+            </a:pPr>
+            <a:r>
+              <a:rPr lang="en-US" altLang="en-US" sz="2000">
+                <a:latin typeface="Cambria" panose="02040503050406030204" charset="0"/>
+                <a:cs typeface="Cambria" panose="02040503050406030204" charset="0"/>
+                <a:sym typeface="+mn-ea"/>
+              </a:rPr>
+              <a:t>Q-values updated iteratively via Q-Learning formula.</a:t>
+            </a:r>
+            <a:endParaRPr lang="en-US" altLang="en-US" sz="2000">
+              <a:latin typeface="Cambria" panose="02040503050406030204" charset="0"/>
+              <a:cs typeface="Cambria" panose="02040503050406030204" charset="0"/>
+              <a:sym typeface="+mn-ea"/>
+            </a:endParaRPr>
+          </a:p>
+          <a:p>
+            <a:pPr lvl="1" indent="0">
+              <a:buFont typeface="Arial" panose="020B0604020202020204" pitchFamily="34" charset="0"/>
+              <a:buNone/>
+            </a:pPr>
+            <a:endParaRPr lang="en-US" altLang="en-US" sz="2000" b="1">
+              <a:latin typeface="Cambria" panose="02040503050406030204" charset="0"/>
+              <a:cs typeface="Cambria" panose="02040503050406030204" charset="0"/>
+            </a:endParaRPr>
+          </a:p>
+          <a:p>
+            <a:pPr marL="342900" indent="-342900">
+              <a:buFont typeface="Wingdings" panose="05000000000000000000" charset="0"/>
+              <a:buChar char="v"/>
+            </a:pPr>
+            <a:r>
+              <a:rPr lang="en-US" altLang="en-US" sz="2000" b="1">
+                <a:latin typeface="Cambria" panose="02040503050406030204" charset="0"/>
+                <a:cs typeface="Cambria" panose="02040503050406030204" charset="0"/>
+              </a:rPr>
+              <a:t>Outcome:</a:t>
+            </a:r>
+            <a:endParaRPr lang="en-US" altLang="en-US" sz="2000" b="1">
+              <a:latin typeface="Cambria" panose="02040503050406030204" charset="0"/>
+              <a:cs typeface="Cambria" panose="02040503050406030204" charset="0"/>
+            </a:endParaRPr>
+          </a:p>
+          <a:p>
+            <a:pPr marL="1257300" lvl="2" indent="-342900">
+              <a:buFont typeface="Arial" panose="020B0604020202020204" pitchFamily="34" charset="0"/>
+              <a:buChar char="•"/>
+            </a:pPr>
+            <a:r>
+              <a:rPr lang="en-US" altLang="en-US" sz="2000">
+                <a:latin typeface="Cambria" panose="02040503050406030204" charset="0"/>
+                <a:cs typeface="Cambria" panose="02040503050406030204" charset="0"/>
+              </a:rPr>
+              <a:t>Over the time, agent learns optimal paths through the matrix.</a:t>
+            </a:r>
+            <a:endParaRPr lang="en-US" altLang="en-US" sz="2000">
+              <a:latin typeface="Cambria" panose="02040503050406030204" charset="0"/>
+              <a:cs typeface="Cambria" panose="02040503050406030204" charset="0"/>
+            </a:endParaRPr>
+          </a:p>
+          <a:p>
+            <a:pPr marL="1257300" lvl="2" indent="-342900">
+              <a:buFont typeface="Arial" panose="020B0604020202020204" pitchFamily="34" charset="0"/>
+              <a:buChar char="•"/>
+            </a:pPr>
+            <a:r>
+              <a:rPr lang="en-US" altLang="en-US" sz="2000">
+                <a:latin typeface="Cambria" panose="02040503050406030204" charset="0"/>
+                <a:cs typeface="Cambria" panose="02040503050406030204" charset="0"/>
+              </a:rPr>
+              <a:t>Q-Table guides movement toward high-reward states.</a:t>
+            </a:r>
+            <a:endParaRPr lang="en-US" altLang="en-US" sz="2000">
+              <a:latin typeface="Cambria" panose="02040503050406030204" charset="0"/>
+              <a:cs typeface="Cambria" panose="02040503050406030204" charset="0"/>
+            </a:endParaRPr>
+          </a:p>
+          <a:p>
+            <a:pPr marL="1257300" lvl="2" indent="-342900">
+              <a:buFont typeface="Arial" panose="020B0604020202020204" pitchFamily="34" charset="0"/>
+              <a:buChar char="•"/>
+            </a:pPr>
+            <a:r>
+              <a:rPr lang="en-US" altLang="en-US" sz="2000">
+                <a:latin typeface="Cambria" panose="02040503050406030204" charset="0"/>
+                <a:cs typeface="Cambria" panose="02040503050406030204" charset="0"/>
+              </a:rPr>
+              <a:t>Enhances agent’s adaptability and robustness in changing environments.</a:t>
+            </a:r>
+            <a:endParaRPr lang="en-US" altLang="en-US" sz="2000">
+              <a:latin typeface="Cambria" panose="02040503050406030204" charset="0"/>
+              <a:cs typeface="Cambria" panose="02040503050406030204" charset="0"/>
+            </a:endParaRPr>
+          </a:p>
+        </p:txBody>
+      </p:sp>
+    </p:spTree>
+  </p:cSld>
+  <p:clrMapOvr>
+    <a:masterClrMapping/>
+  </p:clrMapOvr>
+</p:sld>
+</file>
+
+<file path=ppt/slides/slide13.xml><?xml version="1.0" encoding="utf-8"?>
 <p:sld xmlns:a="http://schemas.openxmlformats.org/drawingml/2006/main" xmlns:r="http://schemas.openxmlformats.org/officeDocument/2006/relationships" xmlns:p="http://schemas.openxmlformats.org/presentationml/2006/main">
   <p:cSld>
     <p:spTree>
@@ -4997,7 +5705,7 @@
 </p:sld>
 </file>
 
-<file path=ppt/slides/slide13.xml><?xml version="1.0" encoding="utf-8"?>
+<file path=ppt/slides/slide14.xml><?xml version="1.0" encoding="utf-8"?>
 <p:sld xmlns:a="http://schemas.openxmlformats.org/drawingml/2006/main" xmlns:r="http://schemas.openxmlformats.org/officeDocument/2006/relationships" xmlns:p="http://schemas.openxmlformats.org/presentationml/2006/main">
   <p:cSld>
     <p:spTree>
@@ -5410,7 +6118,7 @@
 </p:sld>
 </file>
 
-<file path=ppt/slides/slide14.xml><?xml version="1.0" encoding="utf-8"?>
+<file path=ppt/slides/slide15.xml><?xml version="1.0" encoding="utf-8"?>
 <p:sld xmlns:a="http://schemas.openxmlformats.org/drawingml/2006/main" xmlns:r="http://schemas.openxmlformats.org/officeDocument/2006/relationships" xmlns:p="http://schemas.openxmlformats.org/presentationml/2006/main">
   <p:cSld>
     <p:spTree>
@@ -5879,310 +6587,6 @@
               <a:t>Heterogeneous Support: Works well in networks with different node energy levels.</a:t>
             </a:r>
             <a:endParaRPr lang="en-US" altLang="en-US" sz="2000">
-              <a:latin typeface="Cambria" panose="02040503050406030204" charset="0"/>
-              <a:cs typeface="Cambria" panose="02040503050406030204" charset="0"/>
-            </a:endParaRPr>
-          </a:p>
-        </p:txBody>
-      </p:sp>
-    </p:spTree>
-  </p:cSld>
-  <p:clrMapOvr>
-    <a:masterClrMapping/>
-  </p:clrMapOvr>
-</p:sld>
-</file>
-
-<file path=ppt/slides/slide15.xml><?xml version="1.0" encoding="utf-8"?>
-<p:sld xmlns:a="http://schemas.openxmlformats.org/drawingml/2006/main" xmlns:r="http://schemas.openxmlformats.org/officeDocument/2006/relationships" xmlns:p="http://schemas.openxmlformats.org/presentationml/2006/main">
-  <p:cSld>
-    <p:spTree>
-      <p:nvGrpSpPr>
-        <p:cNvPr id="1" name=""/>
-        <p:cNvGrpSpPr/>
-        <p:nvPr/>
-      </p:nvGrpSpPr>
-      <p:grpSpPr/>
-      <p:sp>
-        <p:nvSpPr>
-          <p:cNvPr id="9" name="Rectangles 8"/>
-          <p:cNvSpPr/>
-          <p:nvPr/>
-        </p:nvSpPr>
-        <p:spPr>
-          <a:xfrm>
-            <a:off x="0" y="6985"/>
-            <a:ext cx="1132840" cy="199390"/>
-          </a:xfrm>
-          <a:prstGeom prst="rect">
-            <a:avLst/>
-          </a:prstGeom>
-          <a:solidFill>
-            <a:srgbClr val="FFC000"/>
-          </a:solidFill>
-          <a:ln>
-            <a:solidFill>
-              <a:srgbClr val="FFC000"/>
-            </a:solidFill>
-          </a:ln>
-        </p:spPr>
-        <p:style>
-          <a:lnRef idx="2">
-            <a:schemeClr val="accent1">
-              <a:lumMod val="75000"/>
-            </a:schemeClr>
-          </a:lnRef>
-          <a:fillRef idx="1">
-            <a:schemeClr val="accent1"/>
-          </a:fillRef>
-          <a:effectRef idx="0">
-            <a:srgbClr val="FFFFFF"/>
-          </a:effectRef>
-          <a:fontRef idx="minor">
-            <a:schemeClr val="lt1"/>
-          </a:fontRef>
-        </p:style>
-        <p:txBody>
-          <a:bodyPr rtlCol="0" anchor="ctr"/>
-          <a:p>
-            <a:pPr algn="ctr"/>
-            <a:endParaRPr lang="en-US"/>
-          </a:p>
-        </p:txBody>
-      </p:sp>
-      <p:sp>
-        <p:nvSpPr>
-          <p:cNvPr id="14" name="Oval 13"/>
-          <p:cNvSpPr/>
-          <p:nvPr/>
-        </p:nvSpPr>
-        <p:spPr>
-          <a:xfrm>
-            <a:off x="1217930" y="37465"/>
-            <a:ext cx="153035" cy="153670"/>
-          </a:xfrm>
-          <a:prstGeom prst="ellipse">
-            <a:avLst/>
-          </a:prstGeom>
-          <a:solidFill>
-            <a:srgbClr val="FFC000"/>
-          </a:solidFill>
-          <a:ln>
-            <a:solidFill>
-              <a:srgbClr val="FFC000"/>
-            </a:solidFill>
-          </a:ln>
-        </p:spPr>
-        <p:style>
-          <a:lnRef idx="2">
-            <a:schemeClr val="accent1">
-              <a:lumMod val="75000"/>
-            </a:schemeClr>
-          </a:lnRef>
-          <a:fillRef idx="1">
-            <a:schemeClr val="accent1"/>
-          </a:fillRef>
-          <a:effectRef idx="0">
-            <a:srgbClr val="FFFFFF"/>
-          </a:effectRef>
-          <a:fontRef idx="minor">
-            <a:schemeClr val="lt1"/>
-          </a:fontRef>
-        </p:style>
-        <p:txBody>
-          <a:bodyPr rtlCol="0" anchor="ctr"/>
-          <a:p>
-            <a:pPr algn="ctr"/>
-            <a:endParaRPr lang="en-US"/>
-          </a:p>
-        </p:txBody>
-      </p:sp>
-      <p:sp>
-        <p:nvSpPr>
-          <p:cNvPr id="15" name="Rectangles 14"/>
-          <p:cNvSpPr/>
-          <p:nvPr/>
-        </p:nvSpPr>
-        <p:spPr>
-          <a:xfrm>
-            <a:off x="11051540" y="6658610"/>
-            <a:ext cx="1132840" cy="199390"/>
-          </a:xfrm>
-          <a:prstGeom prst="rect">
-            <a:avLst/>
-          </a:prstGeom>
-          <a:solidFill>
-            <a:srgbClr val="FFC000"/>
-          </a:solidFill>
-          <a:ln>
-            <a:solidFill>
-              <a:srgbClr val="FFC000"/>
-            </a:solidFill>
-          </a:ln>
-        </p:spPr>
-        <p:style>
-          <a:lnRef idx="2">
-            <a:schemeClr val="accent1">
-              <a:lumMod val="75000"/>
-            </a:schemeClr>
-          </a:lnRef>
-          <a:fillRef idx="1">
-            <a:schemeClr val="accent1"/>
-          </a:fillRef>
-          <a:effectRef idx="0">
-            <a:srgbClr val="FFFFFF"/>
-          </a:effectRef>
-          <a:fontRef idx="minor">
-            <a:schemeClr val="lt1"/>
-          </a:fontRef>
-        </p:style>
-        <p:txBody>
-          <a:bodyPr rtlCol="0" anchor="ctr"/>
-          <a:p>
-            <a:pPr algn="ctr"/>
-            <a:endParaRPr lang="en-US"/>
-          </a:p>
-        </p:txBody>
-      </p:sp>
-      <p:sp>
-        <p:nvSpPr>
-          <p:cNvPr id="16" name="Oval 15"/>
-          <p:cNvSpPr/>
-          <p:nvPr/>
-        </p:nvSpPr>
-        <p:spPr>
-          <a:xfrm>
-            <a:off x="10789285" y="6673850"/>
-            <a:ext cx="153035" cy="153670"/>
-          </a:xfrm>
-          <a:prstGeom prst="ellipse">
-            <a:avLst/>
-          </a:prstGeom>
-          <a:solidFill>
-            <a:srgbClr val="FFC000"/>
-          </a:solidFill>
-          <a:ln>
-            <a:solidFill>
-              <a:srgbClr val="FFC000"/>
-            </a:solidFill>
-          </a:ln>
-        </p:spPr>
-        <p:style>
-          <a:lnRef idx="2">
-            <a:schemeClr val="accent1">
-              <a:lumMod val="75000"/>
-            </a:schemeClr>
-          </a:lnRef>
-          <a:fillRef idx="1">
-            <a:schemeClr val="accent1"/>
-          </a:fillRef>
-          <a:effectRef idx="0">
-            <a:srgbClr val="FFFFFF"/>
-          </a:effectRef>
-          <a:fontRef idx="minor">
-            <a:schemeClr val="lt1"/>
-          </a:fontRef>
-        </p:style>
-        <p:txBody>
-          <a:bodyPr rtlCol="0" anchor="ctr"/>
-          <a:p>
-            <a:pPr algn="ctr"/>
-            <a:endParaRPr lang="en-US"/>
-          </a:p>
-        </p:txBody>
-      </p:sp>
-      <p:sp>
-        <p:nvSpPr>
-          <p:cNvPr id="2" name="Text Box 1"/>
-          <p:cNvSpPr txBox="1"/>
-          <p:nvPr/>
-        </p:nvSpPr>
-        <p:spPr>
-          <a:xfrm>
-            <a:off x="3885565" y="335915"/>
-            <a:ext cx="4421505" cy="730885"/>
-          </a:xfrm>
-          <a:prstGeom prst="rect">
-            <a:avLst/>
-          </a:prstGeom>
-          <a:noFill/>
-        </p:spPr>
-        <p:txBody>
-          <a:bodyPr wrap="square" rtlCol="0">
-            <a:noAutofit/>
-          </a:bodyPr>
-          <a:p>
-            <a:pPr indent="0">
-              <a:buFont typeface="+mj-lt"/>
-              <a:buNone/>
-            </a:pPr>
-            <a:r>
-              <a:rPr lang="en-US" altLang="en-US" sz="3200" b="1">
-                <a:latin typeface="Cambria" panose="02040503050406030204" charset="0"/>
-                <a:cs typeface="Cambria" panose="02040503050406030204" charset="0"/>
-              </a:rPr>
-              <a:t>Q-Learning Workflow</a:t>
-            </a:r>
-            <a:endParaRPr lang="en-US" altLang="en-US" sz="3200" b="1">
-              <a:latin typeface="Cambria" panose="02040503050406030204" charset="0"/>
-              <a:cs typeface="Cambria" panose="02040503050406030204" charset="0"/>
-            </a:endParaRPr>
-          </a:p>
-        </p:txBody>
-      </p:sp>
-      <p:pic>
-        <p:nvPicPr>
-          <p:cNvPr id="5" name="Picture 4" descr="Mermaid Chart - Create complex, visual diagrams with text. A smarter way of creating diagrams.-2025-09-08-104121"/>
-          <p:cNvPicPr>
-            <a:picLocks noChangeAspect="1"/>
-          </p:cNvPicPr>
-          <p:nvPr/>
-        </p:nvPicPr>
-        <p:blipFill>
-          <a:blip r:embed="rId1"/>
-          <a:stretch>
-            <a:fillRect/>
-          </a:stretch>
-        </p:blipFill>
-        <p:spPr>
-          <a:xfrm>
-            <a:off x="1104900" y="1310005"/>
-            <a:ext cx="10596245" cy="4928870"/>
-          </a:xfrm>
-          <a:prstGeom prst="rect">
-            <a:avLst/>
-          </a:prstGeom>
-        </p:spPr>
-      </p:pic>
-      <p:sp>
-        <p:nvSpPr>
-          <p:cNvPr id="7" name="Text Box 6"/>
-          <p:cNvSpPr txBox="1"/>
-          <p:nvPr/>
-        </p:nvSpPr>
-        <p:spPr>
-          <a:xfrm>
-            <a:off x="4984750" y="6130290"/>
-            <a:ext cx="2222500" cy="368300"/>
-          </a:xfrm>
-          <a:prstGeom prst="rect">
-            <a:avLst/>
-          </a:prstGeom>
-          <a:noFill/>
-        </p:spPr>
-        <p:txBody>
-          <a:bodyPr wrap="square" rtlCol="0">
-            <a:spAutoFit/>
-          </a:bodyPr>
-          <a:p>
-            <a:r>
-              <a:rPr lang="en-US" altLang="en-US" i="1">
-                <a:latin typeface="Cambria" panose="02040503050406030204" charset="0"/>
-                <a:cs typeface="Cambria" panose="02040503050406030204" charset="0"/>
-              </a:rPr>
-              <a:t>Q-Learning behavior</a:t>
-            </a:r>
-            <a:endParaRPr lang="en-US" altLang="en-US" i="1">
               <a:latin typeface="Cambria" panose="02040503050406030204" charset="0"/>
               <a:cs typeface="Cambria" panose="02040503050406030204" charset="0"/>
             </a:endParaRPr>
@@ -6778,7 +7182,7 @@
 </p:sld>
 </file>
 
-<file path=ppt/slides/slide2.xml><?xml version="1.0" encoding="utf-8"?>
+<file path=ppt/slides/slide17.xml><?xml version="1.0" encoding="utf-8"?>
 <p:sld xmlns:a="http://schemas.openxmlformats.org/drawingml/2006/main" xmlns:r="http://schemas.openxmlformats.org/officeDocument/2006/relationships" xmlns:p="http://schemas.openxmlformats.org/presentationml/2006/main">
   <p:cSld>
     <p:spTree>
@@ -6788,6 +7192,30 @@
         <p:nvPr/>
       </p:nvGrpSpPr>
       <p:grpSpPr/>
+      <p:pic>
+        <p:nvPicPr>
+          <p:cNvPr id="4" name="Picture 3" descr="Figure_9"/>
+          <p:cNvPicPr>
+            <a:picLocks noChangeAspect="1"/>
+          </p:cNvPicPr>
+          <p:nvPr/>
+        </p:nvPicPr>
+        <p:blipFill>
+          <a:blip r:embed="rId1"/>
+          <a:stretch>
+            <a:fillRect/>
+          </a:stretch>
+        </p:blipFill>
+        <p:spPr>
+          <a:xfrm>
+            <a:off x="14605" y="895350"/>
+            <a:ext cx="11518900" cy="5838825"/>
+          </a:xfrm>
+          <a:prstGeom prst="rect">
+            <a:avLst/>
+          </a:prstGeom>
+        </p:spPr>
+      </p:pic>
       <p:sp>
         <p:nvSpPr>
           <p:cNvPr id="9" name="Rectangles 8"/>
@@ -6978,6 +7406,1284 @@
       </p:sp>
       <p:sp>
         <p:nvSpPr>
+          <p:cNvPr id="8" name="Rectangles 7"/>
+          <p:cNvSpPr/>
+          <p:nvPr/>
+        </p:nvSpPr>
+        <p:spPr>
+          <a:xfrm>
+            <a:off x="11070590" y="6670040"/>
+            <a:ext cx="1132840" cy="199390"/>
+          </a:xfrm>
+          <a:prstGeom prst="rect">
+            <a:avLst/>
+          </a:prstGeom>
+          <a:solidFill>
+            <a:srgbClr val="FFC000"/>
+          </a:solidFill>
+          <a:ln>
+            <a:solidFill>
+              <a:srgbClr val="FFC000"/>
+            </a:solidFill>
+          </a:ln>
+        </p:spPr>
+        <p:style>
+          <a:lnRef idx="2">
+            <a:schemeClr val="accent1">
+              <a:lumMod val="75000"/>
+            </a:schemeClr>
+          </a:lnRef>
+          <a:fillRef idx="1">
+            <a:schemeClr val="accent1"/>
+          </a:fillRef>
+          <a:effectRef idx="0">
+            <a:srgbClr val="FFFFFF"/>
+          </a:effectRef>
+          <a:fontRef idx="minor">
+            <a:schemeClr val="lt1"/>
+          </a:fontRef>
+        </p:style>
+        <p:txBody>
+          <a:bodyPr rtlCol="0" anchor="ctr"/>
+          <a:p>
+            <a:pPr algn="ctr"/>
+            <a:endParaRPr lang="en-US"/>
+          </a:p>
+        </p:txBody>
+      </p:sp>
+      <p:sp>
+        <p:nvSpPr>
+          <p:cNvPr id="10" name="Oval 9"/>
+          <p:cNvSpPr/>
+          <p:nvPr/>
+        </p:nvSpPr>
+        <p:spPr>
+          <a:xfrm>
+            <a:off x="10789285" y="6658610"/>
+            <a:ext cx="153035" cy="153670"/>
+          </a:xfrm>
+          <a:prstGeom prst="ellipse">
+            <a:avLst/>
+          </a:prstGeom>
+          <a:solidFill>
+            <a:srgbClr val="FFC000"/>
+          </a:solidFill>
+          <a:ln>
+            <a:solidFill>
+              <a:srgbClr val="FFC000"/>
+            </a:solidFill>
+          </a:ln>
+        </p:spPr>
+        <p:style>
+          <a:lnRef idx="2">
+            <a:schemeClr val="accent1">
+              <a:lumMod val="75000"/>
+            </a:schemeClr>
+          </a:lnRef>
+          <a:fillRef idx="1">
+            <a:schemeClr val="accent1"/>
+          </a:fillRef>
+          <a:effectRef idx="0">
+            <a:srgbClr val="FFFFFF"/>
+          </a:effectRef>
+          <a:fontRef idx="minor">
+            <a:schemeClr val="lt1"/>
+          </a:fontRef>
+        </p:style>
+        <p:txBody>
+          <a:bodyPr rtlCol="0" anchor="ctr"/>
+          <a:p>
+            <a:pPr algn="ctr"/>
+            <a:endParaRPr lang="en-US"/>
+          </a:p>
+        </p:txBody>
+      </p:sp>
+      <p:sp>
+        <p:nvSpPr>
+          <p:cNvPr id="2" name="Text Box 1"/>
+          <p:cNvSpPr txBox="1"/>
+          <p:nvPr/>
+        </p:nvSpPr>
+        <p:spPr>
+          <a:xfrm>
+            <a:off x="4335145" y="179070"/>
+            <a:ext cx="4016375" cy="730885"/>
+          </a:xfrm>
+          <a:prstGeom prst="rect">
+            <a:avLst/>
+          </a:prstGeom>
+          <a:noFill/>
+        </p:spPr>
+        <p:txBody>
+          <a:bodyPr wrap="square" rtlCol="0">
+            <a:noAutofit/>
+          </a:bodyPr>
+          <a:p>
+            <a:pPr indent="0">
+              <a:buFont typeface="+mj-lt"/>
+              <a:buNone/>
+            </a:pPr>
+            <a:r>
+              <a:rPr lang="en-US" altLang="en-US" sz="3200" b="1">
+                <a:latin typeface="Cambria" panose="02040503050406030204" charset="0"/>
+                <a:cs typeface="Cambria" panose="02040503050406030204" charset="0"/>
+              </a:rPr>
+              <a:t>Simulation Results</a:t>
+            </a:r>
+            <a:endParaRPr lang="en-US" altLang="en-US" sz="3200" b="1">
+              <a:latin typeface="Cambria" panose="02040503050406030204" charset="0"/>
+              <a:cs typeface="Cambria" panose="02040503050406030204" charset="0"/>
+            </a:endParaRPr>
+          </a:p>
+        </p:txBody>
+      </p:sp>
+    </p:spTree>
+  </p:cSld>
+  <p:clrMapOvr>
+    <a:masterClrMapping/>
+  </p:clrMapOvr>
+</p:sld>
+</file>
+
+<file path=ppt/slides/slide18.xml><?xml version="1.0" encoding="utf-8"?>
+<p:sld xmlns:a="http://schemas.openxmlformats.org/drawingml/2006/main" xmlns:r="http://schemas.openxmlformats.org/officeDocument/2006/relationships" xmlns:p="http://schemas.openxmlformats.org/presentationml/2006/main">
+  <p:cSld>
+    <p:spTree>
+      <p:nvGrpSpPr>
+        <p:cNvPr id="1" name=""/>
+        <p:cNvGrpSpPr/>
+        <p:nvPr/>
+      </p:nvGrpSpPr>
+      <p:grpSpPr/>
+      <p:pic>
+        <p:nvPicPr>
+          <p:cNvPr id="3" name="Picture 2" descr="Figure_12"/>
+          <p:cNvPicPr>
+            <a:picLocks noChangeAspect="1"/>
+          </p:cNvPicPr>
+          <p:nvPr/>
+        </p:nvPicPr>
+        <p:blipFill>
+          <a:blip r:embed="rId1"/>
+          <a:stretch>
+            <a:fillRect/>
+          </a:stretch>
+        </p:blipFill>
+        <p:spPr>
+          <a:xfrm>
+            <a:off x="174625" y="1003300"/>
+            <a:ext cx="11637645" cy="5648325"/>
+          </a:xfrm>
+          <a:prstGeom prst="rect">
+            <a:avLst/>
+          </a:prstGeom>
+        </p:spPr>
+      </p:pic>
+      <p:sp>
+        <p:nvSpPr>
+          <p:cNvPr id="9" name="Rectangles 8"/>
+          <p:cNvSpPr/>
+          <p:nvPr/>
+        </p:nvSpPr>
+        <p:spPr>
+          <a:xfrm>
+            <a:off x="0" y="6985"/>
+            <a:ext cx="1132840" cy="199390"/>
+          </a:xfrm>
+          <a:prstGeom prst="rect">
+            <a:avLst/>
+          </a:prstGeom>
+          <a:solidFill>
+            <a:srgbClr val="FFC000"/>
+          </a:solidFill>
+          <a:ln>
+            <a:solidFill>
+              <a:srgbClr val="FFC000"/>
+            </a:solidFill>
+          </a:ln>
+        </p:spPr>
+        <p:style>
+          <a:lnRef idx="2">
+            <a:schemeClr val="accent1">
+              <a:lumMod val="75000"/>
+            </a:schemeClr>
+          </a:lnRef>
+          <a:fillRef idx="1">
+            <a:schemeClr val="accent1"/>
+          </a:fillRef>
+          <a:effectRef idx="0">
+            <a:srgbClr val="FFFFFF"/>
+          </a:effectRef>
+          <a:fontRef idx="minor">
+            <a:schemeClr val="lt1"/>
+          </a:fontRef>
+        </p:style>
+        <p:txBody>
+          <a:bodyPr rtlCol="0" anchor="ctr"/>
+          <a:p>
+            <a:pPr algn="ctr"/>
+            <a:endParaRPr lang="en-US"/>
+          </a:p>
+        </p:txBody>
+      </p:sp>
+      <p:sp>
+        <p:nvSpPr>
+          <p:cNvPr id="14" name="Oval 13"/>
+          <p:cNvSpPr/>
+          <p:nvPr/>
+        </p:nvSpPr>
+        <p:spPr>
+          <a:xfrm>
+            <a:off x="1217930" y="37465"/>
+            <a:ext cx="153035" cy="153670"/>
+          </a:xfrm>
+          <a:prstGeom prst="ellipse">
+            <a:avLst/>
+          </a:prstGeom>
+          <a:solidFill>
+            <a:srgbClr val="FFC000"/>
+          </a:solidFill>
+          <a:ln>
+            <a:solidFill>
+              <a:srgbClr val="FFC000"/>
+            </a:solidFill>
+          </a:ln>
+        </p:spPr>
+        <p:style>
+          <a:lnRef idx="2">
+            <a:schemeClr val="accent1">
+              <a:lumMod val="75000"/>
+            </a:schemeClr>
+          </a:lnRef>
+          <a:fillRef idx="1">
+            <a:schemeClr val="accent1"/>
+          </a:fillRef>
+          <a:effectRef idx="0">
+            <a:srgbClr val="FFFFFF"/>
+          </a:effectRef>
+          <a:fontRef idx="minor">
+            <a:schemeClr val="lt1"/>
+          </a:fontRef>
+        </p:style>
+        <p:txBody>
+          <a:bodyPr rtlCol="0" anchor="ctr"/>
+          <a:p>
+            <a:pPr algn="ctr"/>
+            <a:endParaRPr lang="en-US"/>
+          </a:p>
+        </p:txBody>
+      </p:sp>
+      <p:sp>
+        <p:nvSpPr>
+          <p:cNvPr id="15" name="Rectangles 14"/>
+          <p:cNvSpPr/>
+          <p:nvPr/>
+        </p:nvSpPr>
+        <p:spPr>
+          <a:xfrm>
+            <a:off x="11051540" y="6658610"/>
+            <a:ext cx="1132840" cy="199390"/>
+          </a:xfrm>
+          <a:prstGeom prst="rect">
+            <a:avLst/>
+          </a:prstGeom>
+          <a:solidFill>
+            <a:srgbClr val="FFC000"/>
+          </a:solidFill>
+          <a:ln>
+            <a:solidFill>
+              <a:srgbClr val="FFC000"/>
+            </a:solidFill>
+          </a:ln>
+        </p:spPr>
+        <p:style>
+          <a:lnRef idx="2">
+            <a:schemeClr val="accent1">
+              <a:lumMod val="75000"/>
+            </a:schemeClr>
+          </a:lnRef>
+          <a:fillRef idx="1">
+            <a:schemeClr val="accent1"/>
+          </a:fillRef>
+          <a:effectRef idx="0">
+            <a:srgbClr val="FFFFFF"/>
+          </a:effectRef>
+          <a:fontRef idx="minor">
+            <a:schemeClr val="lt1"/>
+          </a:fontRef>
+        </p:style>
+        <p:txBody>
+          <a:bodyPr rtlCol="0" anchor="ctr"/>
+          <a:p>
+            <a:pPr algn="ctr"/>
+            <a:endParaRPr lang="en-US"/>
+          </a:p>
+        </p:txBody>
+      </p:sp>
+      <p:sp>
+        <p:nvSpPr>
+          <p:cNvPr id="16" name="Oval 15"/>
+          <p:cNvSpPr/>
+          <p:nvPr/>
+        </p:nvSpPr>
+        <p:spPr>
+          <a:xfrm>
+            <a:off x="10789285" y="6673850"/>
+            <a:ext cx="153035" cy="153670"/>
+          </a:xfrm>
+          <a:prstGeom prst="ellipse">
+            <a:avLst/>
+          </a:prstGeom>
+          <a:solidFill>
+            <a:srgbClr val="FFC000"/>
+          </a:solidFill>
+          <a:ln>
+            <a:solidFill>
+              <a:srgbClr val="FFC000"/>
+            </a:solidFill>
+          </a:ln>
+        </p:spPr>
+        <p:style>
+          <a:lnRef idx="2">
+            <a:schemeClr val="accent1">
+              <a:lumMod val="75000"/>
+            </a:schemeClr>
+          </a:lnRef>
+          <a:fillRef idx="1">
+            <a:schemeClr val="accent1"/>
+          </a:fillRef>
+          <a:effectRef idx="0">
+            <a:srgbClr val="FFFFFF"/>
+          </a:effectRef>
+          <a:fontRef idx="minor">
+            <a:schemeClr val="lt1"/>
+          </a:fontRef>
+        </p:style>
+        <p:txBody>
+          <a:bodyPr rtlCol="0" anchor="ctr"/>
+          <a:p>
+            <a:pPr algn="ctr"/>
+            <a:endParaRPr lang="en-US"/>
+          </a:p>
+        </p:txBody>
+      </p:sp>
+      <p:sp>
+        <p:nvSpPr>
+          <p:cNvPr id="8" name="Rectangles 7"/>
+          <p:cNvSpPr/>
+          <p:nvPr/>
+        </p:nvSpPr>
+        <p:spPr>
+          <a:xfrm>
+            <a:off x="11070590" y="6670040"/>
+            <a:ext cx="1132840" cy="199390"/>
+          </a:xfrm>
+          <a:prstGeom prst="rect">
+            <a:avLst/>
+          </a:prstGeom>
+          <a:solidFill>
+            <a:srgbClr val="FFC000"/>
+          </a:solidFill>
+          <a:ln>
+            <a:solidFill>
+              <a:srgbClr val="FFC000"/>
+            </a:solidFill>
+          </a:ln>
+        </p:spPr>
+        <p:style>
+          <a:lnRef idx="2">
+            <a:schemeClr val="accent1">
+              <a:lumMod val="75000"/>
+            </a:schemeClr>
+          </a:lnRef>
+          <a:fillRef idx="1">
+            <a:schemeClr val="accent1"/>
+          </a:fillRef>
+          <a:effectRef idx="0">
+            <a:srgbClr val="FFFFFF"/>
+          </a:effectRef>
+          <a:fontRef idx="minor">
+            <a:schemeClr val="lt1"/>
+          </a:fontRef>
+        </p:style>
+        <p:txBody>
+          <a:bodyPr rtlCol="0" anchor="ctr"/>
+          <a:p>
+            <a:pPr algn="ctr"/>
+            <a:endParaRPr lang="en-US"/>
+          </a:p>
+        </p:txBody>
+      </p:sp>
+      <p:sp>
+        <p:nvSpPr>
+          <p:cNvPr id="10" name="Oval 9"/>
+          <p:cNvSpPr/>
+          <p:nvPr/>
+        </p:nvSpPr>
+        <p:spPr>
+          <a:xfrm>
+            <a:off x="10789285" y="6658610"/>
+            <a:ext cx="153035" cy="153670"/>
+          </a:xfrm>
+          <a:prstGeom prst="ellipse">
+            <a:avLst/>
+          </a:prstGeom>
+          <a:solidFill>
+            <a:srgbClr val="FFC000"/>
+          </a:solidFill>
+          <a:ln>
+            <a:solidFill>
+              <a:srgbClr val="FFC000"/>
+            </a:solidFill>
+          </a:ln>
+        </p:spPr>
+        <p:style>
+          <a:lnRef idx="2">
+            <a:schemeClr val="accent1">
+              <a:lumMod val="75000"/>
+            </a:schemeClr>
+          </a:lnRef>
+          <a:fillRef idx="1">
+            <a:schemeClr val="accent1"/>
+          </a:fillRef>
+          <a:effectRef idx="0">
+            <a:srgbClr val="FFFFFF"/>
+          </a:effectRef>
+          <a:fontRef idx="minor">
+            <a:schemeClr val="lt1"/>
+          </a:fontRef>
+        </p:style>
+        <p:txBody>
+          <a:bodyPr rtlCol="0" anchor="ctr"/>
+          <a:p>
+            <a:pPr algn="ctr"/>
+            <a:endParaRPr lang="en-US"/>
+          </a:p>
+        </p:txBody>
+      </p:sp>
+      <p:sp>
+        <p:nvSpPr>
+          <p:cNvPr id="2" name="Text Box 1"/>
+          <p:cNvSpPr txBox="1"/>
+          <p:nvPr/>
+        </p:nvSpPr>
+        <p:spPr>
+          <a:xfrm>
+            <a:off x="4335145" y="179070"/>
+            <a:ext cx="4016375" cy="730885"/>
+          </a:xfrm>
+          <a:prstGeom prst="rect">
+            <a:avLst/>
+          </a:prstGeom>
+          <a:noFill/>
+        </p:spPr>
+        <p:txBody>
+          <a:bodyPr wrap="square" rtlCol="0">
+            <a:noAutofit/>
+          </a:bodyPr>
+          <a:p>
+            <a:pPr indent="0">
+              <a:buFont typeface="+mj-lt"/>
+              <a:buNone/>
+            </a:pPr>
+            <a:r>
+              <a:rPr lang="en-US" altLang="en-US" sz="3200" b="1">
+                <a:latin typeface="Cambria" panose="02040503050406030204" charset="0"/>
+                <a:cs typeface="Cambria" panose="02040503050406030204" charset="0"/>
+              </a:rPr>
+              <a:t>Simulation Results</a:t>
+            </a:r>
+            <a:endParaRPr lang="en-US" altLang="en-US" sz="3200" b="1">
+              <a:latin typeface="Cambria" panose="02040503050406030204" charset="0"/>
+              <a:cs typeface="Cambria" panose="02040503050406030204" charset="0"/>
+            </a:endParaRPr>
+          </a:p>
+        </p:txBody>
+      </p:sp>
+    </p:spTree>
+  </p:cSld>
+  <p:clrMapOvr>
+    <a:masterClrMapping/>
+  </p:clrMapOvr>
+</p:sld>
+</file>
+
+<file path=ppt/slides/slide19.xml><?xml version="1.0" encoding="utf-8"?>
+<p:sld xmlns:a="http://schemas.openxmlformats.org/drawingml/2006/main" xmlns:r="http://schemas.openxmlformats.org/officeDocument/2006/relationships" xmlns:p="http://schemas.openxmlformats.org/presentationml/2006/main">
+  <p:cSld>
+    <p:spTree>
+      <p:nvGrpSpPr>
+        <p:cNvPr id="1" name=""/>
+        <p:cNvGrpSpPr/>
+        <p:nvPr/>
+      </p:nvGrpSpPr>
+      <p:grpSpPr/>
+      <p:sp>
+        <p:nvSpPr>
+          <p:cNvPr id="9" name="Rectangles 8"/>
+          <p:cNvSpPr/>
+          <p:nvPr/>
+        </p:nvSpPr>
+        <p:spPr>
+          <a:xfrm>
+            <a:off x="0" y="6985"/>
+            <a:ext cx="1132840" cy="199390"/>
+          </a:xfrm>
+          <a:prstGeom prst="rect">
+            <a:avLst/>
+          </a:prstGeom>
+          <a:solidFill>
+            <a:srgbClr val="FFC000"/>
+          </a:solidFill>
+          <a:ln>
+            <a:solidFill>
+              <a:srgbClr val="FFC000"/>
+            </a:solidFill>
+          </a:ln>
+        </p:spPr>
+        <p:style>
+          <a:lnRef idx="2">
+            <a:schemeClr val="accent1">
+              <a:lumMod val="75000"/>
+            </a:schemeClr>
+          </a:lnRef>
+          <a:fillRef idx="1">
+            <a:schemeClr val="accent1"/>
+          </a:fillRef>
+          <a:effectRef idx="0">
+            <a:srgbClr val="FFFFFF"/>
+          </a:effectRef>
+          <a:fontRef idx="minor">
+            <a:schemeClr val="lt1"/>
+          </a:fontRef>
+        </p:style>
+        <p:txBody>
+          <a:bodyPr rtlCol="0" anchor="ctr"/>
+          <a:p>
+            <a:pPr algn="ctr"/>
+            <a:endParaRPr lang="en-US"/>
+          </a:p>
+        </p:txBody>
+      </p:sp>
+      <p:sp>
+        <p:nvSpPr>
+          <p:cNvPr id="14" name="Oval 13"/>
+          <p:cNvSpPr/>
+          <p:nvPr/>
+        </p:nvSpPr>
+        <p:spPr>
+          <a:xfrm>
+            <a:off x="1217930" y="37465"/>
+            <a:ext cx="153035" cy="153670"/>
+          </a:xfrm>
+          <a:prstGeom prst="ellipse">
+            <a:avLst/>
+          </a:prstGeom>
+          <a:solidFill>
+            <a:srgbClr val="FFC000"/>
+          </a:solidFill>
+          <a:ln>
+            <a:solidFill>
+              <a:srgbClr val="FFC000"/>
+            </a:solidFill>
+          </a:ln>
+        </p:spPr>
+        <p:style>
+          <a:lnRef idx="2">
+            <a:schemeClr val="accent1">
+              <a:lumMod val="75000"/>
+            </a:schemeClr>
+          </a:lnRef>
+          <a:fillRef idx="1">
+            <a:schemeClr val="accent1"/>
+          </a:fillRef>
+          <a:effectRef idx="0">
+            <a:srgbClr val="FFFFFF"/>
+          </a:effectRef>
+          <a:fontRef idx="minor">
+            <a:schemeClr val="lt1"/>
+          </a:fontRef>
+        </p:style>
+        <p:txBody>
+          <a:bodyPr rtlCol="0" anchor="ctr"/>
+          <a:p>
+            <a:pPr algn="ctr"/>
+            <a:endParaRPr lang="en-US"/>
+          </a:p>
+        </p:txBody>
+      </p:sp>
+      <p:sp>
+        <p:nvSpPr>
+          <p:cNvPr id="15" name="Rectangles 14"/>
+          <p:cNvSpPr/>
+          <p:nvPr/>
+        </p:nvSpPr>
+        <p:spPr>
+          <a:xfrm>
+            <a:off x="11051540" y="6658610"/>
+            <a:ext cx="1132840" cy="199390"/>
+          </a:xfrm>
+          <a:prstGeom prst="rect">
+            <a:avLst/>
+          </a:prstGeom>
+          <a:solidFill>
+            <a:srgbClr val="FFC000"/>
+          </a:solidFill>
+          <a:ln>
+            <a:solidFill>
+              <a:srgbClr val="FFC000"/>
+            </a:solidFill>
+          </a:ln>
+        </p:spPr>
+        <p:style>
+          <a:lnRef idx="2">
+            <a:schemeClr val="accent1">
+              <a:lumMod val="75000"/>
+            </a:schemeClr>
+          </a:lnRef>
+          <a:fillRef idx="1">
+            <a:schemeClr val="accent1"/>
+          </a:fillRef>
+          <a:effectRef idx="0">
+            <a:srgbClr val="FFFFFF"/>
+          </a:effectRef>
+          <a:fontRef idx="minor">
+            <a:schemeClr val="lt1"/>
+          </a:fontRef>
+        </p:style>
+        <p:txBody>
+          <a:bodyPr rtlCol="0" anchor="ctr"/>
+          <a:p>
+            <a:pPr algn="ctr"/>
+            <a:endParaRPr lang="en-US"/>
+          </a:p>
+        </p:txBody>
+      </p:sp>
+      <p:sp>
+        <p:nvSpPr>
+          <p:cNvPr id="16" name="Oval 15"/>
+          <p:cNvSpPr/>
+          <p:nvPr/>
+        </p:nvSpPr>
+        <p:spPr>
+          <a:xfrm>
+            <a:off x="10789285" y="6673850"/>
+            <a:ext cx="153035" cy="153670"/>
+          </a:xfrm>
+          <a:prstGeom prst="ellipse">
+            <a:avLst/>
+          </a:prstGeom>
+          <a:solidFill>
+            <a:srgbClr val="FFC000"/>
+          </a:solidFill>
+          <a:ln>
+            <a:solidFill>
+              <a:srgbClr val="FFC000"/>
+            </a:solidFill>
+          </a:ln>
+        </p:spPr>
+        <p:style>
+          <a:lnRef idx="2">
+            <a:schemeClr val="accent1">
+              <a:lumMod val="75000"/>
+            </a:schemeClr>
+          </a:lnRef>
+          <a:fillRef idx="1">
+            <a:schemeClr val="accent1"/>
+          </a:fillRef>
+          <a:effectRef idx="0">
+            <a:srgbClr val="FFFFFF"/>
+          </a:effectRef>
+          <a:fontRef idx="minor">
+            <a:schemeClr val="lt1"/>
+          </a:fontRef>
+        </p:style>
+        <p:txBody>
+          <a:bodyPr rtlCol="0" anchor="ctr"/>
+          <a:p>
+            <a:pPr algn="ctr"/>
+            <a:endParaRPr lang="en-US"/>
+          </a:p>
+        </p:txBody>
+      </p:sp>
+      <p:sp>
+        <p:nvSpPr>
+          <p:cNvPr id="8" name="Rectangles 7"/>
+          <p:cNvSpPr/>
+          <p:nvPr/>
+        </p:nvSpPr>
+        <p:spPr>
+          <a:xfrm>
+            <a:off x="11070590" y="6670040"/>
+            <a:ext cx="1132840" cy="199390"/>
+          </a:xfrm>
+          <a:prstGeom prst="rect">
+            <a:avLst/>
+          </a:prstGeom>
+          <a:solidFill>
+            <a:srgbClr val="FFC000"/>
+          </a:solidFill>
+          <a:ln>
+            <a:solidFill>
+              <a:srgbClr val="FFC000"/>
+            </a:solidFill>
+          </a:ln>
+        </p:spPr>
+        <p:style>
+          <a:lnRef idx="2">
+            <a:schemeClr val="accent1">
+              <a:lumMod val="75000"/>
+            </a:schemeClr>
+          </a:lnRef>
+          <a:fillRef idx="1">
+            <a:schemeClr val="accent1"/>
+          </a:fillRef>
+          <a:effectRef idx="0">
+            <a:srgbClr val="FFFFFF"/>
+          </a:effectRef>
+          <a:fontRef idx="minor">
+            <a:schemeClr val="lt1"/>
+          </a:fontRef>
+        </p:style>
+        <p:txBody>
+          <a:bodyPr rtlCol="0" anchor="ctr"/>
+          <a:p>
+            <a:pPr algn="ctr"/>
+            <a:endParaRPr lang="en-US"/>
+          </a:p>
+        </p:txBody>
+      </p:sp>
+      <p:sp>
+        <p:nvSpPr>
+          <p:cNvPr id="10" name="Oval 9"/>
+          <p:cNvSpPr/>
+          <p:nvPr/>
+        </p:nvSpPr>
+        <p:spPr>
+          <a:xfrm>
+            <a:off x="10789285" y="6658610"/>
+            <a:ext cx="153035" cy="153670"/>
+          </a:xfrm>
+          <a:prstGeom prst="ellipse">
+            <a:avLst/>
+          </a:prstGeom>
+          <a:solidFill>
+            <a:srgbClr val="FFC000"/>
+          </a:solidFill>
+          <a:ln>
+            <a:solidFill>
+              <a:srgbClr val="FFC000"/>
+            </a:solidFill>
+          </a:ln>
+        </p:spPr>
+        <p:style>
+          <a:lnRef idx="2">
+            <a:schemeClr val="accent1">
+              <a:lumMod val="75000"/>
+            </a:schemeClr>
+          </a:lnRef>
+          <a:fillRef idx="1">
+            <a:schemeClr val="accent1"/>
+          </a:fillRef>
+          <a:effectRef idx="0">
+            <a:srgbClr val="FFFFFF"/>
+          </a:effectRef>
+          <a:fontRef idx="minor">
+            <a:schemeClr val="lt1"/>
+          </a:fontRef>
+        </p:style>
+        <p:txBody>
+          <a:bodyPr rtlCol="0" anchor="ctr"/>
+          <a:p>
+            <a:pPr algn="ctr"/>
+            <a:endParaRPr lang="en-US"/>
+          </a:p>
+        </p:txBody>
+      </p:sp>
+      <p:sp>
+        <p:nvSpPr>
+          <p:cNvPr id="2" name="Text Box 1"/>
+          <p:cNvSpPr txBox="1"/>
+          <p:nvPr/>
+        </p:nvSpPr>
+        <p:spPr>
+          <a:xfrm>
+            <a:off x="4335145" y="179070"/>
+            <a:ext cx="4016375" cy="730885"/>
+          </a:xfrm>
+          <a:prstGeom prst="rect">
+            <a:avLst/>
+          </a:prstGeom>
+          <a:noFill/>
+        </p:spPr>
+        <p:txBody>
+          <a:bodyPr wrap="square" rtlCol="0">
+            <a:noAutofit/>
+          </a:bodyPr>
+          <a:p>
+            <a:pPr indent="0">
+              <a:buFont typeface="+mj-lt"/>
+              <a:buNone/>
+            </a:pPr>
+            <a:r>
+              <a:rPr lang="en-US" altLang="en-US" sz="3200" b="1">
+                <a:latin typeface="Cambria" panose="02040503050406030204" charset="0"/>
+                <a:cs typeface="Cambria" panose="02040503050406030204" charset="0"/>
+              </a:rPr>
+              <a:t>Simulation Results</a:t>
+            </a:r>
+            <a:endParaRPr lang="en-US" altLang="en-US" sz="3200" b="1">
+              <a:latin typeface="Cambria" panose="02040503050406030204" charset="0"/>
+              <a:cs typeface="Cambria" panose="02040503050406030204" charset="0"/>
+            </a:endParaRPr>
+          </a:p>
+        </p:txBody>
+      </p:sp>
+      <p:pic>
+        <p:nvPicPr>
+          <p:cNvPr id="6" name="Picture 5" descr="Figure_14"/>
+          <p:cNvPicPr>
+            <a:picLocks noChangeAspect="1"/>
+          </p:cNvPicPr>
+          <p:nvPr/>
+        </p:nvPicPr>
+        <p:blipFill>
+          <a:blip r:embed="rId1"/>
+          <a:stretch>
+            <a:fillRect/>
+          </a:stretch>
+        </p:blipFill>
+        <p:spPr>
+          <a:xfrm>
+            <a:off x="376555" y="1007745"/>
+            <a:ext cx="11438890" cy="5552440"/>
+          </a:xfrm>
+          <a:prstGeom prst="rect">
+            <a:avLst/>
+          </a:prstGeom>
+        </p:spPr>
+      </p:pic>
+      <p:sp>
+        <p:nvSpPr>
+          <p:cNvPr id="7" name="Text Box 6"/>
+          <p:cNvSpPr txBox="1"/>
+          <p:nvPr/>
+        </p:nvSpPr>
+        <p:spPr>
+          <a:xfrm>
+            <a:off x="2860675" y="1892935"/>
+            <a:ext cx="601345" cy="273050"/>
+          </a:xfrm>
+          <a:prstGeom prst="rect">
+            <a:avLst/>
+          </a:prstGeom>
+          <a:noFill/>
+        </p:spPr>
+        <p:txBody>
+          <a:bodyPr wrap="square" rtlCol="0">
+            <a:noAutofit/>
+          </a:bodyPr>
+          <a:p>
+            <a:r>
+              <a:rPr lang="en-US" sz="1200">
+                <a:latin typeface="Cambria" panose="02040503050406030204" charset="0"/>
+                <a:cs typeface="Cambria" panose="02040503050406030204" charset="0"/>
+              </a:rPr>
+              <a:t>~10% </a:t>
+            </a:r>
+            <a:endParaRPr lang="en-US" sz="1200">
+              <a:latin typeface="Cambria" panose="02040503050406030204" charset="0"/>
+              <a:cs typeface="Cambria" panose="02040503050406030204" charset="0"/>
+            </a:endParaRPr>
+          </a:p>
+        </p:txBody>
+      </p:sp>
+      <p:cxnSp>
+        <p:nvCxnSpPr>
+          <p:cNvPr id="11" name="Elbow Connector 10"/>
+          <p:cNvCxnSpPr/>
+          <p:nvPr/>
+        </p:nvCxnSpPr>
+        <p:spPr>
+          <a:xfrm rot="5400000" flipV="1">
+            <a:off x="3291840" y="2035810"/>
+            <a:ext cx="325755" cy="3175"/>
+          </a:xfrm>
+          <a:prstGeom prst="bentConnector3">
+            <a:avLst>
+              <a:gd name="adj1" fmla="val 50000"/>
+            </a:avLst>
+          </a:prstGeom>
+          <a:ln>
+            <a:headEnd type="arrow"/>
+            <a:tailEnd type="arrow"/>
+          </a:ln>
+        </p:spPr>
+        <p:style>
+          <a:lnRef idx="2">
+            <a:schemeClr val="accent1"/>
+          </a:lnRef>
+          <a:fillRef idx="0">
+            <a:srgbClr val="FFFFFF"/>
+          </a:fillRef>
+          <a:effectRef idx="0">
+            <a:srgbClr val="FFFFFF"/>
+          </a:effectRef>
+          <a:fontRef idx="minor">
+            <a:schemeClr val="tx1"/>
+          </a:fontRef>
+        </p:style>
+      </p:cxnSp>
+      <p:sp>
+        <p:nvSpPr>
+          <p:cNvPr id="17" name="Text Box 16"/>
+          <p:cNvSpPr txBox="1"/>
+          <p:nvPr/>
+        </p:nvSpPr>
+        <p:spPr>
+          <a:xfrm>
+            <a:off x="6264910" y="1727835"/>
+            <a:ext cx="601345" cy="273050"/>
+          </a:xfrm>
+          <a:prstGeom prst="rect">
+            <a:avLst/>
+          </a:prstGeom>
+          <a:noFill/>
+        </p:spPr>
+        <p:txBody>
+          <a:bodyPr wrap="square" rtlCol="0">
+            <a:noAutofit/>
+          </a:bodyPr>
+          <a:p>
+            <a:r>
+              <a:rPr lang="en-US" sz="1200">
+                <a:latin typeface="Cambria" panose="02040503050406030204" charset="0"/>
+                <a:cs typeface="Cambria" panose="02040503050406030204" charset="0"/>
+              </a:rPr>
+              <a:t>~10% </a:t>
+            </a:r>
+            <a:endParaRPr lang="en-US" sz="1200">
+              <a:latin typeface="Cambria" panose="02040503050406030204" charset="0"/>
+              <a:cs typeface="Cambria" panose="02040503050406030204" charset="0"/>
+            </a:endParaRPr>
+          </a:p>
+        </p:txBody>
+      </p:sp>
+      <p:cxnSp>
+        <p:nvCxnSpPr>
+          <p:cNvPr id="18" name="Elbow Connector 17"/>
+          <p:cNvCxnSpPr/>
+          <p:nvPr/>
+        </p:nvCxnSpPr>
+        <p:spPr>
+          <a:xfrm rot="5400000" flipV="1">
+            <a:off x="10089515" y="1738630"/>
+            <a:ext cx="325755" cy="3175"/>
+          </a:xfrm>
+          <a:prstGeom prst="bentConnector3">
+            <a:avLst>
+              <a:gd name="adj1" fmla="val 50000"/>
+            </a:avLst>
+          </a:prstGeom>
+          <a:ln>
+            <a:headEnd type="arrow"/>
+            <a:tailEnd type="arrow"/>
+          </a:ln>
+        </p:spPr>
+        <p:style>
+          <a:lnRef idx="2">
+            <a:schemeClr val="accent1"/>
+          </a:lnRef>
+          <a:fillRef idx="0">
+            <a:srgbClr val="FFFFFF"/>
+          </a:fillRef>
+          <a:effectRef idx="0">
+            <a:srgbClr val="FFFFFF"/>
+          </a:effectRef>
+          <a:fontRef idx="minor">
+            <a:schemeClr val="tx1"/>
+          </a:fontRef>
+        </p:style>
+      </p:cxnSp>
+      <p:sp>
+        <p:nvSpPr>
+          <p:cNvPr id="21" name="Text Box 20"/>
+          <p:cNvSpPr txBox="1"/>
+          <p:nvPr/>
+        </p:nvSpPr>
+        <p:spPr>
+          <a:xfrm>
+            <a:off x="9639935" y="1618615"/>
+            <a:ext cx="601345" cy="273050"/>
+          </a:xfrm>
+          <a:prstGeom prst="rect">
+            <a:avLst/>
+          </a:prstGeom>
+          <a:noFill/>
+        </p:spPr>
+        <p:txBody>
+          <a:bodyPr wrap="square" rtlCol="0">
+            <a:noAutofit/>
+          </a:bodyPr>
+          <a:p>
+            <a:r>
+              <a:rPr lang="en-US" sz="1200">
+                <a:latin typeface="Cambria" panose="02040503050406030204" charset="0"/>
+                <a:cs typeface="Cambria" panose="02040503050406030204" charset="0"/>
+              </a:rPr>
+              <a:t>~10% </a:t>
+            </a:r>
+            <a:endParaRPr lang="en-US" sz="1200">
+              <a:latin typeface="Cambria" panose="02040503050406030204" charset="0"/>
+              <a:cs typeface="Cambria" panose="02040503050406030204" charset="0"/>
+            </a:endParaRPr>
+          </a:p>
+        </p:txBody>
+      </p:sp>
+      <p:cxnSp>
+        <p:nvCxnSpPr>
+          <p:cNvPr id="22" name="Elbow Connector 21"/>
+          <p:cNvCxnSpPr/>
+          <p:nvPr/>
+        </p:nvCxnSpPr>
+        <p:spPr>
+          <a:xfrm rot="5400000" flipV="1">
+            <a:off x="6679565" y="1849755"/>
+            <a:ext cx="325755" cy="3175"/>
+          </a:xfrm>
+          <a:prstGeom prst="bentConnector3">
+            <a:avLst>
+              <a:gd name="adj1" fmla="val 50000"/>
+            </a:avLst>
+          </a:prstGeom>
+          <a:ln>
+            <a:headEnd type="arrow"/>
+            <a:tailEnd type="arrow"/>
+          </a:ln>
+        </p:spPr>
+        <p:style>
+          <a:lnRef idx="2">
+            <a:schemeClr val="accent1"/>
+          </a:lnRef>
+          <a:fillRef idx="0">
+            <a:srgbClr val="FFFFFF"/>
+          </a:fillRef>
+          <a:effectRef idx="0">
+            <a:srgbClr val="FFFFFF"/>
+          </a:effectRef>
+          <a:fontRef idx="minor">
+            <a:schemeClr val="tx1"/>
+          </a:fontRef>
+        </p:style>
+      </p:cxnSp>
+    </p:spTree>
+  </p:cSld>
+  <p:clrMapOvr>
+    <a:masterClrMapping/>
+  </p:clrMapOvr>
+</p:sld>
+</file>
+
+<file path=ppt/slides/slide2.xml><?xml version="1.0" encoding="utf-8"?>
+<p:sld xmlns:a="http://schemas.openxmlformats.org/drawingml/2006/main" xmlns:r="http://schemas.openxmlformats.org/officeDocument/2006/relationships" xmlns:p="http://schemas.openxmlformats.org/presentationml/2006/main">
+  <p:cSld>
+    <p:spTree>
+      <p:nvGrpSpPr>
+        <p:cNvPr id="1" name=""/>
+        <p:cNvGrpSpPr/>
+        <p:nvPr/>
+      </p:nvGrpSpPr>
+      <p:grpSpPr/>
+      <p:sp>
+        <p:nvSpPr>
+          <p:cNvPr id="9" name="Rectangles 8"/>
+          <p:cNvSpPr/>
+          <p:nvPr/>
+        </p:nvSpPr>
+        <p:spPr>
+          <a:xfrm>
+            <a:off x="0" y="6985"/>
+            <a:ext cx="1132840" cy="199390"/>
+          </a:xfrm>
+          <a:prstGeom prst="rect">
+            <a:avLst/>
+          </a:prstGeom>
+          <a:solidFill>
+            <a:srgbClr val="FFC000"/>
+          </a:solidFill>
+          <a:ln>
+            <a:solidFill>
+              <a:srgbClr val="FFC000"/>
+            </a:solidFill>
+          </a:ln>
+        </p:spPr>
+        <p:style>
+          <a:lnRef idx="2">
+            <a:schemeClr val="accent1">
+              <a:lumMod val="75000"/>
+            </a:schemeClr>
+          </a:lnRef>
+          <a:fillRef idx="1">
+            <a:schemeClr val="accent1"/>
+          </a:fillRef>
+          <a:effectRef idx="0">
+            <a:srgbClr val="FFFFFF"/>
+          </a:effectRef>
+          <a:fontRef idx="minor">
+            <a:schemeClr val="lt1"/>
+          </a:fontRef>
+        </p:style>
+        <p:txBody>
+          <a:bodyPr rtlCol="0" anchor="ctr"/>
+          <a:p>
+            <a:pPr algn="ctr"/>
+            <a:endParaRPr lang="en-US"/>
+          </a:p>
+        </p:txBody>
+      </p:sp>
+      <p:sp>
+        <p:nvSpPr>
+          <p:cNvPr id="14" name="Oval 13"/>
+          <p:cNvSpPr/>
+          <p:nvPr/>
+        </p:nvSpPr>
+        <p:spPr>
+          <a:xfrm>
+            <a:off x="1217930" y="37465"/>
+            <a:ext cx="153035" cy="153670"/>
+          </a:xfrm>
+          <a:prstGeom prst="ellipse">
+            <a:avLst/>
+          </a:prstGeom>
+          <a:solidFill>
+            <a:srgbClr val="FFC000"/>
+          </a:solidFill>
+          <a:ln>
+            <a:solidFill>
+              <a:srgbClr val="FFC000"/>
+            </a:solidFill>
+          </a:ln>
+        </p:spPr>
+        <p:style>
+          <a:lnRef idx="2">
+            <a:schemeClr val="accent1">
+              <a:lumMod val="75000"/>
+            </a:schemeClr>
+          </a:lnRef>
+          <a:fillRef idx="1">
+            <a:schemeClr val="accent1"/>
+          </a:fillRef>
+          <a:effectRef idx="0">
+            <a:srgbClr val="FFFFFF"/>
+          </a:effectRef>
+          <a:fontRef idx="minor">
+            <a:schemeClr val="lt1"/>
+          </a:fontRef>
+        </p:style>
+        <p:txBody>
+          <a:bodyPr rtlCol="0" anchor="ctr"/>
+          <a:p>
+            <a:pPr algn="ctr"/>
+            <a:endParaRPr lang="en-US"/>
+          </a:p>
+        </p:txBody>
+      </p:sp>
+      <p:sp>
+        <p:nvSpPr>
+          <p:cNvPr id="15" name="Rectangles 14"/>
+          <p:cNvSpPr/>
+          <p:nvPr/>
+        </p:nvSpPr>
+        <p:spPr>
+          <a:xfrm>
+            <a:off x="11051540" y="6658610"/>
+            <a:ext cx="1132840" cy="199390"/>
+          </a:xfrm>
+          <a:prstGeom prst="rect">
+            <a:avLst/>
+          </a:prstGeom>
+          <a:solidFill>
+            <a:srgbClr val="FFC000"/>
+          </a:solidFill>
+          <a:ln>
+            <a:solidFill>
+              <a:srgbClr val="FFC000"/>
+            </a:solidFill>
+          </a:ln>
+        </p:spPr>
+        <p:style>
+          <a:lnRef idx="2">
+            <a:schemeClr val="accent1">
+              <a:lumMod val="75000"/>
+            </a:schemeClr>
+          </a:lnRef>
+          <a:fillRef idx="1">
+            <a:schemeClr val="accent1"/>
+          </a:fillRef>
+          <a:effectRef idx="0">
+            <a:srgbClr val="FFFFFF"/>
+          </a:effectRef>
+          <a:fontRef idx="minor">
+            <a:schemeClr val="lt1"/>
+          </a:fontRef>
+        </p:style>
+        <p:txBody>
+          <a:bodyPr rtlCol="0" anchor="ctr"/>
+          <a:p>
+            <a:pPr algn="ctr"/>
+            <a:endParaRPr lang="en-US"/>
+          </a:p>
+        </p:txBody>
+      </p:sp>
+      <p:sp>
+        <p:nvSpPr>
+          <p:cNvPr id="16" name="Oval 15"/>
+          <p:cNvSpPr/>
+          <p:nvPr/>
+        </p:nvSpPr>
+        <p:spPr>
+          <a:xfrm>
+            <a:off x="10789285" y="6673850"/>
+            <a:ext cx="153035" cy="153670"/>
+          </a:xfrm>
+          <a:prstGeom prst="ellipse">
+            <a:avLst/>
+          </a:prstGeom>
+          <a:solidFill>
+            <a:srgbClr val="FFC000"/>
+          </a:solidFill>
+          <a:ln>
+            <a:solidFill>
+              <a:srgbClr val="FFC000"/>
+            </a:solidFill>
+          </a:ln>
+        </p:spPr>
+        <p:style>
+          <a:lnRef idx="2">
+            <a:schemeClr val="accent1">
+              <a:lumMod val="75000"/>
+            </a:schemeClr>
+          </a:lnRef>
+          <a:fillRef idx="1">
+            <a:schemeClr val="accent1"/>
+          </a:fillRef>
+          <a:effectRef idx="0">
+            <a:srgbClr val="FFFFFF"/>
+          </a:effectRef>
+          <a:fontRef idx="minor">
+            <a:schemeClr val="lt1"/>
+          </a:fontRef>
+        </p:style>
+        <p:txBody>
+          <a:bodyPr rtlCol="0" anchor="ctr"/>
+          <a:p>
+            <a:pPr algn="ctr"/>
+            <a:endParaRPr lang="en-US"/>
+          </a:p>
+        </p:txBody>
+      </p:sp>
+      <p:sp>
+        <p:nvSpPr>
           <p:cNvPr id="2" name="Text Box 1"/>
           <p:cNvSpPr txBox="1"/>
           <p:nvPr/>
@@ -7251,6 +8957,1686 @@
               <a:latin typeface="Cambria" panose="02040503050406030204" charset="0"/>
               <a:cs typeface="Cambria" panose="02040503050406030204" charset="0"/>
             </a:endParaRPr>
+          </a:p>
+        </p:txBody>
+      </p:sp>
+    </p:spTree>
+  </p:cSld>
+  <p:clrMapOvr>
+    <a:masterClrMapping/>
+  </p:clrMapOvr>
+</p:sld>
+</file>
+
+<file path=ppt/slides/slide20.xml><?xml version="1.0" encoding="utf-8"?>
+<p:sld xmlns:a="http://schemas.openxmlformats.org/drawingml/2006/main" xmlns:r="http://schemas.openxmlformats.org/officeDocument/2006/relationships" xmlns:p="http://schemas.openxmlformats.org/presentationml/2006/main">
+  <p:cSld>
+    <p:spTree>
+      <p:nvGrpSpPr>
+        <p:cNvPr id="1" name=""/>
+        <p:cNvGrpSpPr/>
+        <p:nvPr/>
+      </p:nvGrpSpPr>
+      <p:grpSpPr/>
+      <p:pic>
+        <p:nvPicPr>
+          <p:cNvPr id="3" name="Picture 2" descr="Screenshot (31)"/>
+          <p:cNvPicPr>
+            <a:picLocks noChangeAspect="1"/>
+          </p:cNvPicPr>
+          <p:nvPr/>
+        </p:nvPicPr>
+        <p:blipFill>
+          <a:blip r:embed="rId1"/>
+          <a:stretch>
+            <a:fillRect/>
+          </a:stretch>
+        </p:blipFill>
+        <p:spPr>
+          <a:xfrm>
+            <a:off x="1052830" y="714375"/>
+            <a:ext cx="10742930" cy="6039485"/>
+          </a:xfrm>
+          <a:prstGeom prst="rect">
+            <a:avLst/>
+          </a:prstGeom>
+        </p:spPr>
+      </p:pic>
+      <p:sp>
+        <p:nvSpPr>
+          <p:cNvPr id="9" name="Rectangles 8"/>
+          <p:cNvSpPr/>
+          <p:nvPr/>
+        </p:nvSpPr>
+        <p:spPr>
+          <a:xfrm>
+            <a:off x="0" y="6985"/>
+            <a:ext cx="1132840" cy="199390"/>
+          </a:xfrm>
+          <a:prstGeom prst="rect">
+            <a:avLst/>
+          </a:prstGeom>
+          <a:solidFill>
+            <a:srgbClr val="FFC000"/>
+          </a:solidFill>
+          <a:ln>
+            <a:solidFill>
+              <a:srgbClr val="FFC000"/>
+            </a:solidFill>
+          </a:ln>
+        </p:spPr>
+        <p:style>
+          <a:lnRef idx="2">
+            <a:schemeClr val="accent1">
+              <a:lumMod val="75000"/>
+            </a:schemeClr>
+          </a:lnRef>
+          <a:fillRef idx="1">
+            <a:schemeClr val="accent1"/>
+          </a:fillRef>
+          <a:effectRef idx="0">
+            <a:srgbClr val="FFFFFF"/>
+          </a:effectRef>
+          <a:fontRef idx="minor">
+            <a:schemeClr val="lt1"/>
+          </a:fontRef>
+        </p:style>
+        <p:txBody>
+          <a:bodyPr rtlCol="0" anchor="ctr"/>
+          <a:p>
+            <a:pPr algn="ctr"/>
+            <a:endParaRPr lang="en-US"/>
+          </a:p>
+        </p:txBody>
+      </p:sp>
+      <p:sp>
+        <p:nvSpPr>
+          <p:cNvPr id="14" name="Oval 13"/>
+          <p:cNvSpPr/>
+          <p:nvPr/>
+        </p:nvSpPr>
+        <p:spPr>
+          <a:xfrm>
+            <a:off x="1217930" y="37465"/>
+            <a:ext cx="153035" cy="153670"/>
+          </a:xfrm>
+          <a:prstGeom prst="ellipse">
+            <a:avLst/>
+          </a:prstGeom>
+          <a:solidFill>
+            <a:srgbClr val="FFC000"/>
+          </a:solidFill>
+          <a:ln>
+            <a:solidFill>
+              <a:srgbClr val="FFC000"/>
+            </a:solidFill>
+          </a:ln>
+        </p:spPr>
+        <p:style>
+          <a:lnRef idx="2">
+            <a:schemeClr val="accent1">
+              <a:lumMod val="75000"/>
+            </a:schemeClr>
+          </a:lnRef>
+          <a:fillRef idx="1">
+            <a:schemeClr val="accent1"/>
+          </a:fillRef>
+          <a:effectRef idx="0">
+            <a:srgbClr val="FFFFFF"/>
+          </a:effectRef>
+          <a:fontRef idx="minor">
+            <a:schemeClr val="lt1"/>
+          </a:fontRef>
+        </p:style>
+        <p:txBody>
+          <a:bodyPr rtlCol="0" anchor="ctr"/>
+          <a:p>
+            <a:pPr algn="ctr"/>
+            <a:endParaRPr lang="en-US"/>
+          </a:p>
+        </p:txBody>
+      </p:sp>
+      <p:sp>
+        <p:nvSpPr>
+          <p:cNvPr id="15" name="Rectangles 14"/>
+          <p:cNvSpPr/>
+          <p:nvPr/>
+        </p:nvSpPr>
+        <p:spPr>
+          <a:xfrm>
+            <a:off x="11051540" y="6658610"/>
+            <a:ext cx="1132840" cy="199390"/>
+          </a:xfrm>
+          <a:prstGeom prst="rect">
+            <a:avLst/>
+          </a:prstGeom>
+          <a:solidFill>
+            <a:srgbClr val="FFC000"/>
+          </a:solidFill>
+          <a:ln>
+            <a:solidFill>
+              <a:srgbClr val="FFC000"/>
+            </a:solidFill>
+          </a:ln>
+        </p:spPr>
+        <p:style>
+          <a:lnRef idx="2">
+            <a:schemeClr val="accent1">
+              <a:lumMod val="75000"/>
+            </a:schemeClr>
+          </a:lnRef>
+          <a:fillRef idx="1">
+            <a:schemeClr val="accent1"/>
+          </a:fillRef>
+          <a:effectRef idx="0">
+            <a:srgbClr val="FFFFFF"/>
+          </a:effectRef>
+          <a:fontRef idx="minor">
+            <a:schemeClr val="lt1"/>
+          </a:fontRef>
+        </p:style>
+        <p:txBody>
+          <a:bodyPr rtlCol="0" anchor="ctr"/>
+          <a:p>
+            <a:pPr algn="ctr"/>
+            <a:endParaRPr lang="en-US"/>
+          </a:p>
+        </p:txBody>
+      </p:sp>
+      <p:sp>
+        <p:nvSpPr>
+          <p:cNvPr id="16" name="Oval 15"/>
+          <p:cNvSpPr/>
+          <p:nvPr/>
+        </p:nvSpPr>
+        <p:spPr>
+          <a:xfrm>
+            <a:off x="10789285" y="6673850"/>
+            <a:ext cx="153035" cy="153670"/>
+          </a:xfrm>
+          <a:prstGeom prst="ellipse">
+            <a:avLst/>
+          </a:prstGeom>
+          <a:solidFill>
+            <a:srgbClr val="FFC000"/>
+          </a:solidFill>
+          <a:ln>
+            <a:solidFill>
+              <a:srgbClr val="FFC000"/>
+            </a:solidFill>
+          </a:ln>
+        </p:spPr>
+        <p:style>
+          <a:lnRef idx="2">
+            <a:schemeClr val="accent1">
+              <a:lumMod val="75000"/>
+            </a:schemeClr>
+          </a:lnRef>
+          <a:fillRef idx="1">
+            <a:schemeClr val="accent1"/>
+          </a:fillRef>
+          <a:effectRef idx="0">
+            <a:srgbClr val="FFFFFF"/>
+          </a:effectRef>
+          <a:fontRef idx="minor">
+            <a:schemeClr val="lt1"/>
+          </a:fontRef>
+        </p:style>
+        <p:txBody>
+          <a:bodyPr rtlCol="0" anchor="ctr"/>
+          <a:p>
+            <a:pPr algn="ctr"/>
+            <a:endParaRPr lang="en-US"/>
+          </a:p>
+        </p:txBody>
+      </p:sp>
+      <p:sp>
+        <p:nvSpPr>
+          <p:cNvPr id="8" name="Rectangles 7"/>
+          <p:cNvSpPr/>
+          <p:nvPr/>
+        </p:nvSpPr>
+        <p:spPr>
+          <a:xfrm>
+            <a:off x="11070590" y="6670040"/>
+            <a:ext cx="1132840" cy="199390"/>
+          </a:xfrm>
+          <a:prstGeom prst="rect">
+            <a:avLst/>
+          </a:prstGeom>
+          <a:solidFill>
+            <a:srgbClr val="FFC000"/>
+          </a:solidFill>
+          <a:ln>
+            <a:solidFill>
+              <a:srgbClr val="FFC000"/>
+            </a:solidFill>
+          </a:ln>
+        </p:spPr>
+        <p:style>
+          <a:lnRef idx="2">
+            <a:schemeClr val="accent1">
+              <a:lumMod val="75000"/>
+            </a:schemeClr>
+          </a:lnRef>
+          <a:fillRef idx="1">
+            <a:schemeClr val="accent1"/>
+          </a:fillRef>
+          <a:effectRef idx="0">
+            <a:srgbClr val="FFFFFF"/>
+          </a:effectRef>
+          <a:fontRef idx="minor">
+            <a:schemeClr val="lt1"/>
+          </a:fontRef>
+        </p:style>
+        <p:txBody>
+          <a:bodyPr rtlCol="0" anchor="ctr"/>
+          <a:p>
+            <a:pPr algn="ctr"/>
+            <a:endParaRPr lang="en-US"/>
+          </a:p>
+        </p:txBody>
+      </p:sp>
+      <p:sp>
+        <p:nvSpPr>
+          <p:cNvPr id="10" name="Oval 9"/>
+          <p:cNvSpPr/>
+          <p:nvPr/>
+        </p:nvSpPr>
+        <p:spPr>
+          <a:xfrm>
+            <a:off x="10789285" y="6658610"/>
+            <a:ext cx="153035" cy="153670"/>
+          </a:xfrm>
+          <a:prstGeom prst="ellipse">
+            <a:avLst/>
+          </a:prstGeom>
+          <a:solidFill>
+            <a:srgbClr val="FFC000"/>
+          </a:solidFill>
+          <a:ln>
+            <a:solidFill>
+              <a:srgbClr val="FFC000"/>
+            </a:solidFill>
+          </a:ln>
+        </p:spPr>
+        <p:style>
+          <a:lnRef idx="2">
+            <a:schemeClr val="accent1">
+              <a:lumMod val="75000"/>
+            </a:schemeClr>
+          </a:lnRef>
+          <a:fillRef idx="1">
+            <a:schemeClr val="accent1"/>
+          </a:fillRef>
+          <a:effectRef idx="0">
+            <a:srgbClr val="FFFFFF"/>
+          </a:effectRef>
+          <a:fontRef idx="minor">
+            <a:schemeClr val="lt1"/>
+          </a:fontRef>
+        </p:style>
+        <p:txBody>
+          <a:bodyPr rtlCol="0" anchor="ctr"/>
+          <a:p>
+            <a:pPr algn="ctr"/>
+            <a:endParaRPr lang="en-US"/>
+          </a:p>
+        </p:txBody>
+      </p:sp>
+      <p:sp>
+        <p:nvSpPr>
+          <p:cNvPr id="2" name="Text Box 1"/>
+          <p:cNvSpPr txBox="1"/>
+          <p:nvPr/>
+        </p:nvSpPr>
+        <p:spPr>
+          <a:xfrm>
+            <a:off x="4335145" y="179070"/>
+            <a:ext cx="4016375" cy="730885"/>
+          </a:xfrm>
+          <a:prstGeom prst="rect">
+            <a:avLst/>
+          </a:prstGeom>
+          <a:noFill/>
+        </p:spPr>
+        <p:txBody>
+          <a:bodyPr wrap="square" rtlCol="0">
+            <a:noAutofit/>
+          </a:bodyPr>
+          <a:p>
+            <a:pPr indent="0">
+              <a:buFont typeface="+mj-lt"/>
+              <a:buNone/>
+            </a:pPr>
+            <a:r>
+              <a:rPr lang="en-US" altLang="en-US" sz="3200" b="1">
+                <a:latin typeface="Cambria" panose="02040503050406030204" charset="0"/>
+                <a:cs typeface="Cambria" panose="02040503050406030204" charset="0"/>
+              </a:rPr>
+              <a:t>Simulation Results</a:t>
+            </a:r>
+            <a:endParaRPr lang="en-US" altLang="en-US" sz="3200" b="1">
+              <a:latin typeface="Cambria" panose="02040503050406030204" charset="0"/>
+              <a:cs typeface="Cambria" panose="02040503050406030204" charset="0"/>
+            </a:endParaRPr>
+          </a:p>
+        </p:txBody>
+      </p:sp>
+    </p:spTree>
+  </p:cSld>
+  <p:clrMapOvr>
+    <a:masterClrMapping/>
+  </p:clrMapOvr>
+</p:sld>
+</file>
+
+<file path=ppt/slides/slide21.xml><?xml version="1.0" encoding="utf-8"?>
+<p:sld xmlns:a="http://schemas.openxmlformats.org/drawingml/2006/main" xmlns:r="http://schemas.openxmlformats.org/officeDocument/2006/relationships" xmlns:p="http://schemas.openxmlformats.org/presentationml/2006/main">
+  <p:cSld>
+    <p:spTree>
+      <p:nvGrpSpPr>
+        <p:cNvPr id="1" name=""/>
+        <p:cNvGrpSpPr/>
+        <p:nvPr/>
+      </p:nvGrpSpPr>
+      <p:grpSpPr/>
+      <p:sp>
+        <p:nvSpPr>
+          <p:cNvPr id="9" name="Rectangles 8"/>
+          <p:cNvSpPr/>
+          <p:nvPr/>
+        </p:nvSpPr>
+        <p:spPr>
+          <a:xfrm>
+            <a:off x="0" y="6985"/>
+            <a:ext cx="1132840" cy="199390"/>
+          </a:xfrm>
+          <a:prstGeom prst="rect">
+            <a:avLst/>
+          </a:prstGeom>
+          <a:solidFill>
+            <a:srgbClr val="FFC000"/>
+          </a:solidFill>
+          <a:ln>
+            <a:solidFill>
+              <a:srgbClr val="FFC000"/>
+            </a:solidFill>
+          </a:ln>
+        </p:spPr>
+        <p:style>
+          <a:lnRef idx="2">
+            <a:schemeClr val="accent1">
+              <a:lumMod val="75000"/>
+            </a:schemeClr>
+          </a:lnRef>
+          <a:fillRef idx="1">
+            <a:schemeClr val="accent1"/>
+          </a:fillRef>
+          <a:effectRef idx="0">
+            <a:srgbClr val="FFFFFF"/>
+          </a:effectRef>
+          <a:fontRef idx="minor">
+            <a:schemeClr val="lt1"/>
+          </a:fontRef>
+        </p:style>
+        <p:txBody>
+          <a:bodyPr rtlCol="0" anchor="ctr"/>
+          <a:p>
+            <a:pPr algn="ctr"/>
+            <a:endParaRPr lang="en-US"/>
+          </a:p>
+        </p:txBody>
+      </p:sp>
+      <p:sp>
+        <p:nvSpPr>
+          <p:cNvPr id="14" name="Oval 13"/>
+          <p:cNvSpPr/>
+          <p:nvPr/>
+        </p:nvSpPr>
+        <p:spPr>
+          <a:xfrm>
+            <a:off x="1217930" y="37465"/>
+            <a:ext cx="153035" cy="153670"/>
+          </a:xfrm>
+          <a:prstGeom prst="ellipse">
+            <a:avLst/>
+          </a:prstGeom>
+          <a:solidFill>
+            <a:srgbClr val="FFC000"/>
+          </a:solidFill>
+          <a:ln>
+            <a:solidFill>
+              <a:srgbClr val="FFC000"/>
+            </a:solidFill>
+          </a:ln>
+        </p:spPr>
+        <p:style>
+          <a:lnRef idx="2">
+            <a:schemeClr val="accent1">
+              <a:lumMod val="75000"/>
+            </a:schemeClr>
+          </a:lnRef>
+          <a:fillRef idx="1">
+            <a:schemeClr val="accent1"/>
+          </a:fillRef>
+          <a:effectRef idx="0">
+            <a:srgbClr val="FFFFFF"/>
+          </a:effectRef>
+          <a:fontRef idx="minor">
+            <a:schemeClr val="lt1"/>
+          </a:fontRef>
+        </p:style>
+        <p:txBody>
+          <a:bodyPr rtlCol="0" anchor="ctr"/>
+          <a:p>
+            <a:pPr algn="ctr"/>
+            <a:endParaRPr lang="en-US"/>
+          </a:p>
+        </p:txBody>
+      </p:sp>
+      <p:sp>
+        <p:nvSpPr>
+          <p:cNvPr id="15" name="Rectangles 14"/>
+          <p:cNvSpPr/>
+          <p:nvPr/>
+        </p:nvSpPr>
+        <p:spPr>
+          <a:xfrm>
+            <a:off x="11051540" y="6658610"/>
+            <a:ext cx="1132840" cy="199390"/>
+          </a:xfrm>
+          <a:prstGeom prst="rect">
+            <a:avLst/>
+          </a:prstGeom>
+          <a:solidFill>
+            <a:srgbClr val="FFC000"/>
+          </a:solidFill>
+          <a:ln>
+            <a:solidFill>
+              <a:srgbClr val="FFC000"/>
+            </a:solidFill>
+          </a:ln>
+        </p:spPr>
+        <p:style>
+          <a:lnRef idx="2">
+            <a:schemeClr val="accent1">
+              <a:lumMod val="75000"/>
+            </a:schemeClr>
+          </a:lnRef>
+          <a:fillRef idx="1">
+            <a:schemeClr val="accent1"/>
+          </a:fillRef>
+          <a:effectRef idx="0">
+            <a:srgbClr val="FFFFFF"/>
+          </a:effectRef>
+          <a:fontRef idx="minor">
+            <a:schemeClr val="lt1"/>
+          </a:fontRef>
+        </p:style>
+        <p:txBody>
+          <a:bodyPr rtlCol="0" anchor="ctr"/>
+          <a:p>
+            <a:pPr algn="ctr"/>
+            <a:endParaRPr lang="en-US"/>
+          </a:p>
+        </p:txBody>
+      </p:sp>
+      <p:sp>
+        <p:nvSpPr>
+          <p:cNvPr id="16" name="Oval 15"/>
+          <p:cNvSpPr/>
+          <p:nvPr/>
+        </p:nvSpPr>
+        <p:spPr>
+          <a:xfrm>
+            <a:off x="10789285" y="6673850"/>
+            <a:ext cx="153035" cy="153670"/>
+          </a:xfrm>
+          <a:prstGeom prst="ellipse">
+            <a:avLst/>
+          </a:prstGeom>
+          <a:solidFill>
+            <a:srgbClr val="FFC000"/>
+          </a:solidFill>
+          <a:ln>
+            <a:solidFill>
+              <a:srgbClr val="FFC000"/>
+            </a:solidFill>
+          </a:ln>
+        </p:spPr>
+        <p:style>
+          <a:lnRef idx="2">
+            <a:schemeClr val="accent1">
+              <a:lumMod val="75000"/>
+            </a:schemeClr>
+          </a:lnRef>
+          <a:fillRef idx="1">
+            <a:schemeClr val="accent1"/>
+          </a:fillRef>
+          <a:effectRef idx="0">
+            <a:srgbClr val="FFFFFF"/>
+          </a:effectRef>
+          <a:fontRef idx="minor">
+            <a:schemeClr val="lt1"/>
+          </a:fontRef>
+        </p:style>
+        <p:txBody>
+          <a:bodyPr rtlCol="0" anchor="ctr"/>
+          <a:p>
+            <a:pPr algn="ctr"/>
+            <a:endParaRPr lang="en-US"/>
+          </a:p>
+        </p:txBody>
+      </p:sp>
+      <p:sp>
+        <p:nvSpPr>
+          <p:cNvPr id="8" name="Rectangles 7"/>
+          <p:cNvSpPr/>
+          <p:nvPr/>
+        </p:nvSpPr>
+        <p:spPr>
+          <a:xfrm>
+            <a:off x="11070590" y="6670040"/>
+            <a:ext cx="1132840" cy="199390"/>
+          </a:xfrm>
+          <a:prstGeom prst="rect">
+            <a:avLst/>
+          </a:prstGeom>
+          <a:solidFill>
+            <a:srgbClr val="FFC000"/>
+          </a:solidFill>
+          <a:ln>
+            <a:solidFill>
+              <a:srgbClr val="FFC000"/>
+            </a:solidFill>
+          </a:ln>
+        </p:spPr>
+        <p:style>
+          <a:lnRef idx="2">
+            <a:schemeClr val="accent1">
+              <a:lumMod val="75000"/>
+            </a:schemeClr>
+          </a:lnRef>
+          <a:fillRef idx="1">
+            <a:schemeClr val="accent1"/>
+          </a:fillRef>
+          <a:effectRef idx="0">
+            <a:srgbClr val="FFFFFF"/>
+          </a:effectRef>
+          <a:fontRef idx="minor">
+            <a:schemeClr val="lt1"/>
+          </a:fontRef>
+        </p:style>
+        <p:txBody>
+          <a:bodyPr rtlCol="0" anchor="ctr"/>
+          <a:p>
+            <a:pPr algn="ctr"/>
+            <a:endParaRPr lang="en-US"/>
+          </a:p>
+        </p:txBody>
+      </p:sp>
+      <p:sp>
+        <p:nvSpPr>
+          <p:cNvPr id="10" name="Oval 9"/>
+          <p:cNvSpPr/>
+          <p:nvPr/>
+        </p:nvSpPr>
+        <p:spPr>
+          <a:xfrm>
+            <a:off x="10789285" y="6658610"/>
+            <a:ext cx="153035" cy="153670"/>
+          </a:xfrm>
+          <a:prstGeom prst="ellipse">
+            <a:avLst/>
+          </a:prstGeom>
+          <a:solidFill>
+            <a:srgbClr val="FFC000"/>
+          </a:solidFill>
+          <a:ln>
+            <a:solidFill>
+              <a:srgbClr val="FFC000"/>
+            </a:solidFill>
+          </a:ln>
+        </p:spPr>
+        <p:style>
+          <a:lnRef idx="2">
+            <a:schemeClr val="accent1">
+              <a:lumMod val="75000"/>
+            </a:schemeClr>
+          </a:lnRef>
+          <a:fillRef idx="1">
+            <a:schemeClr val="accent1"/>
+          </a:fillRef>
+          <a:effectRef idx="0">
+            <a:srgbClr val="FFFFFF"/>
+          </a:effectRef>
+          <a:fontRef idx="minor">
+            <a:schemeClr val="lt1"/>
+          </a:fontRef>
+        </p:style>
+        <p:txBody>
+          <a:bodyPr rtlCol="0" anchor="ctr"/>
+          <a:p>
+            <a:pPr algn="ctr"/>
+            <a:endParaRPr lang="en-US"/>
+          </a:p>
+        </p:txBody>
+      </p:sp>
+      <p:sp>
+        <p:nvSpPr>
+          <p:cNvPr id="2" name="Text Box 1"/>
+          <p:cNvSpPr txBox="1"/>
+          <p:nvPr/>
+        </p:nvSpPr>
+        <p:spPr>
+          <a:xfrm>
+            <a:off x="4787900" y="179070"/>
+            <a:ext cx="2616835" cy="730885"/>
+          </a:xfrm>
+          <a:prstGeom prst="rect">
+            <a:avLst/>
+          </a:prstGeom>
+          <a:noFill/>
+        </p:spPr>
+        <p:txBody>
+          <a:bodyPr wrap="square" rtlCol="0">
+            <a:noAutofit/>
+          </a:bodyPr>
+          <a:p>
+            <a:pPr indent="0">
+              <a:buFont typeface="+mj-lt"/>
+              <a:buNone/>
+            </a:pPr>
+            <a:r>
+              <a:rPr lang="en-US" altLang="en-US" sz="3200" b="1">
+                <a:latin typeface="Cambria" panose="02040503050406030204" charset="0"/>
+                <a:cs typeface="Cambria" panose="02040503050406030204" charset="0"/>
+              </a:rPr>
+              <a:t>References</a:t>
+            </a:r>
+            <a:endParaRPr lang="en-US" altLang="en-US" sz="3200" b="1">
+              <a:latin typeface="Cambria" panose="02040503050406030204" charset="0"/>
+              <a:cs typeface="Cambria" panose="02040503050406030204" charset="0"/>
+            </a:endParaRPr>
+          </a:p>
+        </p:txBody>
+      </p:sp>
+      <p:graphicFrame>
+        <p:nvGraphicFramePr>
+          <p:cNvPr id="5" name="Table 4"/>
+          <p:cNvGraphicFramePr/>
+          <p:nvPr>
+            <p:custDataLst>
+              <p:tags r:id="rId1"/>
+            </p:custDataLst>
+          </p:nvPr>
+        </p:nvGraphicFramePr>
+        <p:xfrm>
+          <a:off x="584200" y="891540"/>
+          <a:ext cx="11044555" cy="5104130"/>
+        </p:xfrm>
+        <a:graphic>
+          <a:graphicData uri="http://schemas.openxmlformats.org/drawingml/2006/table">
+            <a:tbl>
+              <a:tblPr firstRow="1" bandRow="1">
+                <a:tableStyleId>{5C22544A-7EE6-4342-B048-85BDC9FD1C3A}</a:tableStyleId>
+              </a:tblPr>
+              <a:tblGrid>
+                <a:gridCol w="11044555"/>
+              </a:tblGrid>
+              <a:tr h="406400">
+                <a:tc>
+                  <a:txBody>
+                    <a:bodyPr/>
+                    <a:p>
+                      <a:pPr>
+                        <a:buNone/>
+                      </a:pPr>
+                      <a:r>
+                        <a:rPr lang="en-US" sz="1800" b="0">
+                          <a:solidFill>
+                            <a:schemeClr val="tx1"/>
+                          </a:solidFill>
+                          <a:latin typeface="Cambria" panose="02040503050406030204" charset="0"/>
+                          <a:cs typeface="Cambria" panose="02040503050406030204" charset="0"/>
+                        </a:rPr>
+                        <a:t>[1] </a:t>
+                      </a:r>
+                      <a:r>
+                        <a:rPr lang="en-US" altLang="en-US" sz="1800" b="0">
+                          <a:solidFill>
+                            <a:schemeClr val="tx1"/>
+                          </a:solidFill>
+                          <a:latin typeface="Cambria" panose="02040503050406030204" charset="0"/>
+                          <a:cs typeface="Cambria" panose="02040503050406030204" charset="0"/>
+                        </a:rPr>
+                        <a:t>S. M. Chowdhury and A. Hossain, ‘‘</a:t>
+                      </a:r>
+                      <a:r>
+                        <a:rPr lang="en-US" altLang="en-US" sz="1800" b="0" i="1">
+                          <a:solidFill>
+                            <a:schemeClr val="tx1"/>
+                          </a:solidFill>
+                          <a:latin typeface="Cambria" panose="02040503050406030204" charset="0"/>
+                          <a:cs typeface="Cambria" panose="02040503050406030204" charset="0"/>
+                        </a:rPr>
+                        <a:t>Different energy saving schemes in wireless sensor networks: A survey,’’ </a:t>
+                      </a:r>
+                      <a:r>
+                        <a:rPr lang="en-US" altLang="en-US" sz="1800" b="0">
+                          <a:solidFill>
+                            <a:schemeClr val="tx1"/>
+                          </a:solidFill>
+                          <a:latin typeface="Cambria" panose="02040503050406030204" charset="0"/>
+                          <a:cs typeface="Cambria" panose="02040503050406030204" charset="0"/>
+                        </a:rPr>
+                        <a:t>Wireless Pers. Commun., vol. 114, no. 3, pp. 2043–2062, Oct. 2020</a:t>
+                      </a:r>
+                      <a:endParaRPr lang="en-US" altLang="en-US" sz="1800" b="0">
+                        <a:solidFill>
+                          <a:schemeClr val="tx1"/>
+                        </a:solidFill>
+                        <a:latin typeface="Cambria" panose="02040503050406030204" charset="0"/>
+                        <a:cs typeface="Cambria" panose="02040503050406030204" charset="0"/>
+                      </a:endParaRPr>
+                    </a:p>
+                  </a:txBody>
+                  <a:tcPr>
+                    <a:solidFill>
+                      <a:schemeClr val="bg1">
+                        <a:lumMod val="85000"/>
+                      </a:schemeClr>
+                    </a:solidFill>
+                  </a:tcPr>
+                </a:tc>
+              </a:tr>
+              <a:tr h="521970">
+                <a:tc>
+                  <a:txBody>
+                    <a:bodyPr/>
+                    <a:p>
+                      <a:pPr>
+                        <a:buNone/>
+                      </a:pPr>
+                      <a:r>
+                        <a:rPr lang="en-US" sz="1800" b="0">
+                          <a:solidFill>
+                            <a:schemeClr val="tx1"/>
+                          </a:solidFill>
+                          <a:latin typeface="Cambria" panose="02040503050406030204" charset="0"/>
+                          <a:cs typeface="Cambria" panose="02040503050406030204" charset="0"/>
+                        </a:rPr>
+                        <a:t>[2] </a:t>
+                      </a:r>
+                      <a:r>
+                        <a:rPr lang="en-US" altLang="en-US" sz="1800" b="0">
+                          <a:solidFill>
+                            <a:schemeClr val="tx1"/>
+                          </a:solidFill>
+                          <a:latin typeface="Cambria" panose="02040503050406030204" charset="0"/>
+                          <a:cs typeface="Cambria" panose="02040503050406030204" charset="0"/>
+                        </a:rPr>
+                        <a:t>B. R. Al-Kaseem, Z. K. Taha, S. W. Abdulmajeedand H. S. Al-Raweshidy, “</a:t>
+                      </a:r>
+                      <a:r>
+                        <a:rPr lang="en-US" altLang="en-US" sz="1800" b="0" i="1">
+                          <a:solidFill>
+                            <a:schemeClr val="tx1"/>
+                          </a:solidFill>
+                          <a:latin typeface="Cambria" panose="02040503050406030204" charset="0"/>
+                          <a:cs typeface="Cambria" panose="02040503050406030204" charset="0"/>
+                        </a:rPr>
+                        <a:t>Optimized energy–efficient path planning strategy in WSN with multiple mobile sinks</a:t>
+                      </a:r>
+                      <a:r>
+                        <a:rPr lang="en-US" altLang="en-US" sz="1800" b="0">
+                          <a:solidFill>
+                            <a:schemeClr val="tx1"/>
+                          </a:solidFill>
+                          <a:latin typeface="Cambria" panose="02040503050406030204" charset="0"/>
+                          <a:cs typeface="Cambria" panose="02040503050406030204" charset="0"/>
+                        </a:rPr>
+                        <a:t>,” IEEE Access, vol. 9, pp. 79994–80007, Jun. 2021, doi: 10.1109/ACCESS.2021.3087086</a:t>
+                      </a:r>
+                      <a:endParaRPr lang="en-US" altLang="en-US" sz="1800" b="0">
+                        <a:solidFill>
+                          <a:schemeClr val="tx1"/>
+                        </a:solidFill>
+                        <a:latin typeface="Cambria" panose="02040503050406030204" charset="0"/>
+                        <a:cs typeface="Cambria" panose="02040503050406030204" charset="0"/>
+                      </a:endParaRPr>
+                    </a:p>
+                  </a:txBody>
+                  <a:tcPr>
+                    <a:solidFill>
+                      <a:schemeClr val="bg1">
+                        <a:lumMod val="85000"/>
+                      </a:schemeClr>
+                    </a:solidFill>
+                  </a:tcPr>
+                </a:tc>
+              </a:tr>
+              <a:tr h="521970">
+                <a:tc>
+                  <a:txBody>
+                    <a:bodyPr/>
+                    <a:p>
+                      <a:pPr>
+                        <a:buNone/>
+                      </a:pPr>
+                      <a:r>
+                        <a:rPr lang="en-US" sz="1800" b="0">
+                          <a:solidFill>
+                            <a:schemeClr val="tx1"/>
+                          </a:solidFill>
+                          <a:latin typeface="Cambria" panose="02040503050406030204" charset="0"/>
+                          <a:cs typeface="Cambria" panose="02040503050406030204" charset="0"/>
+                        </a:rPr>
+                        <a:t>[3] </a:t>
+                      </a:r>
+                      <a:r>
+                        <a:rPr lang="en-US" altLang="en-US" sz="1800" b="0">
+                          <a:solidFill>
+                            <a:schemeClr val="tx1"/>
+                          </a:solidFill>
+                          <a:latin typeface="Cambria" panose="02040503050406030204" charset="0"/>
+                          <a:cs typeface="Cambria" panose="02040503050406030204" charset="0"/>
+                        </a:rPr>
+                        <a:t>R. Alsaqour, E. S. Ali, R. A. Mokhtar, R. A. Saeed, H. Alhumyaniand M. Abdelhaq, “</a:t>
+                      </a:r>
+                      <a:r>
+                        <a:rPr lang="en-US" altLang="en-US" sz="1800" b="0" i="1">
+                          <a:solidFill>
+                            <a:schemeClr val="tx1"/>
+                          </a:solidFill>
+                          <a:latin typeface="Cambria" panose="02040503050406030204" charset="0"/>
+                          <a:cs typeface="Cambria" panose="02040503050406030204" charset="0"/>
+                        </a:rPr>
+                        <a:t>Efficient energy mechanism in heterogeneous WSNs for underground mining monitoring applications,”</a:t>
+                      </a:r>
+                      <a:r>
+                        <a:rPr lang="en-US" altLang="en-US" sz="1800" b="0">
+                          <a:solidFill>
+                            <a:schemeClr val="tx1"/>
+                          </a:solidFill>
+                          <a:latin typeface="Cambria" panose="02040503050406030204" charset="0"/>
+                          <a:cs typeface="Cambria" panose="02040503050406030204" charset="0"/>
+                        </a:rPr>
+                        <a:t> IEEE Access, vol. 10, pp. 100123–100138, Jul. 2022, doi: 10.1109/ACCESS.2022.3188654.</a:t>
+                      </a:r>
+                      <a:endParaRPr lang="en-US" altLang="en-US" sz="1800" b="0">
+                        <a:solidFill>
+                          <a:schemeClr val="tx1"/>
+                        </a:solidFill>
+                        <a:latin typeface="Cambria" panose="02040503050406030204" charset="0"/>
+                        <a:cs typeface="Cambria" panose="02040503050406030204" charset="0"/>
+                      </a:endParaRPr>
+                    </a:p>
+                  </a:txBody>
+                  <a:tcPr>
+                    <a:solidFill>
+                      <a:schemeClr val="bg1">
+                        <a:lumMod val="85000"/>
+                      </a:schemeClr>
+                    </a:solidFill>
+                  </a:tcPr>
+                </a:tc>
+              </a:tr>
+              <a:tr h="521970">
+                <a:tc>
+                  <a:txBody>
+                    <a:bodyPr/>
+                    <a:p>
+                      <a:pPr>
+                        <a:buNone/>
+                      </a:pPr>
+                      <a:r>
+                        <a:rPr lang="en-US" sz="1800" b="0">
+                          <a:solidFill>
+                            <a:schemeClr val="tx1"/>
+                          </a:solidFill>
+                          <a:latin typeface="Cambria" panose="02040503050406030204" charset="0"/>
+                          <a:cs typeface="Cambria" panose="02040503050406030204" charset="0"/>
+                        </a:rPr>
+                        <a:t>[4] </a:t>
+                      </a:r>
+                      <a:r>
+                        <a:rPr lang="en-US" altLang="en-US" sz="1800" b="0">
+                          <a:solidFill>
+                            <a:schemeClr val="tx1"/>
+                          </a:solidFill>
+                          <a:latin typeface="Cambria" panose="02040503050406030204" charset="0"/>
+                          <a:cs typeface="Cambria" panose="02040503050406030204" charset="0"/>
+                        </a:rPr>
+                        <a:t>F. M. Salman, A. A. Mohammedand A. F. Mutar, “</a:t>
+                      </a:r>
+                      <a:r>
+                        <a:rPr lang="en-US" altLang="en-US" sz="1800" b="0" i="1">
+                          <a:solidFill>
+                            <a:schemeClr val="tx1"/>
+                          </a:solidFill>
+                          <a:latin typeface="Cambria" panose="02040503050406030204" charset="0"/>
+                          <a:cs typeface="Cambria" panose="02040503050406030204" charset="0"/>
+                        </a:rPr>
+                        <a:t>Optimization of LEACH protocol for WSNs in terms of energy efficiency and network lifetime,</a:t>
+                      </a:r>
+                      <a:r>
+                        <a:rPr lang="en-US" altLang="en-US" sz="1800" b="0">
+                          <a:solidFill>
+                            <a:schemeClr val="tx1"/>
+                          </a:solidFill>
+                          <a:latin typeface="Cambria" panose="02040503050406030204" charset="0"/>
+                          <a:cs typeface="Cambria" panose="02040503050406030204" charset="0"/>
+                        </a:rPr>
+                        <a:t>” Journal of Cyber Security and Mobility, vol. 12, no. 3, pp. 275–296, May 2023, doi: 10.13052/jcsm2245-1439.1232.</a:t>
+                      </a:r>
+                      <a:endParaRPr lang="en-US" altLang="en-US" sz="1800" b="0">
+                        <a:solidFill>
+                          <a:schemeClr val="tx1"/>
+                        </a:solidFill>
+                        <a:latin typeface="Cambria" panose="02040503050406030204" charset="0"/>
+                        <a:cs typeface="Cambria" panose="02040503050406030204" charset="0"/>
+                      </a:endParaRPr>
+                    </a:p>
+                  </a:txBody>
+                  <a:tcPr>
+                    <a:solidFill>
+                      <a:schemeClr val="bg1">
+                        <a:lumMod val="85000"/>
+                      </a:schemeClr>
+                    </a:solidFill>
+                  </a:tcPr>
+                </a:tc>
+              </a:tr>
+              <a:tr h="521970">
+                <a:tc>
+                  <a:txBody>
+                    <a:bodyPr/>
+                    <a:p>
+                      <a:pPr>
+                        <a:buNone/>
+                      </a:pPr>
+                      <a:r>
+                        <a:rPr lang="en-US" sz="1800" b="0">
+                          <a:solidFill>
+                            <a:schemeClr val="tx1"/>
+                          </a:solidFill>
+                          <a:latin typeface="Cambria" panose="02040503050406030204" charset="0"/>
+                          <a:cs typeface="Cambria" panose="02040503050406030204" charset="0"/>
+                        </a:rPr>
+                        <a:t>[5] </a:t>
+                      </a:r>
+                      <a:r>
+                        <a:rPr lang="en-US" altLang="en-US" sz="1800" b="0">
+                          <a:solidFill>
+                            <a:schemeClr val="tx1"/>
+                          </a:solidFill>
+                          <a:latin typeface="Cambria" panose="02040503050406030204" charset="0"/>
+                          <a:cs typeface="Cambria" panose="02040503050406030204" charset="0"/>
+                        </a:rPr>
+                        <a:t>M. Gamal, N. E. Mekky, H. H. Solimanand N. A. Hikal, “</a:t>
+                      </a:r>
+                      <a:r>
+                        <a:rPr lang="en-US" altLang="en-US" sz="1800" b="0" i="1">
+                          <a:solidFill>
+                            <a:schemeClr val="tx1"/>
+                          </a:solidFill>
+                          <a:latin typeface="Cambria" panose="02040503050406030204" charset="0"/>
+                          <a:cs typeface="Cambria" panose="02040503050406030204" charset="0"/>
+                        </a:rPr>
+                        <a:t>Enhancing the lifetime of wireless sensor networks using fuzzy logic LEACH technique-based particle swarm optimization,”</a:t>
+                      </a:r>
+                      <a:r>
+                        <a:rPr lang="en-US" altLang="en-US" sz="1800" b="0">
+                          <a:solidFill>
+                            <a:schemeClr val="tx1"/>
+                          </a:solidFill>
+                          <a:latin typeface="Cambria" panose="02040503050406030204" charset="0"/>
+                          <a:cs typeface="Cambria" panose="02040503050406030204" charset="0"/>
+                        </a:rPr>
+                        <a:t> IEEE Access, vol. 10, pp. 36935–36948, Mar. 2022, doi: 10.1109/ACCESS.2022.3163254.</a:t>
+                      </a:r>
+                      <a:endParaRPr lang="en-US" altLang="en-US" sz="1800" b="0">
+                        <a:solidFill>
+                          <a:schemeClr val="tx1"/>
+                        </a:solidFill>
+                        <a:latin typeface="Cambria" panose="02040503050406030204" charset="0"/>
+                        <a:cs typeface="Cambria" panose="02040503050406030204" charset="0"/>
+                      </a:endParaRPr>
+                    </a:p>
+                  </a:txBody>
+                  <a:tcPr>
+                    <a:solidFill>
+                      <a:schemeClr val="bg1">
+                        <a:lumMod val="85000"/>
+                      </a:schemeClr>
+                    </a:solidFill>
+                  </a:tcPr>
+                </a:tc>
+              </a:tr>
+              <a:tr h="521970">
+                <a:tc>
+                  <a:txBody>
+                    <a:bodyPr/>
+                    <a:p>
+                      <a:pPr>
+                        <a:buNone/>
+                      </a:pPr>
+                      <a:r>
+                        <a:rPr lang="en-US" sz="1800" b="0">
+                          <a:solidFill>
+                            <a:schemeClr val="tx1"/>
+                          </a:solidFill>
+                          <a:latin typeface="Cambria" panose="02040503050406030204" charset="0"/>
+                          <a:cs typeface="Cambria" panose="02040503050406030204" charset="0"/>
+                        </a:rPr>
+                        <a:t>[6] </a:t>
+                      </a:r>
+                      <a:r>
+                        <a:rPr lang="en-US" altLang="en-US" sz="1800" b="0">
+                          <a:solidFill>
+                            <a:schemeClr val="tx1"/>
+                          </a:solidFill>
+                          <a:latin typeface="Cambria" panose="02040503050406030204" charset="0"/>
+                          <a:cs typeface="Cambria" panose="02040503050406030204" charset="0"/>
+                        </a:rPr>
+                        <a:t>S. Mohapatra, P. K. Behera, P. K. Sahoo, S. K. Bisoy, K. L. Huiand M. Sain, “</a:t>
+                      </a:r>
+                      <a:r>
+                        <a:rPr lang="en-US" altLang="en-US" sz="1800" b="0" i="1">
+                          <a:solidFill>
+                            <a:schemeClr val="tx1"/>
+                          </a:solidFill>
+                          <a:latin typeface="Cambria" panose="02040503050406030204" charset="0"/>
+                          <a:cs typeface="Cambria" panose="02040503050406030204" charset="0"/>
+                        </a:rPr>
+                        <a:t>Mobility induced multi-hop LEACH protocol in heterogeneous mobile network,”</a:t>
+                      </a:r>
+                      <a:r>
+                        <a:rPr lang="en-US" altLang="en-US" sz="1800" b="0">
+                          <a:solidFill>
+                            <a:schemeClr val="tx1"/>
+                          </a:solidFill>
+                          <a:latin typeface="Cambria" panose="02040503050406030204" charset="0"/>
+                          <a:cs typeface="Cambria" panose="02040503050406030204" charset="0"/>
+                        </a:rPr>
+                        <a:t> *IEEE Access*, vol. 10, pp. 132895–132907, Dec. 2022, doi: 10.1109/ACCESS.2022.3228576.</a:t>
+                      </a:r>
+                      <a:endParaRPr lang="en-US" altLang="en-US" sz="1800" b="0">
+                        <a:solidFill>
+                          <a:schemeClr val="tx1"/>
+                        </a:solidFill>
+                        <a:latin typeface="Cambria" panose="02040503050406030204" charset="0"/>
+                        <a:cs typeface="Cambria" panose="02040503050406030204" charset="0"/>
+                      </a:endParaRPr>
+                    </a:p>
+                  </a:txBody>
+                  <a:tcPr>
+                    <a:solidFill>
+                      <a:schemeClr val="bg1">
+                        <a:lumMod val="85000"/>
+                      </a:schemeClr>
+                    </a:solidFill>
+                  </a:tcPr>
+                </a:tc>
+              </a:tr>
+              <a:tr h="521970">
+                <a:tc>
+                  <a:txBody>
+                    <a:bodyPr/>
+                    <a:p>
+                      <a:pPr>
+                        <a:buNone/>
+                      </a:pPr>
+                      <a:r>
+                        <a:rPr lang="en-US" sz="1800" b="0">
+                          <a:solidFill>
+                            <a:schemeClr val="tx1"/>
+                          </a:solidFill>
+                          <a:latin typeface="Cambria" panose="02040503050406030204" charset="0"/>
+                          <a:cs typeface="Cambria" panose="02040503050406030204" charset="0"/>
+                        </a:rPr>
+                        <a:t>[7] Available Online Book and Resources: </a:t>
+                      </a:r>
+                      <a:r>
+                        <a:rPr lang="en-US" altLang="en-US" sz="1800" b="0">
+                          <a:solidFill>
+                            <a:schemeClr val="tx1"/>
+                          </a:solidFill>
+                          <a:latin typeface="Cambria" panose="02040503050406030204" charset="0"/>
+                          <a:cs typeface="Cambria" panose="02040503050406030204" charset="0"/>
+                        </a:rPr>
+                        <a:t>https://github.com/imshubhamcodex/ql--resources</a:t>
+                      </a:r>
+                      <a:endParaRPr lang="en-US" altLang="en-US" sz="1800" b="0">
+                        <a:solidFill>
+                          <a:schemeClr val="tx1"/>
+                        </a:solidFill>
+                        <a:latin typeface="Cambria" panose="02040503050406030204" charset="0"/>
+                        <a:cs typeface="Cambria" panose="02040503050406030204" charset="0"/>
+                      </a:endParaRPr>
+                    </a:p>
+                  </a:txBody>
+                  <a:tcPr>
+                    <a:solidFill>
+                      <a:schemeClr val="bg1">
+                        <a:lumMod val="85000"/>
+                      </a:schemeClr>
+                    </a:solidFill>
+                  </a:tcPr>
+                </a:tc>
+              </a:tr>
+            </a:tbl>
+          </a:graphicData>
+        </a:graphic>
+      </p:graphicFrame>
+    </p:spTree>
+  </p:cSld>
+  <p:clrMapOvr>
+    <a:masterClrMapping/>
+  </p:clrMapOvr>
+</p:sld>
+</file>
+
+<file path=ppt/slides/slide22.xml><?xml version="1.0" encoding="utf-8"?>
+<p:sld xmlns:a="http://schemas.openxmlformats.org/drawingml/2006/main" xmlns:r="http://schemas.openxmlformats.org/officeDocument/2006/relationships" xmlns:p="http://schemas.openxmlformats.org/presentationml/2006/main">
+  <p:cSld>
+    <p:spTree>
+      <p:nvGrpSpPr>
+        <p:cNvPr id="1" name=""/>
+        <p:cNvGrpSpPr/>
+        <p:nvPr/>
+      </p:nvGrpSpPr>
+      <p:grpSpPr/>
+      <p:sp>
+        <p:nvSpPr>
+          <p:cNvPr id="5" name="Oval 4"/>
+          <p:cNvSpPr/>
+          <p:nvPr/>
+        </p:nvSpPr>
+        <p:spPr>
+          <a:xfrm>
+            <a:off x="3821430" y="1387475"/>
+            <a:ext cx="4284980" cy="4083050"/>
+          </a:xfrm>
+          <a:prstGeom prst="ellipse">
+            <a:avLst/>
+          </a:prstGeom>
+          <a:solidFill>
+            <a:schemeClr val="accent1">
+              <a:lumMod val="40000"/>
+              <a:lumOff val="60000"/>
+            </a:schemeClr>
+          </a:solidFill>
+        </p:spPr>
+        <p:style>
+          <a:lnRef idx="2">
+            <a:schemeClr val="accent1">
+              <a:lumMod val="75000"/>
+            </a:schemeClr>
+          </a:lnRef>
+          <a:fillRef idx="1">
+            <a:schemeClr val="accent1"/>
+          </a:fillRef>
+          <a:effectRef idx="0">
+            <a:srgbClr val="FFFFFF"/>
+          </a:effectRef>
+          <a:fontRef idx="minor">
+            <a:schemeClr val="lt1"/>
+          </a:fontRef>
+        </p:style>
+        <p:txBody>
+          <a:bodyPr rtlCol="0" anchor="ctr"/>
+          <a:p>
+            <a:pPr algn="ctr"/>
+            <a:endParaRPr lang="en-US"/>
+          </a:p>
+        </p:txBody>
+      </p:sp>
+      <p:sp>
+        <p:nvSpPr>
+          <p:cNvPr id="9" name="Rectangles 8"/>
+          <p:cNvSpPr/>
+          <p:nvPr/>
+        </p:nvSpPr>
+        <p:spPr>
+          <a:xfrm>
+            <a:off x="0" y="6985"/>
+            <a:ext cx="1132840" cy="199390"/>
+          </a:xfrm>
+          <a:prstGeom prst="rect">
+            <a:avLst/>
+          </a:prstGeom>
+          <a:solidFill>
+            <a:srgbClr val="FFC000"/>
+          </a:solidFill>
+          <a:ln>
+            <a:solidFill>
+              <a:srgbClr val="FFC000"/>
+            </a:solidFill>
+          </a:ln>
+        </p:spPr>
+        <p:style>
+          <a:lnRef idx="2">
+            <a:schemeClr val="accent1">
+              <a:lumMod val="75000"/>
+            </a:schemeClr>
+          </a:lnRef>
+          <a:fillRef idx="1">
+            <a:schemeClr val="accent1"/>
+          </a:fillRef>
+          <a:effectRef idx="0">
+            <a:srgbClr val="FFFFFF"/>
+          </a:effectRef>
+          <a:fontRef idx="minor">
+            <a:schemeClr val="lt1"/>
+          </a:fontRef>
+        </p:style>
+        <p:txBody>
+          <a:bodyPr rtlCol="0" anchor="ctr"/>
+          <a:p>
+            <a:pPr algn="ctr"/>
+            <a:endParaRPr lang="en-US"/>
+          </a:p>
+        </p:txBody>
+      </p:sp>
+      <p:sp>
+        <p:nvSpPr>
+          <p:cNvPr id="14" name="Oval 13"/>
+          <p:cNvSpPr/>
+          <p:nvPr/>
+        </p:nvSpPr>
+        <p:spPr>
+          <a:xfrm>
+            <a:off x="1217930" y="37465"/>
+            <a:ext cx="153035" cy="153670"/>
+          </a:xfrm>
+          <a:prstGeom prst="ellipse">
+            <a:avLst/>
+          </a:prstGeom>
+          <a:solidFill>
+            <a:srgbClr val="FFC000"/>
+          </a:solidFill>
+          <a:ln>
+            <a:solidFill>
+              <a:srgbClr val="FFC000"/>
+            </a:solidFill>
+          </a:ln>
+        </p:spPr>
+        <p:style>
+          <a:lnRef idx="2">
+            <a:schemeClr val="accent1">
+              <a:lumMod val="75000"/>
+            </a:schemeClr>
+          </a:lnRef>
+          <a:fillRef idx="1">
+            <a:schemeClr val="accent1"/>
+          </a:fillRef>
+          <a:effectRef idx="0">
+            <a:srgbClr val="FFFFFF"/>
+          </a:effectRef>
+          <a:fontRef idx="minor">
+            <a:schemeClr val="lt1"/>
+          </a:fontRef>
+        </p:style>
+        <p:txBody>
+          <a:bodyPr rtlCol="0" anchor="ctr"/>
+          <a:p>
+            <a:pPr algn="ctr"/>
+            <a:endParaRPr lang="en-US"/>
+          </a:p>
+        </p:txBody>
+      </p:sp>
+      <p:sp>
+        <p:nvSpPr>
+          <p:cNvPr id="15" name="Rectangles 14"/>
+          <p:cNvSpPr/>
+          <p:nvPr/>
+        </p:nvSpPr>
+        <p:spPr>
+          <a:xfrm>
+            <a:off x="11051540" y="6658610"/>
+            <a:ext cx="1132840" cy="199390"/>
+          </a:xfrm>
+          <a:prstGeom prst="rect">
+            <a:avLst/>
+          </a:prstGeom>
+          <a:solidFill>
+            <a:srgbClr val="FFC000"/>
+          </a:solidFill>
+          <a:ln>
+            <a:solidFill>
+              <a:srgbClr val="FFC000"/>
+            </a:solidFill>
+          </a:ln>
+        </p:spPr>
+        <p:style>
+          <a:lnRef idx="2">
+            <a:schemeClr val="accent1">
+              <a:lumMod val="75000"/>
+            </a:schemeClr>
+          </a:lnRef>
+          <a:fillRef idx="1">
+            <a:schemeClr val="accent1"/>
+          </a:fillRef>
+          <a:effectRef idx="0">
+            <a:srgbClr val="FFFFFF"/>
+          </a:effectRef>
+          <a:fontRef idx="minor">
+            <a:schemeClr val="lt1"/>
+          </a:fontRef>
+        </p:style>
+        <p:txBody>
+          <a:bodyPr rtlCol="0" anchor="ctr"/>
+          <a:p>
+            <a:pPr algn="ctr"/>
+            <a:endParaRPr lang="en-US"/>
+          </a:p>
+        </p:txBody>
+      </p:sp>
+      <p:sp>
+        <p:nvSpPr>
+          <p:cNvPr id="16" name="Oval 15"/>
+          <p:cNvSpPr/>
+          <p:nvPr/>
+        </p:nvSpPr>
+        <p:spPr>
+          <a:xfrm>
+            <a:off x="10789285" y="6673850"/>
+            <a:ext cx="153035" cy="153670"/>
+          </a:xfrm>
+          <a:prstGeom prst="ellipse">
+            <a:avLst/>
+          </a:prstGeom>
+          <a:solidFill>
+            <a:srgbClr val="FFC000"/>
+          </a:solidFill>
+          <a:ln>
+            <a:solidFill>
+              <a:srgbClr val="FFC000"/>
+            </a:solidFill>
+          </a:ln>
+        </p:spPr>
+        <p:style>
+          <a:lnRef idx="2">
+            <a:schemeClr val="accent1">
+              <a:lumMod val="75000"/>
+            </a:schemeClr>
+          </a:lnRef>
+          <a:fillRef idx="1">
+            <a:schemeClr val="accent1"/>
+          </a:fillRef>
+          <a:effectRef idx="0">
+            <a:srgbClr val="FFFFFF"/>
+          </a:effectRef>
+          <a:fontRef idx="minor">
+            <a:schemeClr val="lt1"/>
+          </a:fontRef>
+        </p:style>
+        <p:txBody>
+          <a:bodyPr rtlCol="0" anchor="ctr"/>
+          <a:p>
+            <a:pPr algn="ctr"/>
+            <a:endParaRPr lang="en-US"/>
+          </a:p>
+        </p:txBody>
+      </p:sp>
+      <p:sp>
+        <p:nvSpPr>
+          <p:cNvPr id="8" name="Rectangles 7"/>
+          <p:cNvSpPr/>
+          <p:nvPr/>
+        </p:nvSpPr>
+        <p:spPr>
+          <a:xfrm>
+            <a:off x="11070590" y="6670040"/>
+            <a:ext cx="1132840" cy="199390"/>
+          </a:xfrm>
+          <a:prstGeom prst="rect">
+            <a:avLst/>
+          </a:prstGeom>
+          <a:solidFill>
+            <a:srgbClr val="FFC000"/>
+          </a:solidFill>
+          <a:ln>
+            <a:solidFill>
+              <a:srgbClr val="FFC000"/>
+            </a:solidFill>
+          </a:ln>
+        </p:spPr>
+        <p:style>
+          <a:lnRef idx="2">
+            <a:schemeClr val="accent1">
+              <a:lumMod val="75000"/>
+            </a:schemeClr>
+          </a:lnRef>
+          <a:fillRef idx="1">
+            <a:schemeClr val="accent1"/>
+          </a:fillRef>
+          <a:effectRef idx="0">
+            <a:srgbClr val="FFFFFF"/>
+          </a:effectRef>
+          <a:fontRef idx="minor">
+            <a:schemeClr val="lt1"/>
+          </a:fontRef>
+        </p:style>
+        <p:txBody>
+          <a:bodyPr rtlCol="0" anchor="ctr"/>
+          <a:p>
+            <a:pPr algn="ctr"/>
+            <a:endParaRPr lang="en-US"/>
+          </a:p>
+        </p:txBody>
+      </p:sp>
+      <p:sp>
+        <p:nvSpPr>
+          <p:cNvPr id="10" name="Oval 9"/>
+          <p:cNvSpPr/>
+          <p:nvPr/>
+        </p:nvSpPr>
+        <p:spPr>
+          <a:xfrm>
+            <a:off x="10789285" y="6658610"/>
+            <a:ext cx="153035" cy="153670"/>
+          </a:xfrm>
+          <a:prstGeom prst="ellipse">
+            <a:avLst/>
+          </a:prstGeom>
+          <a:solidFill>
+            <a:srgbClr val="FFC000"/>
+          </a:solidFill>
+          <a:ln>
+            <a:solidFill>
+              <a:srgbClr val="FFC000"/>
+            </a:solidFill>
+          </a:ln>
+        </p:spPr>
+        <p:style>
+          <a:lnRef idx="2">
+            <a:schemeClr val="accent1">
+              <a:lumMod val="75000"/>
+            </a:schemeClr>
+          </a:lnRef>
+          <a:fillRef idx="1">
+            <a:schemeClr val="accent1"/>
+          </a:fillRef>
+          <a:effectRef idx="0">
+            <a:srgbClr val="FFFFFF"/>
+          </a:effectRef>
+          <a:fontRef idx="minor">
+            <a:schemeClr val="lt1"/>
+          </a:fontRef>
+        </p:style>
+        <p:txBody>
+          <a:bodyPr rtlCol="0" anchor="ctr"/>
+          <a:p>
+            <a:pPr algn="ctr"/>
+            <a:endParaRPr lang="en-US"/>
+          </a:p>
+        </p:txBody>
+      </p:sp>
+      <p:sp>
+        <p:nvSpPr>
+          <p:cNvPr id="3" name="Text Box 2"/>
+          <p:cNvSpPr txBox="1"/>
+          <p:nvPr/>
+        </p:nvSpPr>
+        <p:spPr>
+          <a:xfrm>
+            <a:off x="4710430" y="2657475"/>
+            <a:ext cx="2730500" cy="706755"/>
+          </a:xfrm>
+          <a:prstGeom prst="rect">
+            <a:avLst/>
+          </a:prstGeom>
+          <a:noFill/>
+        </p:spPr>
+        <p:txBody>
+          <a:bodyPr wrap="square" rtlCol="0">
+            <a:spAutoFit/>
+          </a:bodyPr>
+          <a:p>
+            <a:r>
+              <a:rPr lang="en-US" sz="4000">
+                <a:latin typeface="Cambria" panose="02040503050406030204" charset="0"/>
+                <a:cs typeface="Cambria" panose="02040503050406030204" charset="0"/>
+              </a:rPr>
+              <a:t>Thank You</a:t>
+            </a:r>
+            <a:endParaRPr lang="en-US" sz="4000">
+              <a:latin typeface="Cambria" panose="02040503050406030204" charset="0"/>
+              <a:cs typeface="Cambria" panose="02040503050406030204" charset="0"/>
+            </a:endParaRPr>
+          </a:p>
+        </p:txBody>
+      </p:sp>
+      <p:sp>
+        <p:nvSpPr>
+          <p:cNvPr id="4" name="Text Box 3"/>
+          <p:cNvSpPr txBox="1"/>
+          <p:nvPr/>
+        </p:nvSpPr>
+        <p:spPr>
+          <a:xfrm>
+            <a:off x="5201285" y="3569335"/>
+            <a:ext cx="1748155" cy="398780"/>
+          </a:xfrm>
+          <a:prstGeom prst="rect">
+            <a:avLst/>
+          </a:prstGeom>
+          <a:noFill/>
+        </p:spPr>
+        <p:txBody>
+          <a:bodyPr wrap="square" rtlCol="0">
+            <a:spAutoFit/>
+          </a:bodyPr>
+          <a:p>
+            <a:r>
+              <a:rPr lang="en-US" sz="2000">
+                <a:latin typeface="Cambria" panose="02040503050406030204" charset="0"/>
+                <a:cs typeface="Cambria" panose="02040503050406030204" charset="0"/>
+              </a:rPr>
+              <a:t>Open to Q&amp;A</a:t>
+            </a:r>
+            <a:endParaRPr lang="en-US" sz="2000">
+              <a:latin typeface="Cambria" panose="02040503050406030204" charset="0"/>
+              <a:cs typeface="Cambria" panose="02040503050406030204" charset="0"/>
+            </a:endParaRPr>
+          </a:p>
+        </p:txBody>
+      </p:sp>
+      <p:sp>
+        <p:nvSpPr>
+          <p:cNvPr id="6" name="Oval 5"/>
+          <p:cNvSpPr/>
+          <p:nvPr/>
+        </p:nvSpPr>
+        <p:spPr>
+          <a:xfrm>
+            <a:off x="3284855" y="1241425"/>
+            <a:ext cx="1587500" cy="1616710"/>
+          </a:xfrm>
+          <a:prstGeom prst="ellipse">
+            <a:avLst/>
+          </a:prstGeom>
+          <a:solidFill>
+            <a:srgbClr val="FCAD36"/>
+          </a:solidFill>
+          <a:ln>
+            <a:solidFill>
+              <a:srgbClr val="FF6C0D"/>
+            </a:solidFill>
+          </a:ln>
+        </p:spPr>
+        <p:style>
+          <a:lnRef idx="2">
+            <a:schemeClr val="accent1">
+              <a:lumMod val="75000"/>
+            </a:schemeClr>
+          </a:lnRef>
+          <a:fillRef idx="1">
+            <a:schemeClr val="accent1"/>
+          </a:fillRef>
+          <a:effectRef idx="0">
+            <a:srgbClr val="FFFFFF"/>
+          </a:effectRef>
+          <a:fontRef idx="minor">
+            <a:schemeClr val="lt1"/>
+          </a:fontRef>
+        </p:style>
+        <p:txBody>
+          <a:bodyPr rtlCol="0" anchor="ctr"/>
+          <a:p>
+            <a:pPr algn="ctr"/>
+            <a:endParaRPr lang="en-US"/>
+          </a:p>
+        </p:txBody>
+      </p:sp>
+      <p:sp>
+        <p:nvSpPr>
+          <p:cNvPr id="11" name="Oval 10"/>
+          <p:cNvSpPr/>
+          <p:nvPr/>
+        </p:nvSpPr>
+        <p:spPr>
+          <a:xfrm>
+            <a:off x="7033260" y="3916045"/>
+            <a:ext cx="1587500" cy="1616710"/>
+          </a:xfrm>
+          <a:prstGeom prst="ellipse">
+            <a:avLst/>
+          </a:prstGeom>
+          <a:solidFill>
+            <a:srgbClr val="FCAD36"/>
+          </a:solidFill>
+          <a:ln>
+            <a:solidFill>
+              <a:srgbClr val="FF6C0D"/>
+            </a:solidFill>
+          </a:ln>
+        </p:spPr>
+        <p:style>
+          <a:lnRef idx="2">
+            <a:schemeClr val="accent1">
+              <a:lumMod val="75000"/>
+            </a:schemeClr>
+          </a:lnRef>
+          <a:fillRef idx="1">
+            <a:schemeClr val="accent1"/>
+          </a:fillRef>
+          <a:effectRef idx="0">
+            <a:srgbClr val="FFFFFF"/>
+          </a:effectRef>
+          <a:fontRef idx="minor">
+            <a:schemeClr val="lt1"/>
+          </a:fontRef>
+        </p:style>
+        <p:txBody>
+          <a:bodyPr rtlCol="0" anchor="ctr"/>
+          <a:p>
+            <a:pPr algn="ctr"/>
+            <a:endParaRPr lang="en-US"/>
           </a:p>
         </p:txBody>
       </p:sp>
@@ -8090,7 +11476,7 @@
                           <a:latin typeface="Cambria" panose="02040503050406030204" charset="0"/>
                           <a:cs typeface="Cambria" panose="02040503050406030204" charset="0"/>
                         </a:rPr>
-                        <a:t>Al-Kaseem et al. (2021) Optimized Energy-Efficient Path Planning with Multiple Mobile Sinks[9]</a:t>
+                        <a:t>Al-Kaseem et al. (2021) Optimized Energy-Efficient Path Planning with Multiple Mobile Sinks[2]</a:t>
                       </a:r>
                       <a:endParaRPr lang="en-US" altLang="en-US" sz="1600">
                         <a:latin typeface="Cambria" panose="02040503050406030204" charset="0"/>
@@ -8220,7 +11606,7 @@
                           <a:latin typeface="Cambria" panose="02040503050406030204" charset="0"/>
                           <a:cs typeface="Cambria" panose="02040503050406030204" charset="0"/>
                         </a:rPr>
-                        <a:t>Raed et al. (2022) Efficient Energy Mechanism for Underground Mining Monitoring[10]</a:t>
+                        <a:t>Raed et al. (2022) Efficient Energy Mechanism for Underground Mining Monitoring[3]</a:t>
                       </a:r>
                       <a:endParaRPr lang="en-US" altLang="en-US" sz="1600">
                         <a:latin typeface="Cambria" panose="02040503050406030204" charset="0"/>
@@ -8358,7 +11744,7 @@
                           <a:latin typeface="Cambria" panose="02040503050406030204" charset="0"/>
                           <a:cs typeface="Cambria" panose="02040503050406030204" charset="0"/>
                         </a:rPr>
-                        <a:t>Salman et al. (2022) Optimization of LEACH Protocol for WSNs in Terms of Energy Efficiency and Network Lifetime[11]</a:t>
+                        <a:t>Salman et al. (2022) Optimization of LEACH Protocol for WSNs in Terms of Energy Efficiency and Network Lifetime[4]</a:t>
                       </a:r>
                       <a:endParaRPr lang="en-US" altLang="en-US" sz="1600">
                         <a:latin typeface="Cambria" panose="02040503050406030204" charset="0"/>
@@ -8511,7 +11897,7 @@
                           <a:latin typeface="Cambria" panose="02040503050406030204" charset="0"/>
                           <a:cs typeface="Cambria" panose="02040503050406030204" charset="0"/>
                         </a:rPr>
-                        <a:t>[12]</a:t>
+                        <a:t>[5]</a:t>
                       </a:r>
                       <a:endParaRPr lang="en-US" altLang="en-US" sz="1600">
                         <a:latin typeface="Cambria" panose="02040503050406030204" charset="0"/>
@@ -8642,7 +12028,7 @@
                           <a:latin typeface="Cambria" panose="02040503050406030204" charset="0"/>
                           <a:cs typeface="Cambria" panose="02040503050406030204" charset="0"/>
                         </a:rPr>
-                        <a:t>Mohapatra et al. (2022) Mobility Induced Multi-Hop LEACH Protocol in Heterogeneous Mobile Network[13]</a:t>
+                        <a:t>Mohapatra et al. (2022) Mobility Induced Multi-Hop LEACH Protocol in Heterogeneous Mobile Network[6]</a:t>
                       </a:r>
                       <a:endParaRPr lang="en-US" altLang="en-US" sz="1600">
                         <a:latin typeface="Cambria" panose="02040503050406030204" charset="0"/>
@@ -11509,6 +14895,13 @@
 <p:tagLst xmlns:p="http://schemas.openxmlformats.org/presentationml/2006/main">
   <p:tag name="TABLE_ENDDRAG_ORIGIN_RECT" val="831*421"/>
   <p:tag name="TABLE_ENDDRAG_RECT" val="71*85*831*421"/>
+</p:tagLst>
+</file>
+
+<file path=ppt/tags/tag2.xml><?xml version="1.0" encoding="utf-8"?>
+<p:tagLst xmlns:p="http://schemas.openxmlformats.org/presentationml/2006/main">
+  <p:tag name="TABLE_ENDDRAG_ORIGIN_RECT" val="869*410"/>
+  <p:tag name="TABLE_ENDDRAG_RECT" val="37*105*869*410"/>
 </p:tagLst>
 </file>
 
@@ -12205,6 +15598,265 @@
 </a:theme>
 </file>
 
+<file path=ppt/theme/theme2.xml><?xml version="1.0" encoding="utf-8"?>
+<a:theme xmlns:a="http://schemas.openxmlformats.org/drawingml/2006/main" name="Office Theme">
+  <a:themeElements>
+    <a:clrScheme name="Office">
+      <a:dk1>
+        <a:sysClr val="windowText" lastClr="000000"/>
+      </a:dk1>
+      <a:lt1>
+        <a:sysClr val="window" lastClr="FFFFFF"/>
+      </a:lt1>
+      <a:dk2>
+        <a:srgbClr val="44546A"/>
+      </a:dk2>
+      <a:lt2>
+        <a:srgbClr val="E7E6E6"/>
+      </a:lt2>
+      <a:accent1>
+        <a:srgbClr val="5B9BD5"/>
+      </a:accent1>
+      <a:accent2>
+        <a:srgbClr val="ED7D31"/>
+      </a:accent2>
+      <a:accent3>
+        <a:srgbClr val="A5A5A5"/>
+      </a:accent3>
+      <a:accent4>
+        <a:srgbClr val="FFC000"/>
+      </a:accent4>
+      <a:accent5>
+        <a:srgbClr val="4472C4"/>
+      </a:accent5>
+      <a:accent6>
+        <a:srgbClr val="70AD47"/>
+      </a:accent6>
+      <a:hlink>
+        <a:srgbClr val="0563C1"/>
+      </a:hlink>
+      <a:folHlink>
+        <a:srgbClr val="954F72"/>
+      </a:folHlink>
+    </a:clrScheme>
+    <a:fontScheme name="Office">
+      <a:majorFont>
+        <a:latin typeface="Calibri Light"/>
+        <a:ea typeface=""/>
+        <a:cs typeface=""/>
+        <a:font script="Jpan" typeface="ＭＳ Ｐゴシック"/>
+        <a:font script="Hang" typeface="맑은 고딕"/>
+        <a:font script="Hans" typeface="宋体"/>
+        <a:font script="Hant" typeface="新細明體"/>
+        <a:font script="Arab" typeface="Times New Roman"/>
+        <a:font script="Hebr" typeface="Times New Roman"/>
+        <a:font script="Thai" typeface="Angsana New"/>
+        <a:font script="Ethi" typeface="Nyala"/>
+        <a:font script="Beng" typeface="Vrinda"/>
+        <a:font script="Gujr" typeface="Shruti"/>
+        <a:font script="Khmr" typeface="MoolBoran"/>
+        <a:font script="Knda" typeface="Tunga"/>
+        <a:font script="Guru" typeface="Raavi"/>
+        <a:font script="Cans" typeface="Euphemia"/>
+        <a:font script="Cher" typeface="Plantagenet Cherokee"/>
+        <a:font script="Yiii" typeface="Microsoft Yi Baiti"/>
+        <a:font script="Tibt" typeface="Microsoft Himalaya"/>
+        <a:font script="Thaa" typeface="MV Boli"/>
+        <a:font script="Deva" typeface="Mangal"/>
+        <a:font script="Telu" typeface="Gautami"/>
+        <a:font script="Taml" typeface="Latha"/>
+        <a:font script="Syrc" typeface="Estrangelo Edessa"/>
+        <a:font script="Orya" typeface="Kalinga"/>
+        <a:font script="Mlym" typeface="Kartika"/>
+        <a:font script="Laoo" typeface="DokChampa"/>
+        <a:font script="Sinh" typeface="Iskoola Pota"/>
+        <a:font script="Mong" typeface="Mongolian Baiti"/>
+        <a:font script="Viet" typeface="Times New Roman"/>
+        <a:font script="Uigh" typeface="Microsoft Uighur"/>
+        <a:font script="Geor" typeface="Sylfaen"/>
+      </a:majorFont>
+      <a:minorFont>
+        <a:latin typeface="Calibri"/>
+        <a:ea typeface=""/>
+        <a:cs typeface=""/>
+        <a:font script="Jpan" typeface="ＭＳ Ｐゴシック"/>
+        <a:font script="Hang" typeface="맑은 고딕"/>
+        <a:font script="Hans" typeface="宋体"/>
+        <a:font script="Hant" typeface="新細明體"/>
+        <a:font script="Arab" typeface="Arial"/>
+        <a:font script="Hebr" typeface="Arial"/>
+        <a:font script="Thai" typeface="Cordia New"/>
+        <a:font script="Ethi" typeface="Nyala"/>
+        <a:font script="Beng" typeface="Vrinda"/>
+        <a:font script="Gujr" typeface="Shruti"/>
+        <a:font script="Khmr" typeface="DaunPenh"/>
+        <a:font script="Knda" typeface="Tunga"/>
+        <a:font script="Guru" typeface="Raavi"/>
+        <a:font script="Cans" typeface="Euphemia"/>
+        <a:font script="Cher" typeface="Plantagenet Cherokee"/>
+        <a:font script="Yiii" typeface="Microsoft Yi Baiti"/>
+        <a:font script="Tibt" typeface="Microsoft Himalaya"/>
+        <a:font script="Thaa" typeface="MV Boli"/>
+        <a:font script="Deva" typeface="Mangal"/>
+        <a:font script="Telu" typeface="Gautami"/>
+        <a:font script="Taml" typeface="Latha"/>
+        <a:font script="Syrc" typeface="Estrangelo Edessa"/>
+        <a:font script="Orya" typeface="Kalinga"/>
+        <a:font script="Mlym" typeface="Kartika"/>
+        <a:font script="Laoo" typeface="DokChampa"/>
+        <a:font script="Sinh" typeface="Iskoola Pota"/>
+        <a:font script="Mong" typeface="Mongolian Baiti"/>
+        <a:font script="Viet" typeface="Arial"/>
+        <a:font script="Uigh" typeface="Microsoft Uighur"/>
+        <a:font script="Geor" typeface="Sylfaen"/>
+      </a:minorFont>
+    </a:fontScheme>
+    <a:fmtScheme name="Office">
+      <a:fillStyleLst>
+        <a:solidFill>
+          <a:schemeClr val="phClr"/>
+        </a:solidFill>
+        <a:gradFill rotWithShape="1">
+          <a:gsLst>
+            <a:gs pos="0">
+              <a:schemeClr val="phClr">
+                <a:lumMod val="110000"/>
+                <a:satMod val="105000"/>
+                <a:tint val="67000"/>
+              </a:schemeClr>
+            </a:gs>
+            <a:gs pos="50000">
+              <a:schemeClr val="phClr">
+                <a:lumMod val="105000"/>
+                <a:satMod val="103000"/>
+                <a:tint val="73000"/>
+              </a:schemeClr>
+            </a:gs>
+            <a:gs pos="100000">
+              <a:schemeClr val="phClr">
+                <a:lumMod val="105000"/>
+                <a:satMod val="109000"/>
+                <a:tint val="81000"/>
+              </a:schemeClr>
+            </a:gs>
+          </a:gsLst>
+          <a:lin ang="5400000" scaled="0"/>
+        </a:gradFill>
+        <a:gradFill rotWithShape="1">
+          <a:gsLst>
+            <a:gs pos="0">
+              <a:schemeClr val="phClr">
+                <a:satMod val="103000"/>
+                <a:lumMod val="102000"/>
+                <a:tint val="94000"/>
+              </a:schemeClr>
+            </a:gs>
+            <a:gs pos="50000">
+              <a:schemeClr val="phClr">
+                <a:satMod val="110000"/>
+                <a:lumMod val="100000"/>
+                <a:shade val="100000"/>
+              </a:schemeClr>
+            </a:gs>
+            <a:gs pos="100000">
+              <a:schemeClr val="phClr">
+                <a:lumMod val="99000"/>
+                <a:satMod val="120000"/>
+                <a:shade val="78000"/>
+              </a:schemeClr>
+            </a:gs>
+          </a:gsLst>
+          <a:lin ang="5400000" scaled="0"/>
+        </a:gradFill>
+      </a:fillStyleLst>
+      <a:lnStyleLst>
+        <a:ln w="6350" cap="flat" cmpd="sng" algn="ctr">
+          <a:solidFill>
+            <a:schemeClr val="phClr"/>
+          </a:solidFill>
+          <a:prstDash val="solid"/>
+          <a:miter lim="800000"/>
+        </a:ln>
+        <a:ln w="12700" cap="flat" cmpd="sng" algn="ctr">
+          <a:solidFill>
+            <a:schemeClr val="phClr"/>
+          </a:solidFill>
+          <a:prstDash val="solid"/>
+          <a:miter lim="800000"/>
+        </a:ln>
+        <a:ln w="19050" cap="flat" cmpd="sng" algn="ctr">
+          <a:solidFill>
+            <a:schemeClr val="phClr"/>
+          </a:solidFill>
+          <a:prstDash val="solid"/>
+          <a:miter lim="800000"/>
+        </a:ln>
+      </a:lnStyleLst>
+      <a:effectStyleLst>
+        <a:effectStyle>
+          <a:effectLst/>
+        </a:effectStyle>
+        <a:effectStyle>
+          <a:effectLst/>
+        </a:effectStyle>
+        <a:effectStyle>
+          <a:effectLst>
+            <a:outerShdw blurRad="57150" dist="19050" dir="5400000" algn="ctr" rotWithShape="0">
+              <a:srgbClr val="000000">
+                <a:alpha val="63000"/>
+              </a:srgbClr>
+            </a:outerShdw>
+          </a:effectLst>
+        </a:effectStyle>
+      </a:effectStyleLst>
+      <a:bgFillStyleLst>
+        <a:solidFill>
+          <a:schemeClr val="phClr"/>
+        </a:solidFill>
+        <a:solidFill>
+          <a:schemeClr val="phClr">
+            <a:tint val="95000"/>
+            <a:satMod val="170000"/>
+          </a:schemeClr>
+        </a:solidFill>
+        <a:gradFill rotWithShape="1">
+          <a:gsLst>
+            <a:gs pos="0">
+              <a:schemeClr val="phClr">
+                <a:tint val="93000"/>
+                <a:satMod val="150000"/>
+                <a:shade val="98000"/>
+                <a:lumMod val="102000"/>
+              </a:schemeClr>
+            </a:gs>
+            <a:gs pos="50000">
+              <a:schemeClr val="phClr">
+                <a:tint val="98000"/>
+                <a:satMod val="130000"/>
+                <a:shade val="90000"/>
+                <a:lumMod val="103000"/>
+              </a:schemeClr>
+            </a:gs>
+            <a:gs pos="100000">
+              <a:schemeClr val="phClr">
+                <a:shade val="63000"/>
+                <a:satMod val="120000"/>
+              </a:schemeClr>
+            </a:gs>
+          </a:gsLst>
+          <a:lin ang="5400000" scaled="0"/>
+        </a:gradFill>
+      </a:bgFillStyleLst>
+    </a:fmtScheme>
+  </a:themeElements>
+  <a:extLst>
+    <a:ext uri="{05A4C25C-085E-4340-85A3-A5531E510DB2}">
+      <thm15:themeFamily xmlns:thm15="http://schemas.microsoft.com/office/thememl/2012/main" name="Office Theme" id="{62F939B6-93AF-4DB8-9C6B-D6C7DFDC589F}" vid="{4A3C46E8-61CC-4603-A589-7422A47A8E4A}"/>
+    </a:ext>
+  </a:extLst>
+</a:theme>
+</file>
+
 <file path=customXml/item1.xml><?xml version="1.0" encoding="utf-8"?>
 <s:customData xmlns="http://www.wps.cn/officeDocument/2013/wpsCustomData" xmlns:s="http://www.wps.cn/officeDocument/2013/wpsCustomData">
   <extobjs>
@@ -12254,7 +15906,7 @@
 </s:customData>
 </file>
 
-<file path=customXml/itemProps2.xml><?xml version="1.0" encoding="utf-8"?>
+<file path=customXml/itemProps3.xml><?xml version="1.0" encoding="utf-8"?>
 <ds:datastoreItem xmlns:ds="http://schemas.openxmlformats.org/officeDocument/2006/customXml" ds:itemID="s:customData">
   <ds:schemaRefs>
     <ds:schemaRef ds:uri="http://www.wps.cn/officeDocument/2013/wpsCustomData"/>

--- a/mid_sem_RL.pptx
+++ b/mid_sem_RL.pptx
@@ -26,10 +26,12 @@
     <p:sldId id="278" r:id="rId19"/>
     <p:sldId id="280" r:id="rId20"/>
     <p:sldId id="281" r:id="rId21"/>
-    <p:sldId id="282" r:id="rId22"/>
-    <p:sldId id="283" r:id="rId23"/>
-    <p:sldId id="284" r:id="rId24"/>
-    <p:sldId id="279" r:id="rId25"/>
+    <p:sldId id="286" r:id="rId22"/>
+    <p:sldId id="282" r:id="rId23"/>
+    <p:sldId id="283" r:id="rId24"/>
+    <p:sldId id="285" r:id="rId25"/>
+    <p:sldId id="284" r:id="rId26"/>
+    <p:sldId id="279" r:id="rId27"/>
   </p:sldIdLst>
   <p:sldSz cx="12192000" cy="6858000"/>
   <p:notesSz cx="6858000" cy="9144000"/>
@@ -6476,7 +6478,7 @@
                 <a:latin typeface="Cambria" panose="02040503050406030204" charset="0"/>
                 <a:cs typeface="Cambria" panose="02040503050406030204" charset="0"/>
               </a:rPr>
-              <a:t>DEECP: Considers residual energy &amp; distance but still probabilistic/static.</a:t>
+              <a:t>DEECP: Considers residual energy but still probabilistic/static.</a:t>
             </a:r>
             <a:endParaRPr lang="en-US" altLang="en-US" sz="2000">
               <a:latin typeface="Cambria" panose="02040503050406030204" charset="0"/>
@@ -6493,7 +6495,22 @@
                 <a:latin typeface="Cambria" panose="02040503050406030204" charset="0"/>
                 <a:cs typeface="Cambria" panose="02040503050406030204" charset="0"/>
               </a:rPr>
-              <a:t>E-DEECP: Classifies heterogeneity into only three categories, limiting adaptability.</a:t>
+              <a:t>E-DEECP: Classifies heterogeneity into only three categories and </a:t>
+            </a:r>
+            <a:r>
+              <a:rPr lang="en-US" altLang="en-US" sz="2000">
+                <a:latin typeface="Cambria" panose="02040503050406030204" charset="0"/>
+                <a:cs typeface="Cambria" panose="02040503050406030204" charset="0"/>
+                <a:sym typeface="+mn-ea"/>
+              </a:rPr>
+              <a:t>distance to base startion</a:t>
+            </a:r>
+            <a:r>
+              <a:rPr lang="en-US" altLang="en-US" sz="2000">
+                <a:latin typeface="Cambria" panose="02040503050406030204" charset="0"/>
+                <a:cs typeface="Cambria" panose="02040503050406030204" charset="0"/>
+              </a:rPr>
+              <a:t>, but lacks adaptability.</a:t>
             </a:r>
             <a:endParaRPr lang="en-US" altLang="en-US" sz="2000">
               <a:latin typeface="Cambria" panose="02040503050406030204" charset="0"/>
@@ -6584,7 +6601,7 @@
                 <a:latin typeface="Cambria" panose="02040503050406030204" charset="0"/>
                 <a:cs typeface="Cambria" panose="02040503050406030204" charset="0"/>
               </a:rPr>
-              <a:t>Heterogeneous Support: Works well in networks with different node energy levels.</a:t>
+              <a:t>Heterogeneous Support: Works well in networks with multi level of node energy levels.</a:t>
             </a:r>
             <a:endParaRPr lang="en-US" altLang="en-US" sz="2000">
               <a:latin typeface="Cambria" panose="02040503050406030204" charset="0"/>
@@ -7023,7 +7040,7 @@
                 <a:latin typeface="Cambria" panose="02040503050406030204" charset="0"/>
                 <a:cs typeface="Cambria" panose="02040503050406030204" charset="0"/>
               </a:rPr>
-              <a:t> Residual energy, Distance to BS &amp; Round phase to guide intelligent decision-making.</a:t>
+              <a:t> Residual Energy, Distance to BS &amp; Round Phase to guide intelligent decision-making.</a:t>
             </a:r>
             <a:endParaRPr lang="en-US" altLang="en-US" sz="2000">
               <a:latin typeface="Cambria" panose="02040503050406030204" charset="0"/>
@@ -7158,7 +7175,7 @@
                 <a:latin typeface="Cambria" panose="02040503050406030204" charset="0"/>
                 <a:cs typeface="Cambria" panose="02040503050406030204" charset="0"/>
               </a:rPr>
-              <a:t>(my c</a:t>
+              <a:t>(our c</a:t>
             </a:r>
             <a:r>
               <a:rPr lang="en-US" altLang="en-US" sz="2000" b="1">
@@ -8241,7 +8258,7 @@
       </p:sp>
       <p:pic>
         <p:nvPicPr>
-          <p:cNvPr id="6" name="Picture 5" descr="Figure_14"/>
+          <p:cNvPr id="23" name="Picture 22" descr="Figure_11"/>
           <p:cNvPicPr>
             <a:picLocks noChangeAspect="1"/>
           </p:cNvPicPr>
@@ -8255,8 +8272,8 @@
         </p:blipFill>
         <p:spPr>
           <a:xfrm>
-            <a:off x="376555" y="1007745"/>
-            <a:ext cx="11438890" cy="5552440"/>
+            <a:off x="450850" y="1010920"/>
+            <a:ext cx="11059160" cy="5367020"/>
           </a:xfrm>
           <a:prstGeom prst="rect">
             <a:avLst/>
@@ -8265,14 +8282,14 @@
       </p:pic>
       <p:sp>
         <p:nvSpPr>
-          <p:cNvPr id="7" name="Text Box 6"/>
+          <p:cNvPr id="24" name="Text Box 23"/>
           <p:cNvSpPr txBox="1"/>
           <p:nvPr/>
         </p:nvSpPr>
         <p:spPr>
           <a:xfrm>
-            <a:off x="2860675" y="1892935"/>
-            <a:ext cx="601345" cy="273050"/>
+            <a:off x="9616440" y="2964815"/>
+            <a:ext cx="731520" cy="201930"/>
           </a:xfrm>
           <a:prstGeom prst="rect">
             <a:avLst/>
@@ -8289,7 +8306,7 @@
                 <a:latin typeface="Cambria" panose="02040503050406030204" charset="0"/>
                 <a:cs typeface="Cambria" panose="02040503050406030204" charset="0"/>
               </a:rPr>
-              <a:t>~10% </a:t>
+              <a:t>~140% </a:t>
             </a:r>
             <a:endParaRPr lang="en-US" sz="1200">
               <a:latin typeface="Cambria" panose="02040503050406030204" charset="0"/>
@@ -8300,18 +8317,18 @@
       </p:sp>
       <p:cxnSp>
         <p:nvCxnSpPr>
-          <p:cNvPr id="11" name="Elbow Connector 10"/>
+          <p:cNvPr id="25" name="Elbow Connector 24"/>
           <p:cNvCxnSpPr/>
           <p:nvPr/>
         </p:nvCxnSpPr>
         <p:spPr>
           <a:xfrm rot="5400000" flipV="1">
-            <a:off x="3291840" y="2035810"/>
-            <a:ext cx="325755" cy="3175"/>
+            <a:off x="9058910" y="2816225"/>
+            <a:ext cx="2466340" cy="3175"/>
           </a:xfrm>
           <a:prstGeom prst="bentConnector3">
             <a:avLst>
-              <a:gd name="adj1" fmla="val 50000"/>
+              <a:gd name="adj1" fmla="val 50026"/>
             </a:avLst>
           </a:prstGeom>
           <a:ln>
@@ -8334,55 +8351,20 @@
           </a:fontRef>
         </p:style>
       </p:cxnSp>
-      <p:sp>
-        <p:nvSpPr>
-          <p:cNvPr id="17" name="Text Box 16"/>
-          <p:cNvSpPr txBox="1"/>
-          <p:nvPr/>
-        </p:nvSpPr>
-        <p:spPr>
-          <a:xfrm>
-            <a:off x="6264910" y="1727835"/>
-            <a:ext cx="601345" cy="273050"/>
-          </a:xfrm>
-          <a:prstGeom prst="rect">
-            <a:avLst/>
-          </a:prstGeom>
-          <a:noFill/>
-        </p:spPr>
-        <p:txBody>
-          <a:bodyPr wrap="square" rtlCol="0">
-            <a:noAutofit/>
-          </a:bodyPr>
-          <a:p>
-            <a:r>
-              <a:rPr lang="en-US" sz="1200">
-                <a:latin typeface="Cambria" panose="02040503050406030204" charset="0"/>
-                <a:cs typeface="Cambria" panose="02040503050406030204" charset="0"/>
-              </a:rPr>
-              <a:t>~10% </a:t>
-            </a:r>
-            <a:endParaRPr lang="en-US" sz="1200">
-              <a:latin typeface="Cambria" panose="02040503050406030204" charset="0"/>
-              <a:cs typeface="Cambria" panose="02040503050406030204" charset="0"/>
-            </a:endParaRPr>
-          </a:p>
-        </p:txBody>
-      </p:sp>
       <p:cxnSp>
         <p:nvCxnSpPr>
-          <p:cNvPr id="18" name="Elbow Connector 17"/>
+          <p:cNvPr id="26" name="Elbow Connector 25"/>
           <p:cNvCxnSpPr/>
           <p:nvPr/>
         </p:nvCxnSpPr>
         <p:spPr>
           <a:xfrm rot="5400000" flipV="1">
-            <a:off x="10089515" y="1738630"/>
-            <a:ext cx="325755" cy="3175"/>
+            <a:off x="9290050" y="1880235"/>
+            <a:ext cx="504825" cy="3175"/>
           </a:xfrm>
           <a:prstGeom prst="bentConnector3">
             <a:avLst>
-              <a:gd name="adj1" fmla="val 50000"/>
+              <a:gd name="adj1" fmla="val 50063"/>
             </a:avLst>
           </a:prstGeom>
           <a:ln>
@@ -8407,14 +8389,14 @@
       </p:cxnSp>
       <p:sp>
         <p:nvSpPr>
-          <p:cNvPr id="21" name="Text Box 20"/>
+          <p:cNvPr id="27" name="Text Box 26"/>
           <p:cNvSpPr txBox="1"/>
           <p:nvPr/>
         </p:nvSpPr>
         <p:spPr>
           <a:xfrm>
-            <a:off x="9639935" y="1618615"/>
-            <a:ext cx="601345" cy="273050"/>
+            <a:off x="8968740" y="1765935"/>
+            <a:ext cx="670560" cy="201930"/>
           </a:xfrm>
           <a:prstGeom prst="rect">
             <a:avLst/>
@@ -8431,7 +8413,7 @@
                 <a:latin typeface="Cambria" panose="02040503050406030204" charset="0"/>
                 <a:cs typeface="Cambria" panose="02040503050406030204" charset="0"/>
               </a:rPr>
-              <a:t>~10% </a:t>
+              <a:t>~13% </a:t>
             </a:r>
             <a:endParaRPr lang="en-US" sz="1200">
               <a:latin typeface="Cambria" panose="02040503050406030204" charset="0"/>
@@ -8440,42 +8422,6 @@
           </a:p>
         </p:txBody>
       </p:sp>
-      <p:cxnSp>
-        <p:nvCxnSpPr>
-          <p:cNvPr id="22" name="Elbow Connector 21"/>
-          <p:cNvCxnSpPr/>
-          <p:nvPr/>
-        </p:nvCxnSpPr>
-        <p:spPr>
-          <a:xfrm rot="5400000" flipV="1">
-            <a:off x="6679565" y="1849755"/>
-            <a:ext cx="325755" cy="3175"/>
-          </a:xfrm>
-          <a:prstGeom prst="bentConnector3">
-            <a:avLst>
-              <a:gd name="adj1" fmla="val 50000"/>
-            </a:avLst>
-          </a:prstGeom>
-          <a:ln>
-            <a:headEnd type="arrow"/>
-            <a:tailEnd type="arrow"/>
-          </a:ln>
-        </p:spPr>
-        <p:style>
-          <a:lnRef idx="2">
-            <a:schemeClr val="accent1"/>
-          </a:lnRef>
-          <a:fillRef idx="0">
-            <a:srgbClr val="FFFFFF"/>
-          </a:fillRef>
-          <a:effectRef idx="0">
-            <a:srgbClr val="FFFFFF"/>
-          </a:effectRef>
-          <a:fontRef idx="minor">
-            <a:schemeClr val="tx1"/>
-          </a:fontRef>
-        </p:style>
-      </p:cxnSp>
     </p:spTree>
   </p:cSld>
   <p:clrMapOvr>
@@ -8978,30 +8924,6 @@
         <p:nvPr/>
       </p:nvGrpSpPr>
       <p:grpSpPr/>
-      <p:pic>
-        <p:nvPicPr>
-          <p:cNvPr id="3" name="Picture 2" descr="Screenshot (31)"/>
-          <p:cNvPicPr>
-            <a:picLocks noChangeAspect="1"/>
-          </p:cNvPicPr>
-          <p:nvPr/>
-        </p:nvPicPr>
-        <p:blipFill>
-          <a:blip r:embed="rId1"/>
-          <a:stretch>
-            <a:fillRect/>
-          </a:stretch>
-        </p:blipFill>
-        <p:spPr>
-          <a:xfrm>
-            <a:off x="1052830" y="714375"/>
-            <a:ext cx="10742930" cy="6039485"/>
-          </a:xfrm>
-          <a:prstGeom prst="rect">
-            <a:avLst/>
-          </a:prstGeom>
-        </p:spPr>
-      </p:pic>
       <p:sp>
         <p:nvSpPr>
           <p:cNvPr id="9" name="Rectangles 8"/>
@@ -9323,6 +9245,456 @@
           </a:p>
         </p:txBody>
       </p:sp>
+      <p:pic>
+        <p:nvPicPr>
+          <p:cNvPr id="6" name="Picture 5" descr="Figure_14"/>
+          <p:cNvPicPr>
+            <a:picLocks noChangeAspect="1"/>
+          </p:cNvPicPr>
+          <p:nvPr/>
+        </p:nvPicPr>
+        <p:blipFill>
+          <a:blip r:embed="rId1"/>
+          <a:stretch>
+            <a:fillRect/>
+          </a:stretch>
+        </p:blipFill>
+        <p:spPr>
+          <a:xfrm>
+            <a:off x="376555" y="909955"/>
+            <a:ext cx="11438890" cy="5552440"/>
+          </a:xfrm>
+          <a:prstGeom prst="rect">
+            <a:avLst/>
+          </a:prstGeom>
+        </p:spPr>
+      </p:pic>
+      <p:sp>
+        <p:nvSpPr>
+          <p:cNvPr id="7" name="Text Box 6"/>
+          <p:cNvSpPr txBox="1"/>
+          <p:nvPr/>
+        </p:nvSpPr>
+        <p:spPr>
+          <a:xfrm>
+            <a:off x="2860675" y="1816735"/>
+            <a:ext cx="601345" cy="273050"/>
+          </a:xfrm>
+          <a:prstGeom prst="rect">
+            <a:avLst/>
+          </a:prstGeom>
+          <a:noFill/>
+        </p:spPr>
+        <p:txBody>
+          <a:bodyPr wrap="square" rtlCol="0">
+            <a:noAutofit/>
+          </a:bodyPr>
+          <a:p>
+            <a:r>
+              <a:rPr lang="en-US" sz="1200">
+                <a:latin typeface="Cambria" panose="02040503050406030204" charset="0"/>
+                <a:cs typeface="Cambria" panose="02040503050406030204" charset="0"/>
+              </a:rPr>
+              <a:t>~10% </a:t>
+            </a:r>
+            <a:endParaRPr lang="en-US" sz="1200">
+              <a:latin typeface="Cambria" panose="02040503050406030204" charset="0"/>
+              <a:cs typeface="Cambria" panose="02040503050406030204" charset="0"/>
+            </a:endParaRPr>
+          </a:p>
+        </p:txBody>
+      </p:sp>
+      <p:cxnSp>
+        <p:nvCxnSpPr>
+          <p:cNvPr id="11" name="Elbow Connector 10"/>
+          <p:cNvCxnSpPr/>
+          <p:nvPr/>
+        </p:nvCxnSpPr>
+        <p:spPr>
+          <a:xfrm rot="5400000" flipV="1">
+            <a:off x="1485900" y="3275965"/>
+            <a:ext cx="2240280" cy="3175"/>
+          </a:xfrm>
+          <a:prstGeom prst="bentConnector3">
+            <a:avLst>
+              <a:gd name="adj1" fmla="val 50014"/>
+            </a:avLst>
+          </a:prstGeom>
+          <a:ln>
+            <a:headEnd type="arrow"/>
+            <a:tailEnd type="arrow"/>
+          </a:ln>
+        </p:spPr>
+        <p:style>
+          <a:lnRef idx="2">
+            <a:schemeClr val="accent1"/>
+          </a:lnRef>
+          <a:fillRef idx="0">
+            <a:srgbClr val="FFFFFF"/>
+          </a:fillRef>
+          <a:effectRef idx="0">
+            <a:srgbClr val="FFFFFF"/>
+          </a:effectRef>
+          <a:fontRef idx="minor">
+            <a:schemeClr val="tx1"/>
+          </a:fontRef>
+        </p:style>
+      </p:cxnSp>
+      <p:sp>
+        <p:nvSpPr>
+          <p:cNvPr id="17" name="Text Box 16"/>
+          <p:cNvSpPr txBox="1"/>
+          <p:nvPr/>
+        </p:nvSpPr>
+        <p:spPr>
+          <a:xfrm>
+            <a:off x="6264910" y="1661160"/>
+            <a:ext cx="601345" cy="273050"/>
+          </a:xfrm>
+          <a:prstGeom prst="rect">
+            <a:avLst/>
+          </a:prstGeom>
+          <a:noFill/>
+        </p:spPr>
+        <p:txBody>
+          <a:bodyPr wrap="square" rtlCol="0">
+            <a:noAutofit/>
+          </a:bodyPr>
+          <a:p>
+            <a:r>
+              <a:rPr lang="en-US" sz="1200">
+                <a:latin typeface="Cambria" panose="02040503050406030204" charset="0"/>
+                <a:cs typeface="Cambria" panose="02040503050406030204" charset="0"/>
+              </a:rPr>
+              <a:t>~10% </a:t>
+            </a:r>
+            <a:endParaRPr lang="en-US" sz="1200">
+              <a:latin typeface="Cambria" panose="02040503050406030204" charset="0"/>
+              <a:cs typeface="Cambria" panose="02040503050406030204" charset="0"/>
+            </a:endParaRPr>
+          </a:p>
+        </p:txBody>
+      </p:sp>
+      <p:cxnSp>
+        <p:nvCxnSpPr>
+          <p:cNvPr id="18" name="Elbow Connector 17"/>
+          <p:cNvCxnSpPr/>
+          <p:nvPr/>
+        </p:nvCxnSpPr>
+        <p:spPr>
+          <a:xfrm rot="5400000" flipV="1">
+            <a:off x="10089515" y="1662430"/>
+            <a:ext cx="325755" cy="3175"/>
+          </a:xfrm>
+          <a:prstGeom prst="bentConnector3">
+            <a:avLst>
+              <a:gd name="adj1" fmla="val 50000"/>
+            </a:avLst>
+          </a:prstGeom>
+          <a:ln>
+            <a:headEnd type="arrow"/>
+            <a:tailEnd type="arrow"/>
+          </a:ln>
+        </p:spPr>
+        <p:style>
+          <a:lnRef idx="2">
+            <a:schemeClr val="accent1"/>
+          </a:lnRef>
+          <a:fillRef idx="0">
+            <a:srgbClr val="FFFFFF"/>
+          </a:fillRef>
+          <a:effectRef idx="0">
+            <a:srgbClr val="FFFFFF"/>
+          </a:effectRef>
+          <a:fontRef idx="minor">
+            <a:schemeClr val="tx1"/>
+          </a:fontRef>
+        </p:style>
+      </p:cxnSp>
+      <p:sp>
+        <p:nvSpPr>
+          <p:cNvPr id="21" name="Text Box 20"/>
+          <p:cNvSpPr txBox="1"/>
+          <p:nvPr/>
+        </p:nvSpPr>
+        <p:spPr>
+          <a:xfrm>
+            <a:off x="9639935" y="1561465"/>
+            <a:ext cx="624840" cy="273050"/>
+          </a:xfrm>
+          <a:prstGeom prst="rect">
+            <a:avLst/>
+          </a:prstGeom>
+          <a:noFill/>
+        </p:spPr>
+        <p:txBody>
+          <a:bodyPr wrap="square" rtlCol="0">
+            <a:noAutofit/>
+          </a:bodyPr>
+          <a:p>
+            <a:r>
+              <a:rPr lang="en-US" sz="1200">
+                <a:latin typeface="Cambria" panose="02040503050406030204" charset="0"/>
+                <a:cs typeface="Cambria" panose="02040503050406030204" charset="0"/>
+              </a:rPr>
+              <a:t>~10% </a:t>
+            </a:r>
+            <a:endParaRPr lang="en-US" sz="1200">
+              <a:latin typeface="Cambria" panose="02040503050406030204" charset="0"/>
+              <a:cs typeface="Cambria" panose="02040503050406030204" charset="0"/>
+            </a:endParaRPr>
+          </a:p>
+        </p:txBody>
+      </p:sp>
+      <p:cxnSp>
+        <p:nvCxnSpPr>
+          <p:cNvPr id="22" name="Elbow Connector 21"/>
+          <p:cNvCxnSpPr/>
+          <p:nvPr/>
+        </p:nvCxnSpPr>
+        <p:spPr>
+          <a:xfrm rot="5400000" flipV="1">
+            <a:off x="6679565" y="1783080"/>
+            <a:ext cx="325755" cy="3175"/>
+          </a:xfrm>
+          <a:prstGeom prst="bentConnector3">
+            <a:avLst>
+              <a:gd name="adj1" fmla="val 50000"/>
+            </a:avLst>
+          </a:prstGeom>
+          <a:ln>
+            <a:headEnd type="arrow"/>
+            <a:tailEnd type="arrow"/>
+          </a:ln>
+        </p:spPr>
+        <p:style>
+          <a:lnRef idx="2">
+            <a:schemeClr val="accent1"/>
+          </a:lnRef>
+          <a:fillRef idx="0">
+            <a:srgbClr val="FFFFFF"/>
+          </a:fillRef>
+          <a:effectRef idx="0">
+            <a:srgbClr val="FFFFFF"/>
+          </a:effectRef>
+          <a:fontRef idx="minor">
+            <a:schemeClr val="tx1"/>
+          </a:fontRef>
+        </p:style>
+      </p:cxnSp>
+      <p:cxnSp>
+        <p:nvCxnSpPr>
+          <p:cNvPr id="3" name="Elbow Connector 2"/>
+          <p:cNvCxnSpPr/>
+          <p:nvPr/>
+        </p:nvCxnSpPr>
+        <p:spPr>
+          <a:xfrm rot="5400000" flipV="1">
+            <a:off x="3304540" y="1955165"/>
+            <a:ext cx="325755" cy="3175"/>
+          </a:xfrm>
+          <a:prstGeom prst="bentConnector3">
+            <a:avLst>
+              <a:gd name="adj1" fmla="val 50000"/>
+            </a:avLst>
+          </a:prstGeom>
+          <a:ln>
+            <a:headEnd type="arrow"/>
+            <a:tailEnd type="arrow"/>
+          </a:ln>
+        </p:spPr>
+        <p:style>
+          <a:lnRef idx="2">
+            <a:schemeClr val="accent1"/>
+          </a:lnRef>
+          <a:fillRef idx="0">
+            <a:srgbClr val="FFFFFF"/>
+          </a:fillRef>
+          <a:effectRef idx="0">
+            <a:srgbClr val="FFFFFF"/>
+          </a:effectRef>
+          <a:fontRef idx="minor">
+            <a:schemeClr val="tx1"/>
+          </a:fontRef>
+        </p:style>
+      </p:cxnSp>
+      <p:sp>
+        <p:nvSpPr>
+          <p:cNvPr id="4" name="Text Box 3"/>
+          <p:cNvSpPr txBox="1"/>
+          <p:nvPr/>
+        </p:nvSpPr>
+        <p:spPr>
+          <a:xfrm>
+            <a:off x="1948180" y="3227705"/>
+            <a:ext cx="731520" cy="201930"/>
+          </a:xfrm>
+          <a:prstGeom prst="rect">
+            <a:avLst/>
+          </a:prstGeom>
+          <a:noFill/>
+        </p:spPr>
+        <p:txBody>
+          <a:bodyPr wrap="square" rtlCol="0">
+            <a:noAutofit/>
+          </a:bodyPr>
+          <a:p>
+            <a:r>
+              <a:rPr lang="en-US" sz="1200">
+                <a:latin typeface="Cambria" panose="02040503050406030204" charset="0"/>
+                <a:cs typeface="Cambria" panose="02040503050406030204" charset="0"/>
+              </a:rPr>
+              <a:t>~150% </a:t>
+            </a:r>
+            <a:endParaRPr lang="en-US" sz="1200">
+              <a:latin typeface="Cambria" panose="02040503050406030204" charset="0"/>
+              <a:cs typeface="Cambria" panose="02040503050406030204" charset="0"/>
+            </a:endParaRPr>
+          </a:p>
+        </p:txBody>
+      </p:sp>
+      <p:sp>
+        <p:nvSpPr>
+          <p:cNvPr id="12" name="Text Box 11"/>
+          <p:cNvSpPr txBox="1"/>
+          <p:nvPr/>
+        </p:nvSpPr>
+        <p:spPr>
+          <a:xfrm>
+            <a:off x="5330190" y="3354705"/>
+            <a:ext cx="731520" cy="201930"/>
+          </a:xfrm>
+          <a:prstGeom prst="rect">
+            <a:avLst/>
+          </a:prstGeom>
+          <a:noFill/>
+        </p:spPr>
+        <p:txBody>
+          <a:bodyPr wrap="square" rtlCol="0">
+            <a:noAutofit/>
+          </a:bodyPr>
+          <a:p>
+            <a:r>
+              <a:rPr lang="en-US" sz="1200">
+                <a:latin typeface="Cambria" panose="02040503050406030204" charset="0"/>
+                <a:cs typeface="Cambria" panose="02040503050406030204" charset="0"/>
+              </a:rPr>
+              <a:t>~160% </a:t>
+            </a:r>
+            <a:endParaRPr lang="en-US" sz="1200">
+              <a:latin typeface="Cambria" panose="02040503050406030204" charset="0"/>
+              <a:cs typeface="Cambria" panose="02040503050406030204" charset="0"/>
+            </a:endParaRPr>
+          </a:p>
+        </p:txBody>
+      </p:sp>
+      <p:cxnSp>
+        <p:nvCxnSpPr>
+          <p:cNvPr id="13" name="Elbow Connector 12"/>
+          <p:cNvCxnSpPr/>
+          <p:nvPr/>
+        </p:nvCxnSpPr>
+        <p:spPr>
+          <a:xfrm rot="5400000">
+            <a:off x="4668520" y="3307080"/>
+            <a:ext cx="2669540" cy="3175"/>
+          </a:xfrm>
+          <a:prstGeom prst="bentConnector3">
+            <a:avLst>
+              <a:gd name="adj1" fmla="val 50012"/>
+            </a:avLst>
+          </a:prstGeom>
+          <a:ln>
+            <a:headEnd type="arrow"/>
+            <a:tailEnd type="arrow"/>
+          </a:ln>
+        </p:spPr>
+        <p:style>
+          <a:lnRef idx="2">
+            <a:schemeClr val="accent1"/>
+          </a:lnRef>
+          <a:fillRef idx="0">
+            <a:srgbClr val="FFFFFF"/>
+          </a:fillRef>
+          <a:effectRef idx="0">
+            <a:srgbClr val="FFFFFF"/>
+          </a:effectRef>
+          <a:fontRef idx="minor">
+            <a:schemeClr val="tx1"/>
+          </a:fontRef>
+        </p:style>
+      </p:cxnSp>
+      <p:cxnSp>
+        <p:nvCxnSpPr>
+          <p:cNvPr id="19" name="Elbow Connector 18"/>
+          <p:cNvCxnSpPr/>
+          <p:nvPr/>
+        </p:nvCxnSpPr>
+        <p:spPr>
+          <a:xfrm rot="5400000">
+            <a:off x="8050530" y="3172460"/>
+            <a:ext cx="2703830" cy="3175"/>
+          </a:xfrm>
+          <a:prstGeom prst="bentConnector3">
+            <a:avLst>
+              <a:gd name="adj1" fmla="val 50012"/>
+            </a:avLst>
+          </a:prstGeom>
+          <a:ln>
+            <a:headEnd type="arrow"/>
+            <a:tailEnd type="arrow"/>
+          </a:ln>
+        </p:spPr>
+        <p:style>
+          <a:lnRef idx="2">
+            <a:schemeClr val="accent1"/>
+          </a:lnRef>
+          <a:fillRef idx="0">
+            <a:srgbClr val="FFFFFF"/>
+          </a:fillRef>
+          <a:effectRef idx="0">
+            <a:srgbClr val="FFFFFF"/>
+          </a:effectRef>
+          <a:fontRef idx="minor">
+            <a:schemeClr val="tx1"/>
+          </a:fontRef>
+        </p:style>
+      </p:cxnSp>
+      <p:sp>
+        <p:nvSpPr>
+          <p:cNvPr id="20" name="Text Box 19"/>
+          <p:cNvSpPr txBox="1"/>
+          <p:nvPr/>
+        </p:nvSpPr>
+        <p:spPr>
+          <a:xfrm>
+            <a:off x="8742680" y="3354705"/>
+            <a:ext cx="731520" cy="201930"/>
+          </a:xfrm>
+          <a:prstGeom prst="rect">
+            <a:avLst/>
+          </a:prstGeom>
+          <a:noFill/>
+        </p:spPr>
+        <p:txBody>
+          <a:bodyPr wrap="square" rtlCol="0">
+            <a:noAutofit/>
+          </a:bodyPr>
+          <a:p>
+            <a:r>
+              <a:rPr lang="en-US" sz="1200">
+                <a:latin typeface="Cambria" panose="02040503050406030204" charset="0"/>
+                <a:cs typeface="Cambria" panose="02040503050406030204" charset="0"/>
+              </a:rPr>
+              <a:t>~155% </a:t>
+            </a:r>
+            <a:endParaRPr lang="en-US" sz="1200">
+              <a:latin typeface="Cambria" panose="02040503050406030204" charset="0"/>
+              <a:cs typeface="Cambria" panose="02040503050406030204" charset="0"/>
+            </a:endParaRPr>
+          </a:p>
+        </p:txBody>
+      </p:sp>
     </p:spTree>
   </p:cSld>
   <p:clrMapOvr>
@@ -9332,6 +9704,1051 @@
 </file>
 
 <file path=ppt/slides/slide21.xml><?xml version="1.0" encoding="utf-8"?>
+<p:sld xmlns:a="http://schemas.openxmlformats.org/drawingml/2006/main" xmlns:r="http://schemas.openxmlformats.org/officeDocument/2006/relationships" xmlns:p="http://schemas.openxmlformats.org/presentationml/2006/main">
+  <p:cSld>
+    <p:spTree>
+      <p:nvGrpSpPr>
+        <p:cNvPr id="1" name=""/>
+        <p:cNvGrpSpPr/>
+        <p:nvPr/>
+      </p:nvGrpSpPr>
+      <p:grpSpPr/>
+      <p:pic>
+        <p:nvPicPr>
+          <p:cNvPr id="3" name="Picture 2" descr="Screenshot (31)"/>
+          <p:cNvPicPr>
+            <a:picLocks noChangeAspect="1"/>
+          </p:cNvPicPr>
+          <p:nvPr/>
+        </p:nvPicPr>
+        <p:blipFill>
+          <a:blip r:embed="rId1"/>
+          <a:stretch>
+            <a:fillRect/>
+          </a:stretch>
+        </p:blipFill>
+        <p:spPr>
+          <a:xfrm>
+            <a:off x="731520" y="714375"/>
+            <a:ext cx="10742930" cy="6039485"/>
+          </a:xfrm>
+          <a:prstGeom prst="rect">
+            <a:avLst/>
+          </a:prstGeom>
+        </p:spPr>
+      </p:pic>
+      <p:sp>
+        <p:nvSpPr>
+          <p:cNvPr id="9" name="Rectangles 8"/>
+          <p:cNvSpPr/>
+          <p:nvPr/>
+        </p:nvSpPr>
+        <p:spPr>
+          <a:xfrm>
+            <a:off x="0" y="6985"/>
+            <a:ext cx="1132840" cy="199390"/>
+          </a:xfrm>
+          <a:prstGeom prst="rect">
+            <a:avLst/>
+          </a:prstGeom>
+          <a:solidFill>
+            <a:srgbClr val="FFC000"/>
+          </a:solidFill>
+          <a:ln>
+            <a:solidFill>
+              <a:srgbClr val="FFC000"/>
+            </a:solidFill>
+          </a:ln>
+        </p:spPr>
+        <p:style>
+          <a:lnRef idx="2">
+            <a:schemeClr val="accent1">
+              <a:lumMod val="75000"/>
+            </a:schemeClr>
+          </a:lnRef>
+          <a:fillRef idx="1">
+            <a:schemeClr val="accent1"/>
+          </a:fillRef>
+          <a:effectRef idx="0">
+            <a:srgbClr val="FFFFFF"/>
+          </a:effectRef>
+          <a:fontRef idx="minor">
+            <a:schemeClr val="lt1"/>
+          </a:fontRef>
+        </p:style>
+        <p:txBody>
+          <a:bodyPr rtlCol="0" anchor="ctr"/>
+          <a:p>
+            <a:pPr algn="ctr"/>
+            <a:endParaRPr lang="en-US"/>
+          </a:p>
+        </p:txBody>
+      </p:sp>
+      <p:sp>
+        <p:nvSpPr>
+          <p:cNvPr id="14" name="Oval 13"/>
+          <p:cNvSpPr/>
+          <p:nvPr/>
+        </p:nvSpPr>
+        <p:spPr>
+          <a:xfrm>
+            <a:off x="1217930" y="37465"/>
+            <a:ext cx="153035" cy="153670"/>
+          </a:xfrm>
+          <a:prstGeom prst="ellipse">
+            <a:avLst/>
+          </a:prstGeom>
+          <a:solidFill>
+            <a:srgbClr val="FFC000"/>
+          </a:solidFill>
+          <a:ln>
+            <a:solidFill>
+              <a:srgbClr val="FFC000"/>
+            </a:solidFill>
+          </a:ln>
+        </p:spPr>
+        <p:style>
+          <a:lnRef idx="2">
+            <a:schemeClr val="accent1">
+              <a:lumMod val="75000"/>
+            </a:schemeClr>
+          </a:lnRef>
+          <a:fillRef idx="1">
+            <a:schemeClr val="accent1"/>
+          </a:fillRef>
+          <a:effectRef idx="0">
+            <a:srgbClr val="FFFFFF"/>
+          </a:effectRef>
+          <a:fontRef idx="minor">
+            <a:schemeClr val="lt1"/>
+          </a:fontRef>
+        </p:style>
+        <p:txBody>
+          <a:bodyPr rtlCol="0" anchor="ctr"/>
+          <a:p>
+            <a:pPr algn="ctr"/>
+            <a:endParaRPr lang="en-US"/>
+          </a:p>
+        </p:txBody>
+      </p:sp>
+      <p:sp>
+        <p:nvSpPr>
+          <p:cNvPr id="15" name="Rectangles 14"/>
+          <p:cNvSpPr/>
+          <p:nvPr/>
+        </p:nvSpPr>
+        <p:spPr>
+          <a:xfrm>
+            <a:off x="11051540" y="6658610"/>
+            <a:ext cx="1132840" cy="199390"/>
+          </a:xfrm>
+          <a:prstGeom prst="rect">
+            <a:avLst/>
+          </a:prstGeom>
+          <a:solidFill>
+            <a:srgbClr val="FFC000"/>
+          </a:solidFill>
+          <a:ln>
+            <a:solidFill>
+              <a:srgbClr val="FFC000"/>
+            </a:solidFill>
+          </a:ln>
+        </p:spPr>
+        <p:style>
+          <a:lnRef idx="2">
+            <a:schemeClr val="accent1">
+              <a:lumMod val="75000"/>
+            </a:schemeClr>
+          </a:lnRef>
+          <a:fillRef idx="1">
+            <a:schemeClr val="accent1"/>
+          </a:fillRef>
+          <a:effectRef idx="0">
+            <a:srgbClr val="FFFFFF"/>
+          </a:effectRef>
+          <a:fontRef idx="minor">
+            <a:schemeClr val="lt1"/>
+          </a:fontRef>
+        </p:style>
+        <p:txBody>
+          <a:bodyPr rtlCol="0" anchor="ctr"/>
+          <a:p>
+            <a:pPr algn="ctr"/>
+            <a:endParaRPr lang="en-US"/>
+          </a:p>
+        </p:txBody>
+      </p:sp>
+      <p:sp>
+        <p:nvSpPr>
+          <p:cNvPr id="16" name="Oval 15"/>
+          <p:cNvSpPr/>
+          <p:nvPr/>
+        </p:nvSpPr>
+        <p:spPr>
+          <a:xfrm>
+            <a:off x="10789285" y="6673850"/>
+            <a:ext cx="153035" cy="153670"/>
+          </a:xfrm>
+          <a:prstGeom prst="ellipse">
+            <a:avLst/>
+          </a:prstGeom>
+          <a:solidFill>
+            <a:srgbClr val="FFC000"/>
+          </a:solidFill>
+          <a:ln>
+            <a:solidFill>
+              <a:srgbClr val="FFC000"/>
+            </a:solidFill>
+          </a:ln>
+        </p:spPr>
+        <p:style>
+          <a:lnRef idx="2">
+            <a:schemeClr val="accent1">
+              <a:lumMod val="75000"/>
+            </a:schemeClr>
+          </a:lnRef>
+          <a:fillRef idx="1">
+            <a:schemeClr val="accent1"/>
+          </a:fillRef>
+          <a:effectRef idx="0">
+            <a:srgbClr val="FFFFFF"/>
+          </a:effectRef>
+          <a:fontRef idx="minor">
+            <a:schemeClr val="lt1"/>
+          </a:fontRef>
+        </p:style>
+        <p:txBody>
+          <a:bodyPr rtlCol="0" anchor="ctr"/>
+          <a:p>
+            <a:pPr algn="ctr"/>
+            <a:endParaRPr lang="en-US"/>
+          </a:p>
+        </p:txBody>
+      </p:sp>
+      <p:sp>
+        <p:nvSpPr>
+          <p:cNvPr id="8" name="Rectangles 7"/>
+          <p:cNvSpPr/>
+          <p:nvPr/>
+        </p:nvSpPr>
+        <p:spPr>
+          <a:xfrm>
+            <a:off x="11070590" y="6670040"/>
+            <a:ext cx="1132840" cy="199390"/>
+          </a:xfrm>
+          <a:prstGeom prst="rect">
+            <a:avLst/>
+          </a:prstGeom>
+          <a:solidFill>
+            <a:srgbClr val="FFC000"/>
+          </a:solidFill>
+          <a:ln>
+            <a:solidFill>
+              <a:srgbClr val="FFC000"/>
+            </a:solidFill>
+          </a:ln>
+        </p:spPr>
+        <p:style>
+          <a:lnRef idx="2">
+            <a:schemeClr val="accent1">
+              <a:lumMod val="75000"/>
+            </a:schemeClr>
+          </a:lnRef>
+          <a:fillRef idx="1">
+            <a:schemeClr val="accent1"/>
+          </a:fillRef>
+          <a:effectRef idx="0">
+            <a:srgbClr val="FFFFFF"/>
+          </a:effectRef>
+          <a:fontRef idx="minor">
+            <a:schemeClr val="lt1"/>
+          </a:fontRef>
+        </p:style>
+        <p:txBody>
+          <a:bodyPr rtlCol="0" anchor="ctr"/>
+          <a:p>
+            <a:pPr algn="ctr"/>
+            <a:endParaRPr lang="en-US"/>
+          </a:p>
+        </p:txBody>
+      </p:sp>
+      <p:sp>
+        <p:nvSpPr>
+          <p:cNvPr id="10" name="Oval 9"/>
+          <p:cNvSpPr/>
+          <p:nvPr/>
+        </p:nvSpPr>
+        <p:spPr>
+          <a:xfrm>
+            <a:off x="10789285" y="6658610"/>
+            <a:ext cx="153035" cy="153670"/>
+          </a:xfrm>
+          <a:prstGeom prst="ellipse">
+            <a:avLst/>
+          </a:prstGeom>
+          <a:solidFill>
+            <a:srgbClr val="FFC000"/>
+          </a:solidFill>
+          <a:ln>
+            <a:solidFill>
+              <a:srgbClr val="FFC000"/>
+            </a:solidFill>
+          </a:ln>
+        </p:spPr>
+        <p:style>
+          <a:lnRef idx="2">
+            <a:schemeClr val="accent1">
+              <a:lumMod val="75000"/>
+            </a:schemeClr>
+          </a:lnRef>
+          <a:fillRef idx="1">
+            <a:schemeClr val="accent1"/>
+          </a:fillRef>
+          <a:effectRef idx="0">
+            <a:srgbClr val="FFFFFF"/>
+          </a:effectRef>
+          <a:fontRef idx="minor">
+            <a:schemeClr val="lt1"/>
+          </a:fontRef>
+        </p:style>
+        <p:txBody>
+          <a:bodyPr rtlCol="0" anchor="ctr"/>
+          <a:p>
+            <a:pPr algn="ctr"/>
+            <a:endParaRPr lang="en-US"/>
+          </a:p>
+        </p:txBody>
+      </p:sp>
+      <p:sp>
+        <p:nvSpPr>
+          <p:cNvPr id="2" name="Text Box 1"/>
+          <p:cNvSpPr txBox="1"/>
+          <p:nvPr/>
+        </p:nvSpPr>
+        <p:spPr>
+          <a:xfrm>
+            <a:off x="4335145" y="179070"/>
+            <a:ext cx="4016375" cy="730885"/>
+          </a:xfrm>
+          <a:prstGeom prst="rect">
+            <a:avLst/>
+          </a:prstGeom>
+          <a:noFill/>
+        </p:spPr>
+        <p:txBody>
+          <a:bodyPr wrap="square" rtlCol="0">
+            <a:noAutofit/>
+          </a:bodyPr>
+          <a:p>
+            <a:pPr indent="0">
+              <a:buFont typeface="+mj-lt"/>
+              <a:buNone/>
+            </a:pPr>
+            <a:r>
+              <a:rPr lang="en-US" altLang="en-US" sz="3200" b="1">
+                <a:latin typeface="Cambria" panose="02040503050406030204" charset="0"/>
+                <a:cs typeface="Cambria" panose="02040503050406030204" charset="0"/>
+              </a:rPr>
+              <a:t>Simulation Results</a:t>
+            </a:r>
+            <a:endParaRPr lang="en-US" altLang="en-US" sz="3200" b="1">
+              <a:latin typeface="Cambria" panose="02040503050406030204" charset="0"/>
+              <a:cs typeface="Cambria" panose="02040503050406030204" charset="0"/>
+            </a:endParaRPr>
+          </a:p>
+        </p:txBody>
+      </p:sp>
+    </p:spTree>
+  </p:cSld>
+  <p:clrMapOvr>
+    <a:masterClrMapping/>
+  </p:clrMapOvr>
+</p:sld>
+</file>
+
+<file path=ppt/slides/slide22.xml><?xml version="1.0" encoding="utf-8"?>
+<p:sld xmlns:a="http://schemas.openxmlformats.org/drawingml/2006/main" xmlns:r="http://schemas.openxmlformats.org/officeDocument/2006/relationships" xmlns:p="http://schemas.openxmlformats.org/presentationml/2006/main">
+  <p:cSld>
+    <p:spTree>
+      <p:nvGrpSpPr>
+        <p:cNvPr id="1" name=""/>
+        <p:cNvGrpSpPr/>
+        <p:nvPr/>
+      </p:nvGrpSpPr>
+      <p:grpSpPr/>
+      <p:sp>
+        <p:nvSpPr>
+          <p:cNvPr id="9" name="Rectangles 8"/>
+          <p:cNvSpPr/>
+          <p:nvPr/>
+        </p:nvSpPr>
+        <p:spPr>
+          <a:xfrm>
+            <a:off x="0" y="6985"/>
+            <a:ext cx="1132840" cy="199390"/>
+          </a:xfrm>
+          <a:prstGeom prst="rect">
+            <a:avLst/>
+          </a:prstGeom>
+          <a:solidFill>
+            <a:srgbClr val="FFC000"/>
+          </a:solidFill>
+          <a:ln>
+            <a:solidFill>
+              <a:srgbClr val="FFC000"/>
+            </a:solidFill>
+          </a:ln>
+        </p:spPr>
+        <p:style>
+          <a:lnRef idx="2">
+            <a:schemeClr val="accent1">
+              <a:lumMod val="75000"/>
+            </a:schemeClr>
+          </a:lnRef>
+          <a:fillRef idx="1">
+            <a:schemeClr val="accent1"/>
+          </a:fillRef>
+          <a:effectRef idx="0">
+            <a:srgbClr val="FFFFFF"/>
+          </a:effectRef>
+          <a:fontRef idx="minor">
+            <a:schemeClr val="lt1"/>
+          </a:fontRef>
+        </p:style>
+        <p:txBody>
+          <a:bodyPr rtlCol="0" anchor="ctr"/>
+          <a:p>
+            <a:pPr algn="ctr"/>
+            <a:endParaRPr lang="en-US"/>
+          </a:p>
+        </p:txBody>
+      </p:sp>
+      <p:sp>
+        <p:nvSpPr>
+          <p:cNvPr id="14" name="Oval 13"/>
+          <p:cNvSpPr/>
+          <p:nvPr/>
+        </p:nvSpPr>
+        <p:spPr>
+          <a:xfrm>
+            <a:off x="1217930" y="37465"/>
+            <a:ext cx="153035" cy="153670"/>
+          </a:xfrm>
+          <a:prstGeom prst="ellipse">
+            <a:avLst/>
+          </a:prstGeom>
+          <a:solidFill>
+            <a:srgbClr val="FFC000"/>
+          </a:solidFill>
+          <a:ln>
+            <a:solidFill>
+              <a:srgbClr val="FFC000"/>
+            </a:solidFill>
+          </a:ln>
+        </p:spPr>
+        <p:style>
+          <a:lnRef idx="2">
+            <a:schemeClr val="accent1">
+              <a:lumMod val="75000"/>
+            </a:schemeClr>
+          </a:lnRef>
+          <a:fillRef idx="1">
+            <a:schemeClr val="accent1"/>
+          </a:fillRef>
+          <a:effectRef idx="0">
+            <a:srgbClr val="FFFFFF"/>
+          </a:effectRef>
+          <a:fontRef idx="minor">
+            <a:schemeClr val="lt1"/>
+          </a:fontRef>
+        </p:style>
+        <p:txBody>
+          <a:bodyPr rtlCol="0" anchor="ctr"/>
+          <a:p>
+            <a:pPr algn="ctr"/>
+            <a:endParaRPr lang="en-US"/>
+          </a:p>
+        </p:txBody>
+      </p:sp>
+      <p:sp>
+        <p:nvSpPr>
+          <p:cNvPr id="15" name="Rectangles 14"/>
+          <p:cNvSpPr/>
+          <p:nvPr/>
+        </p:nvSpPr>
+        <p:spPr>
+          <a:xfrm>
+            <a:off x="11051540" y="6658610"/>
+            <a:ext cx="1132840" cy="199390"/>
+          </a:xfrm>
+          <a:prstGeom prst="rect">
+            <a:avLst/>
+          </a:prstGeom>
+          <a:solidFill>
+            <a:srgbClr val="FFC000"/>
+          </a:solidFill>
+          <a:ln>
+            <a:solidFill>
+              <a:srgbClr val="FFC000"/>
+            </a:solidFill>
+          </a:ln>
+        </p:spPr>
+        <p:style>
+          <a:lnRef idx="2">
+            <a:schemeClr val="accent1">
+              <a:lumMod val="75000"/>
+            </a:schemeClr>
+          </a:lnRef>
+          <a:fillRef idx="1">
+            <a:schemeClr val="accent1"/>
+          </a:fillRef>
+          <a:effectRef idx="0">
+            <a:srgbClr val="FFFFFF"/>
+          </a:effectRef>
+          <a:fontRef idx="minor">
+            <a:schemeClr val="lt1"/>
+          </a:fontRef>
+        </p:style>
+        <p:txBody>
+          <a:bodyPr rtlCol="0" anchor="ctr"/>
+          <a:p>
+            <a:pPr algn="ctr"/>
+            <a:endParaRPr lang="en-US"/>
+          </a:p>
+        </p:txBody>
+      </p:sp>
+      <p:sp>
+        <p:nvSpPr>
+          <p:cNvPr id="16" name="Oval 15"/>
+          <p:cNvSpPr/>
+          <p:nvPr/>
+        </p:nvSpPr>
+        <p:spPr>
+          <a:xfrm>
+            <a:off x="10789285" y="6673850"/>
+            <a:ext cx="153035" cy="153670"/>
+          </a:xfrm>
+          <a:prstGeom prst="ellipse">
+            <a:avLst/>
+          </a:prstGeom>
+          <a:solidFill>
+            <a:srgbClr val="FFC000"/>
+          </a:solidFill>
+          <a:ln>
+            <a:solidFill>
+              <a:srgbClr val="FFC000"/>
+            </a:solidFill>
+          </a:ln>
+        </p:spPr>
+        <p:style>
+          <a:lnRef idx="2">
+            <a:schemeClr val="accent1">
+              <a:lumMod val="75000"/>
+            </a:schemeClr>
+          </a:lnRef>
+          <a:fillRef idx="1">
+            <a:schemeClr val="accent1"/>
+          </a:fillRef>
+          <a:effectRef idx="0">
+            <a:srgbClr val="FFFFFF"/>
+          </a:effectRef>
+          <a:fontRef idx="minor">
+            <a:schemeClr val="lt1"/>
+          </a:fontRef>
+        </p:style>
+        <p:txBody>
+          <a:bodyPr rtlCol="0" anchor="ctr"/>
+          <a:p>
+            <a:pPr algn="ctr"/>
+            <a:endParaRPr lang="en-US"/>
+          </a:p>
+        </p:txBody>
+      </p:sp>
+      <p:sp>
+        <p:nvSpPr>
+          <p:cNvPr id="8" name="Rectangles 7"/>
+          <p:cNvSpPr/>
+          <p:nvPr/>
+        </p:nvSpPr>
+        <p:spPr>
+          <a:xfrm>
+            <a:off x="11070590" y="6670040"/>
+            <a:ext cx="1132840" cy="199390"/>
+          </a:xfrm>
+          <a:prstGeom prst="rect">
+            <a:avLst/>
+          </a:prstGeom>
+          <a:solidFill>
+            <a:srgbClr val="FFC000"/>
+          </a:solidFill>
+          <a:ln>
+            <a:solidFill>
+              <a:srgbClr val="FFC000"/>
+            </a:solidFill>
+          </a:ln>
+        </p:spPr>
+        <p:style>
+          <a:lnRef idx="2">
+            <a:schemeClr val="accent1">
+              <a:lumMod val="75000"/>
+            </a:schemeClr>
+          </a:lnRef>
+          <a:fillRef idx="1">
+            <a:schemeClr val="accent1"/>
+          </a:fillRef>
+          <a:effectRef idx="0">
+            <a:srgbClr val="FFFFFF"/>
+          </a:effectRef>
+          <a:fontRef idx="minor">
+            <a:schemeClr val="lt1"/>
+          </a:fontRef>
+        </p:style>
+        <p:txBody>
+          <a:bodyPr rtlCol="0" anchor="ctr"/>
+          <a:p>
+            <a:pPr algn="ctr"/>
+            <a:endParaRPr lang="en-US"/>
+          </a:p>
+        </p:txBody>
+      </p:sp>
+      <p:sp>
+        <p:nvSpPr>
+          <p:cNvPr id="10" name="Oval 9"/>
+          <p:cNvSpPr/>
+          <p:nvPr/>
+        </p:nvSpPr>
+        <p:spPr>
+          <a:xfrm>
+            <a:off x="10789285" y="6658610"/>
+            <a:ext cx="153035" cy="153670"/>
+          </a:xfrm>
+          <a:prstGeom prst="ellipse">
+            <a:avLst/>
+          </a:prstGeom>
+          <a:solidFill>
+            <a:srgbClr val="FFC000"/>
+          </a:solidFill>
+          <a:ln>
+            <a:solidFill>
+              <a:srgbClr val="FFC000"/>
+            </a:solidFill>
+          </a:ln>
+        </p:spPr>
+        <p:style>
+          <a:lnRef idx="2">
+            <a:schemeClr val="accent1">
+              <a:lumMod val="75000"/>
+            </a:schemeClr>
+          </a:lnRef>
+          <a:fillRef idx="1">
+            <a:schemeClr val="accent1"/>
+          </a:fillRef>
+          <a:effectRef idx="0">
+            <a:srgbClr val="FFFFFF"/>
+          </a:effectRef>
+          <a:fontRef idx="minor">
+            <a:schemeClr val="lt1"/>
+          </a:fontRef>
+        </p:style>
+        <p:txBody>
+          <a:bodyPr rtlCol="0" anchor="ctr"/>
+          <a:p>
+            <a:pPr algn="ctr"/>
+            <a:endParaRPr lang="en-US"/>
+          </a:p>
+        </p:txBody>
+      </p:sp>
+      <p:sp>
+        <p:nvSpPr>
+          <p:cNvPr id="2" name="Text Box 1"/>
+          <p:cNvSpPr txBox="1"/>
+          <p:nvPr/>
+        </p:nvSpPr>
+        <p:spPr>
+          <a:xfrm>
+            <a:off x="4930775" y="193040"/>
+            <a:ext cx="2331085" cy="730885"/>
+          </a:xfrm>
+          <a:prstGeom prst="rect">
+            <a:avLst/>
+          </a:prstGeom>
+          <a:noFill/>
+        </p:spPr>
+        <p:txBody>
+          <a:bodyPr wrap="square" rtlCol="0">
+            <a:noAutofit/>
+          </a:bodyPr>
+          <a:p>
+            <a:pPr indent="0">
+              <a:buFont typeface="+mj-lt"/>
+              <a:buNone/>
+            </a:pPr>
+            <a:r>
+              <a:rPr lang="en-US" altLang="en-US" sz="3200" b="1">
+                <a:latin typeface="Cambria" panose="02040503050406030204" charset="0"/>
+                <a:cs typeface="Cambria" panose="02040503050406030204" charset="0"/>
+              </a:rPr>
+              <a:t>Conclusion</a:t>
+            </a:r>
+            <a:endParaRPr lang="en-US" altLang="en-US" sz="3200" b="1">
+              <a:latin typeface="Cambria" panose="02040503050406030204" charset="0"/>
+              <a:cs typeface="Cambria" panose="02040503050406030204" charset="0"/>
+            </a:endParaRPr>
+          </a:p>
+        </p:txBody>
+      </p:sp>
+      <p:sp>
+        <p:nvSpPr>
+          <p:cNvPr id="4" name="Text Box 3"/>
+          <p:cNvSpPr txBox="1"/>
+          <p:nvPr/>
+        </p:nvSpPr>
+        <p:spPr>
+          <a:xfrm>
+            <a:off x="1370330" y="987425"/>
+            <a:ext cx="9418955" cy="5492750"/>
+          </a:xfrm>
+          <a:prstGeom prst="rect">
+            <a:avLst/>
+          </a:prstGeom>
+          <a:noFill/>
+        </p:spPr>
+        <p:txBody>
+          <a:bodyPr wrap="square" rtlCol="0">
+            <a:noAutofit/>
+          </a:bodyPr>
+          <a:p>
+            <a:pPr marL="285750" indent="-285750">
+              <a:buFont typeface="Wingdings" panose="05000000000000000000" charset="0"/>
+              <a:buChar char="v"/>
+            </a:pPr>
+            <a:r>
+              <a:rPr lang="en-US" altLang="en-US">
+                <a:latin typeface="Cambria" panose="02040503050406030204" charset="0"/>
+                <a:cs typeface="Cambria" panose="02040503050406030204" charset="0"/>
+              </a:rPr>
+              <a:t>Enhanced DEECP improves over baseline DEECP by introducing three-level energy model and distance-aware CH selection, but still relies on static thresholds that limits adaptability.</a:t>
+            </a:r>
+            <a:endParaRPr lang="en-US" altLang="en-US">
+              <a:latin typeface="Cambria" panose="02040503050406030204" charset="0"/>
+              <a:cs typeface="Cambria" panose="02040503050406030204" charset="0"/>
+            </a:endParaRPr>
+          </a:p>
+          <a:p>
+            <a:pPr marL="285750" indent="-285750">
+              <a:buFont typeface="Wingdings" panose="05000000000000000000" charset="0"/>
+              <a:buChar char="v"/>
+            </a:pPr>
+            <a:endParaRPr lang="en-US" altLang="en-US">
+              <a:latin typeface="Cambria" panose="02040503050406030204" charset="0"/>
+              <a:cs typeface="Cambria" panose="02040503050406030204" charset="0"/>
+            </a:endParaRPr>
+          </a:p>
+          <a:p>
+            <a:pPr marL="285750" indent="-285750">
+              <a:buFont typeface="Wingdings" panose="05000000000000000000" charset="0"/>
+              <a:buChar char="v"/>
+            </a:pPr>
+            <a:r>
+              <a:rPr lang="en-US" altLang="en-US">
+                <a:latin typeface="Cambria" panose="02040503050406030204" charset="0"/>
+                <a:cs typeface="Cambria" panose="02040503050406030204" charset="0"/>
+              </a:rPr>
+              <a:t>QL-DEECP integrates Q-Learning into CH selection:</a:t>
+            </a:r>
+            <a:endParaRPr lang="en-US" altLang="en-US">
+              <a:latin typeface="Cambria" panose="02040503050406030204" charset="0"/>
+              <a:cs typeface="Cambria" panose="02040503050406030204" charset="0"/>
+            </a:endParaRPr>
+          </a:p>
+          <a:p>
+            <a:pPr marL="742950" lvl="1" indent="-285750">
+              <a:buFont typeface="Arial" panose="020B0604020202020204" pitchFamily="34" charset="0"/>
+              <a:buChar char="•"/>
+            </a:pPr>
+            <a:r>
+              <a:rPr lang="en-US" altLang="en-US">
+                <a:latin typeface="Cambria" panose="02040503050406030204" charset="0"/>
+                <a:cs typeface="Cambria" panose="02040503050406030204" charset="0"/>
+                <a:sym typeface="+mn-ea"/>
+              </a:rPr>
+              <a:t>Adaptive &amp; dynamic decision-making.</a:t>
+            </a:r>
+            <a:endParaRPr lang="en-US" altLang="en-US">
+              <a:latin typeface="Cambria" panose="02040503050406030204" charset="0"/>
+              <a:cs typeface="Cambria" panose="02040503050406030204" charset="0"/>
+            </a:endParaRPr>
+          </a:p>
+          <a:p>
+            <a:pPr marL="742950" lvl="1" indent="-285750">
+              <a:buFont typeface="Arial" panose="020B0604020202020204" pitchFamily="34" charset="0"/>
+              <a:buChar char="•"/>
+            </a:pPr>
+            <a:r>
+              <a:rPr lang="en-US" altLang="en-US">
+                <a:latin typeface="Cambria" panose="02040503050406030204" charset="0"/>
+                <a:cs typeface="Cambria" panose="02040503050406030204" charset="0"/>
+                <a:sym typeface="+mn-ea"/>
+              </a:rPr>
+              <a:t>Balances energy consumption across nodes.</a:t>
+            </a:r>
+            <a:endParaRPr lang="en-US" altLang="en-US">
+              <a:latin typeface="Cambria" panose="02040503050406030204" charset="0"/>
+              <a:cs typeface="Cambria" panose="02040503050406030204" charset="0"/>
+            </a:endParaRPr>
+          </a:p>
+          <a:p>
+            <a:pPr marL="742950" lvl="1" indent="-285750">
+              <a:buFont typeface="Arial" panose="020B0604020202020204" pitchFamily="34" charset="0"/>
+              <a:buChar char="•"/>
+            </a:pPr>
+            <a:r>
+              <a:rPr lang="en-US" altLang="en-US">
+                <a:latin typeface="Cambria" panose="02040503050406030204" charset="0"/>
+                <a:cs typeface="Cambria" panose="02040503050406030204" charset="0"/>
+                <a:sym typeface="+mn-ea"/>
+              </a:rPr>
+              <a:t>Improves fairness in CH election.</a:t>
+            </a:r>
+            <a:endParaRPr lang="en-US" altLang="en-US">
+              <a:latin typeface="Cambria" panose="02040503050406030204" charset="0"/>
+              <a:cs typeface="Cambria" panose="02040503050406030204" charset="0"/>
+            </a:endParaRPr>
+          </a:p>
+          <a:p>
+            <a:pPr marL="285750" indent="-285750">
+              <a:buFont typeface="Wingdings" panose="05000000000000000000" charset="0"/>
+              <a:buChar char="v"/>
+            </a:pPr>
+            <a:endParaRPr lang="en-US" altLang="en-US">
+              <a:latin typeface="Cambria" panose="02040503050406030204" charset="0"/>
+              <a:cs typeface="Cambria" panose="02040503050406030204" charset="0"/>
+            </a:endParaRPr>
+          </a:p>
+          <a:p>
+            <a:pPr marL="285750" indent="-285750">
+              <a:buFont typeface="Wingdings" panose="05000000000000000000" charset="0"/>
+              <a:buChar char="v"/>
+            </a:pPr>
+            <a:r>
+              <a:rPr lang="en-US" altLang="en-US">
+                <a:latin typeface="Cambria" panose="02040503050406030204" charset="0"/>
+                <a:cs typeface="Cambria" panose="02040503050406030204" charset="0"/>
+              </a:rPr>
+              <a:t>QL-DEECP vs Baseline DEECP</a:t>
+            </a:r>
+            <a:endParaRPr lang="en-US" altLang="en-US">
+              <a:latin typeface="Cambria" panose="02040503050406030204" charset="0"/>
+              <a:cs typeface="Cambria" panose="02040503050406030204" charset="0"/>
+            </a:endParaRPr>
+          </a:p>
+          <a:p>
+            <a:pPr marL="742950" lvl="1" indent="-285750">
+              <a:buFont typeface="Arial" panose="020B0604020202020204" pitchFamily="34" charset="0"/>
+              <a:buChar char="•"/>
+            </a:pPr>
+            <a:r>
+              <a:rPr lang="en-US" altLang="en-US">
+                <a:latin typeface="Cambria" panose="02040503050406030204" charset="0"/>
+                <a:cs typeface="Cambria" panose="02040503050406030204" charset="0"/>
+              </a:rPr>
+              <a:t>+160% Network Lifetime</a:t>
+            </a:r>
+            <a:endParaRPr lang="en-US" altLang="en-US">
+              <a:latin typeface="Cambria" panose="02040503050406030204" charset="0"/>
+              <a:cs typeface="Cambria" panose="02040503050406030204" charset="0"/>
+            </a:endParaRPr>
+          </a:p>
+          <a:p>
+            <a:pPr marL="742950" lvl="1" indent="-285750">
+              <a:buFont typeface="Arial" panose="020B0604020202020204" pitchFamily="34" charset="0"/>
+              <a:buChar char="•"/>
+            </a:pPr>
+            <a:r>
+              <a:rPr lang="en-US" altLang="en-US">
+                <a:latin typeface="Cambria" panose="02040503050406030204" charset="0"/>
+                <a:cs typeface="Cambria" panose="02040503050406030204" charset="0"/>
+              </a:rPr>
+              <a:t>+140% Throughput</a:t>
+            </a:r>
+            <a:endParaRPr lang="en-US" altLang="en-US">
+              <a:latin typeface="Cambria" panose="02040503050406030204" charset="0"/>
+              <a:cs typeface="Cambria" panose="02040503050406030204" charset="0"/>
+            </a:endParaRPr>
+          </a:p>
+          <a:p>
+            <a:pPr marL="285750" indent="-285750">
+              <a:buFont typeface="Wingdings" panose="05000000000000000000" charset="0"/>
+              <a:buChar char="v"/>
+            </a:pPr>
+            <a:endParaRPr lang="en-US" altLang="en-US">
+              <a:latin typeface="Cambria" panose="02040503050406030204" charset="0"/>
+              <a:cs typeface="Cambria" panose="02040503050406030204" charset="0"/>
+            </a:endParaRPr>
+          </a:p>
+          <a:p>
+            <a:pPr marL="285750" indent="-285750">
+              <a:buFont typeface="Wingdings" panose="05000000000000000000" charset="0"/>
+              <a:buChar char="v"/>
+            </a:pPr>
+            <a:r>
+              <a:rPr lang="en-US" altLang="en-US">
+                <a:latin typeface="Cambria" panose="02040503050406030204" charset="0"/>
+                <a:cs typeface="Cambria" panose="02040503050406030204" charset="0"/>
+              </a:rPr>
+              <a:t>QL-DEECP vs Enhanced DEECP (E-DEECP)</a:t>
+            </a:r>
+            <a:endParaRPr lang="en-US" altLang="en-US">
+              <a:latin typeface="Cambria" panose="02040503050406030204" charset="0"/>
+              <a:cs typeface="Cambria" panose="02040503050406030204" charset="0"/>
+            </a:endParaRPr>
+          </a:p>
+          <a:p>
+            <a:pPr marL="742950" lvl="1" indent="-285750">
+              <a:buFont typeface="Arial" panose="020B0604020202020204" pitchFamily="34" charset="0"/>
+              <a:buChar char="•"/>
+            </a:pPr>
+            <a:r>
+              <a:rPr lang="en-US" altLang="en-US">
+                <a:latin typeface="Cambria" panose="02040503050406030204" charset="0"/>
+                <a:cs typeface="Cambria" panose="02040503050406030204" charset="0"/>
+              </a:rPr>
+              <a:t>+10% Network Lifetime</a:t>
+            </a:r>
+            <a:endParaRPr lang="en-US" altLang="en-US">
+              <a:latin typeface="Cambria" panose="02040503050406030204" charset="0"/>
+              <a:cs typeface="Cambria" panose="02040503050406030204" charset="0"/>
+            </a:endParaRPr>
+          </a:p>
+          <a:p>
+            <a:pPr marL="742950" lvl="1" indent="-285750">
+              <a:buFont typeface="Arial" panose="020B0604020202020204" pitchFamily="34" charset="0"/>
+              <a:buChar char="•"/>
+            </a:pPr>
+            <a:r>
+              <a:rPr lang="en-US" altLang="en-US">
+                <a:latin typeface="Cambria" panose="02040503050406030204" charset="0"/>
+                <a:cs typeface="Cambria" panose="02040503050406030204" charset="0"/>
+              </a:rPr>
+              <a:t>+13% Throughput</a:t>
+            </a:r>
+            <a:endParaRPr lang="en-US" altLang="en-US">
+              <a:latin typeface="Cambria" panose="02040503050406030204" charset="0"/>
+              <a:cs typeface="Cambria" panose="02040503050406030204" charset="0"/>
+            </a:endParaRPr>
+          </a:p>
+          <a:p>
+            <a:pPr marL="285750" indent="-285750">
+              <a:buFont typeface="Wingdings" panose="05000000000000000000" charset="0"/>
+              <a:buChar char="v"/>
+            </a:pPr>
+            <a:endParaRPr lang="en-US" altLang="en-US">
+              <a:latin typeface="Cambria" panose="02040503050406030204" charset="0"/>
+              <a:cs typeface="Cambria" panose="02040503050406030204" charset="0"/>
+            </a:endParaRPr>
+          </a:p>
+          <a:p>
+            <a:pPr marL="285750" indent="-285750">
+              <a:buFont typeface="Wingdings" panose="05000000000000000000" charset="0"/>
+              <a:buChar char="v"/>
+            </a:pPr>
+            <a:r>
+              <a:rPr lang="en-US" altLang="en-US">
+                <a:latin typeface="Cambria" panose="02040503050406030204" charset="0"/>
+                <a:cs typeface="Cambria" panose="02040503050406030204" charset="0"/>
+              </a:rPr>
+              <a:t>Future Work:</a:t>
+            </a:r>
+            <a:endParaRPr lang="en-US" altLang="en-US">
+              <a:latin typeface="Cambria" panose="02040503050406030204" charset="0"/>
+              <a:cs typeface="Cambria" panose="02040503050406030204" charset="0"/>
+            </a:endParaRPr>
+          </a:p>
+          <a:p>
+            <a:pPr marL="742950" lvl="1" indent="-285750">
+              <a:buFont typeface="Arial" panose="020B0604020202020204" pitchFamily="34" charset="0"/>
+              <a:buChar char="•"/>
+            </a:pPr>
+            <a:r>
+              <a:rPr lang="en-US" altLang="en-US">
+                <a:latin typeface="Cambria" panose="02040503050406030204" charset="0"/>
+                <a:cs typeface="Cambria" panose="02040503050406030204" charset="0"/>
+              </a:rPr>
+              <a:t>Integrate swarm intelligence with Q-Learning for further optimization.</a:t>
+            </a:r>
+            <a:endParaRPr lang="en-US" altLang="en-US">
+              <a:latin typeface="Cambria" panose="02040503050406030204" charset="0"/>
+              <a:cs typeface="Cambria" panose="02040503050406030204" charset="0"/>
+            </a:endParaRPr>
+          </a:p>
+          <a:p>
+            <a:pPr marL="742950" lvl="1" indent="-285750">
+              <a:buFont typeface="Arial" panose="020B0604020202020204" pitchFamily="34" charset="0"/>
+              <a:buChar char="•"/>
+            </a:pPr>
+            <a:r>
+              <a:rPr lang="en-US" altLang="en-US">
+                <a:latin typeface="Cambria" panose="02040503050406030204" charset="0"/>
+                <a:cs typeface="Cambria" panose="02040503050406030204" charset="0"/>
+              </a:rPr>
+              <a:t>Address trade-offs between deployment cost and performance in dense networks.</a:t>
+            </a:r>
+            <a:endParaRPr lang="en-US" altLang="en-US">
+              <a:latin typeface="Cambria" panose="02040503050406030204" charset="0"/>
+              <a:cs typeface="Cambria" panose="02040503050406030204" charset="0"/>
+            </a:endParaRPr>
+          </a:p>
+          <a:p>
+            <a:pPr marL="742950" lvl="1" indent="-285750">
+              <a:buFont typeface="Arial" panose="020B0604020202020204" pitchFamily="34" charset="0"/>
+              <a:buChar char="•"/>
+            </a:pPr>
+            <a:endParaRPr lang="en-US" altLang="en-US">
+              <a:latin typeface="Cambria" panose="02040503050406030204" charset="0"/>
+              <a:cs typeface="Cambria" panose="02040503050406030204" charset="0"/>
+            </a:endParaRPr>
+          </a:p>
+          <a:p>
+            <a:pPr marL="742950" lvl="1" indent="-285750">
+              <a:buFont typeface="Arial" panose="020B0604020202020204" pitchFamily="34" charset="0"/>
+              <a:buChar char="•"/>
+            </a:pPr>
+            <a:endParaRPr lang="en-US" altLang="en-US">
+              <a:latin typeface="Cambria" panose="02040503050406030204" charset="0"/>
+              <a:cs typeface="Cambria" panose="02040503050406030204" charset="0"/>
+            </a:endParaRPr>
+          </a:p>
+          <a:p>
+            <a:pPr marL="742950" lvl="1" indent="-285750">
+              <a:buFont typeface="Arial" panose="020B0604020202020204" pitchFamily="34" charset="0"/>
+              <a:buChar char="•"/>
+            </a:pPr>
+            <a:endParaRPr lang="en-US" altLang="en-US">
+              <a:latin typeface="Cambria" panose="02040503050406030204" charset="0"/>
+              <a:cs typeface="Cambria" panose="02040503050406030204" charset="0"/>
+            </a:endParaRPr>
+          </a:p>
+          <a:p>
+            <a:pPr marL="742950" lvl="1" indent="-285750">
+              <a:buFont typeface="Arial" panose="020B0604020202020204" pitchFamily="34" charset="0"/>
+              <a:buChar char="•"/>
+            </a:pPr>
+            <a:endParaRPr lang="en-US" altLang="en-US">
+              <a:latin typeface="Cambria" panose="02040503050406030204" charset="0"/>
+              <a:cs typeface="Cambria" panose="02040503050406030204" charset="0"/>
+            </a:endParaRPr>
+          </a:p>
+        </p:txBody>
+      </p:sp>
+    </p:spTree>
+  </p:cSld>
+  <p:clrMapOvr>
+    <a:masterClrMapping/>
+  </p:clrMapOvr>
+</p:sld>
+</file>
+
+<file path=ppt/slides/slide23.xml><?xml version="1.0" encoding="utf-8"?>
 <p:sld xmlns:a="http://schemas.openxmlformats.org/drawingml/2006/main" xmlns:r="http://schemas.openxmlformats.org/officeDocument/2006/relationships" xmlns:p="http://schemas.openxmlformats.org/presentationml/2006/main">
   <p:cSld>
     <p:spTree>
@@ -10139,7 +11556,7 @@
 </p:sld>
 </file>
 
-<file path=ppt/slides/slide22.xml><?xml version="1.0" encoding="utf-8"?>
+<file path=ppt/slides/slide24.xml><?xml version="1.0" encoding="utf-8"?>
 <p:sld xmlns:a="http://schemas.openxmlformats.org/drawingml/2006/main" xmlns:r="http://schemas.openxmlformats.org/officeDocument/2006/relationships" xmlns:p="http://schemas.openxmlformats.org/presentationml/2006/main">
   <p:cSld>
     <p:spTree>
@@ -11288,8 +12705,8 @@
         </p:nvSpPr>
         <p:spPr>
           <a:xfrm>
-            <a:off x="3596005" y="303530"/>
-            <a:ext cx="5186045" cy="730885"/>
+            <a:off x="4353560" y="244475"/>
+            <a:ext cx="3670300" cy="730885"/>
           </a:xfrm>
           <a:prstGeom prst="rect">
             <a:avLst/>
@@ -11310,7 +12727,7 @@
                 <a:latin typeface="Cambria" panose="02040503050406030204" charset="0"/>
                 <a:cs typeface="Cambria" panose="02040503050406030204" charset="0"/>
               </a:rPr>
-              <a:t>Selected Literature Review</a:t>
+              <a:t>Literature Review</a:t>
             </a:r>
             <a:endParaRPr lang="en-US" altLang="en-US" sz="3200" b="1">
               <a:latin typeface="Cambria" panose="02040503050406030204" charset="0"/>
@@ -12510,7 +13927,7 @@
                 <a:latin typeface="Cambria" panose="02040503050406030204" charset="0"/>
                 <a:cs typeface="Cambria" panose="02040503050406030204" charset="0"/>
               </a:rPr>
-              <a:t>: Implement Gridworld example on 8×32 LED matrix for intuitive visualization.</a:t>
+              <a:t>: Implement Gridworld example on 2×8 LED matrix grid for intuitive visualization.</a:t>
             </a:r>
             <a:endParaRPr lang="en-US" altLang="en-US" sz="2000">
               <a:latin typeface="Cambria" panose="02040503050406030204" charset="0"/>
@@ -12583,25 +14000,6 @@
             <a:endParaRPr lang="en-US" altLang="en-US" sz="2000">
               <a:latin typeface="Cambria" panose="02040503050406030204" charset="0"/>
               <a:cs typeface="Cambria" panose="02040503050406030204" charset="0"/>
-            </a:endParaRPr>
-          </a:p>
-          <a:p>
-            <a:pPr marL="1257300" lvl="2" indent="-342900">
-              <a:buFont typeface="Arial" panose="020B0604020202020204" pitchFamily="34" charset="0"/>
-              <a:buChar char="•"/>
-            </a:pPr>
-            <a:r>
-              <a:rPr lang="en-US" altLang="en-US" sz="2000">
-                <a:latin typeface="Cambria" panose="02040503050406030204" charset="0"/>
-                <a:cs typeface="Cambria" panose="02040503050406030204" charset="0"/>
-                <a:sym typeface="+mn-ea"/>
-              </a:rPr>
-              <a:t>Low-Energy Adaptive Clustering Hierarchy (LEACH)</a:t>
-            </a:r>
-            <a:endParaRPr lang="en-US" altLang="en-US" sz="2000">
-              <a:latin typeface="Cambria" panose="02040503050406030204" charset="0"/>
-              <a:cs typeface="Cambria" panose="02040503050406030204" charset="0"/>
-              <a:sym typeface="+mn-ea"/>
             </a:endParaRPr>
           </a:p>
           <a:p>
@@ -13125,8 +14523,8 @@
         </p:nvSpPr>
         <p:spPr>
           <a:xfrm>
-            <a:off x="4475480" y="6130290"/>
-            <a:ext cx="3241675" cy="368300"/>
+            <a:off x="4939665" y="6130290"/>
+            <a:ext cx="2592705" cy="368300"/>
           </a:xfrm>
           <a:prstGeom prst="rect">
             <a:avLst/>
@@ -14856,7 +16254,7 @@
         </p:nvSpPr>
         <p:spPr>
           <a:xfrm>
-            <a:off x="4594225" y="6412230"/>
+            <a:off x="4650105" y="6370320"/>
             <a:ext cx="2778125" cy="368300"/>
           </a:xfrm>
           <a:prstGeom prst="rect">
